--- a/Coding a Keylogger.pptx
+++ b/Coding a Keylogger.pptx
@@ -34,7 +34,7 @@
       <p:boldItalic r:id="rId20"/>
     </p:embeddedFont>
     <p:embeddedFont>
-      <p:font typeface="Copperplate Gothic Bold" panose="020E0705020206020404" pitchFamily="34" charset="0"/>
+      <p:font typeface="Copperplate Gothic Bold" panose="020B0604020202020204" charset="0"/>
       <p:regular r:id="rId21"/>
     </p:embeddedFont>
     <p:embeddedFont>
@@ -178,9 +178,2375 @@
 <file path=ppt/revisionInfo.xml><?xml version="1.0" encoding="utf-8"?>
 <p1510:revInfo xmlns:a="http://schemas.openxmlformats.org/drawingml/2006/main" xmlns:r="http://schemas.openxmlformats.org/officeDocument/2006/relationships" xmlns:p1510="http://schemas.microsoft.com/office/powerpoint/2015/10/main">
   <p1510:revLst>
-    <p1510:client id="{E924B94E-9332-4797-9507-B2B02F3F3C52}" v="105" dt="2021-02-21T07:24:32.394"/>
+    <p1510:client id="{9931194F-4F0F-4DF6-8772-02820869DF16}" v="4" dt="2021-02-21T07:52:54.407"/>
+    <p1510:client id="{E924B94E-9332-4797-9507-B2B02F3F3C52}" v="104" dt="2021-02-21T07:23:48.970"/>
   </p1510:revLst>
 </p1510:revInfo>
+</file>
+
+<file path=ppt/changesInfos/changesInfo1.xml><?xml version="1.0" encoding="utf-8"?>
+<pc:chgInfo xmlns:a="http://schemas.openxmlformats.org/drawingml/2006/main" xmlns:r="http://schemas.openxmlformats.org/officeDocument/2006/relationships" xmlns:ac="http://schemas.microsoft.com/office/drawing/2013/main/command" xmlns:pc="http://schemas.microsoft.com/office/powerpoint/2013/main/command">
+  <pc:docChgLst>
+    <pc:chgData name="Taylor, Tahlla T" userId="S::ttt200001@utdallas.edu::bf0d0bda-9183-4582-adf7-f689b3db65a1" providerId="AD" clId="Web-{D6C3D268-B269-7685-57EC-155734EAF9E9}"/>
+    <pc:docChg chg="addSld delSld modSld sldOrd addMainMaster delMainMaster modMainMaster">
+      <pc:chgData name="Taylor, Tahlla T" userId="S::ttt200001@utdallas.edu::bf0d0bda-9183-4582-adf7-f689b3db65a1" providerId="AD" clId="Web-{D6C3D268-B269-7685-57EC-155734EAF9E9}" dt="2021-02-20T02:32:33.713" v="435"/>
+      <pc:docMkLst>
+        <pc:docMk/>
+      </pc:docMkLst>
+      <pc:sldChg chg="addSp delSp modSp mod modClrScheme chgLayout">
+        <pc:chgData name="Taylor, Tahlla T" userId="S::ttt200001@utdallas.edu::bf0d0bda-9183-4582-adf7-f689b3db65a1" providerId="AD" clId="Web-{D6C3D268-B269-7685-57EC-155734EAF9E9}" dt="2021-02-20T02:14:03.459" v="261"/>
+        <pc:sldMkLst>
+          <pc:docMk/>
+          <pc:sldMk cId="0" sldId="256"/>
+        </pc:sldMkLst>
+        <pc:spChg chg="mod">
+          <ac:chgData name="Taylor, Tahlla T" userId="S::ttt200001@utdallas.edu::bf0d0bda-9183-4582-adf7-f689b3db65a1" providerId="AD" clId="Web-{D6C3D268-B269-7685-57EC-155734EAF9E9}" dt="2021-02-20T02:11:48.113" v="248" actId="14100"/>
+          <ac:spMkLst>
+            <pc:docMk/>
+            <pc:sldMk cId="0" sldId="256"/>
+            <ac:spMk id="3" creationId="{00000000-0000-0000-0000-000000000000}"/>
+          </ac:spMkLst>
+        </pc:spChg>
+        <pc:spChg chg="mod">
+          <ac:chgData name="Taylor, Tahlla T" userId="S::ttt200001@utdallas.edu::bf0d0bda-9183-4582-adf7-f689b3db65a1" providerId="AD" clId="Web-{D6C3D268-B269-7685-57EC-155734EAF9E9}" dt="2021-02-20T02:12:10.676" v="251"/>
+          <ac:spMkLst>
+            <pc:docMk/>
+            <pc:sldMk cId="0" sldId="256"/>
+            <ac:spMk id="4" creationId="{00000000-0000-0000-0000-000000000000}"/>
+          </ac:spMkLst>
+        </pc:spChg>
+        <pc:spChg chg="add del">
+          <ac:chgData name="Taylor, Tahlla T" userId="S::ttt200001@utdallas.edu::bf0d0bda-9183-4582-adf7-f689b3db65a1" providerId="AD" clId="Web-{D6C3D268-B269-7685-57EC-155734EAF9E9}" dt="2021-02-20T02:06:48.123" v="203"/>
+          <ac:spMkLst>
+            <pc:docMk/>
+            <pc:sldMk cId="0" sldId="256"/>
+            <ac:spMk id="11" creationId="{8B5C2897-7921-4DD8-818F-1C0B5CFC3A2A}"/>
+          </ac:spMkLst>
+        </pc:spChg>
+        <pc:spChg chg="add del">
+          <ac:chgData name="Taylor, Tahlla T" userId="S::ttt200001@utdallas.edu::bf0d0bda-9183-4582-adf7-f689b3db65a1" providerId="AD" clId="Web-{D6C3D268-B269-7685-57EC-155734EAF9E9}" dt="2021-02-20T02:07:45.733" v="211"/>
+          <ac:spMkLst>
+            <pc:docMk/>
+            <pc:sldMk cId="0" sldId="256"/>
+            <ac:spMk id="13" creationId="{3DEED649-48A1-42F3-82D2-B14CEC9A8F54}"/>
+          </ac:spMkLst>
+        </pc:spChg>
+        <pc:spChg chg="add mod ord">
+          <ac:chgData name="Taylor, Tahlla T" userId="S::ttt200001@utdallas.edu::bf0d0bda-9183-4582-adf7-f689b3db65a1" providerId="AD" clId="Web-{D6C3D268-B269-7685-57EC-155734EAF9E9}" dt="2021-02-20T02:14:03.459" v="261"/>
+          <ac:spMkLst>
+            <pc:docMk/>
+            <pc:sldMk cId="0" sldId="256"/>
+            <ac:spMk id="14" creationId="{C6168B19-C108-4ACD-9832-4E00D247715F}"/>
+          </ac:spMkLst>
+        </pc:spChg>
+        <pc:grpChg chg="mod">
+          <ac:chgData name="Taylor, Tahlla T" userId="S::ttt200001@utdallas.edu::bf0d0bda-9183-4582-adf7-f689b3db65a1" providerId="AD" clId="Web-{D6C3D268-B269-7685-57EC-155734EAF9E9}" dt="2021-02-20T02:11:54.895" v="249" actId="1076"/>
+          <ac:grpSpMkLst>
+            <pc:docMk/>
+            <pc:sldMk cId="0" sldId="256"/>
+            <ac:grpSpMk id="2" creationId="{00000000-0000-0000-0000-000000000000}"/>
+          </ac:grpSpMkLst>
+        </pc:grpChg>
+        <pc:picChg chg="del">
+          <ac:chgData name="Taylor, Tahlla T" userId="S::ttt200001@utdallas.edu::bf0d0bda-9183-4582-adf7-f689b3db65a1" providerId="AD" clId="Web-{D6C3D268-B269-7685-57EC-155734EAF9E9}" dt="2021-02-20T02:03:11.601" v="189"/>
+          <ac:picMkLst>
+            <pc:docMk/>
+            <pc:sldMk cId="0" sldId="256"/>
+            <ac:picMk id="5" creationId="{00000000-0000-0000-0000-000000000000}"/>
+          </ac:picMkLst>
+        </pc:picChg>
+        <pc:picChg chg="del">
+          <ac:chgData name="Taylor, Tahlla T" userId="S::ttt200001@utdallas.edu::bf0d0bda-9183-4582-adf7-f689b3db65a1" providerId="AD" clId="Web-{D6C3D268-B269-7685-57EC-155734EAF9E9}" dt="2021-02-20T02:03:13.507" v="190"/>
+          <ac:picMkLst>
+            <pc:docMk/>
+            <pc:sldMk cId="0" sldId="256"/>
+            <ac:picMk id="6" creationId="{00000000-0000-0000-0000-000000000000}"/>
+          </ac:picMkLst>
+        </pc:picChg>
+        <pc:picChg chg="del">
+          <ac:chgData name="Taylor, Tahlla T" userId="S::ttt200001@utdallas.edu::bf0d0bda-9183-4582-adf7-f689b3db65a1" providerId="AD" clId="Web-{D6C3D268-B269-7685-57EC-155734EAF9E9}" dt="2021-02-20T02:03:15.461" v="191"/>
+          <ac:picMkLst>
+            <pc:docMk/>
+            <pc:sldMk cId="0" sldId="256"/>
+            <ac:picMk id="7" creationId="{00000000-0000-0000-0000-000000000000}"/>
+          </ac:picMkLst>
+        </pc:picChg>
+        <pc:picChg chg="add del mod">
+          <ac:chgData name="Taylor, Tahlla T" userId="S::ttt200001@utdallas.edu::bf0d0bda-9183-4582-adf7-f689b3db65a1" providerId="AD" clId="Web-{D6C3D268-B269-7685-57EC-155734EAF9E9}" dt="2021-02-20T02:07:13.389" v="205"/>
+          <ac:picMkLst>
+            <pc:docMk/>
+            <pc:sldMk cId="0" sldId="256"/>
+            <ac:picMk id="8" creationId="{AA5D3DB8-6138-4472-B8BA-D8B56C2B4B86}"/>
+          </ac:picMkLst>
+        </pc:picChg>
+        <pc:picChg chg="add del mod">
+          <ac:chgData name="Taylor, Tahlla T" userId="S::ttt200001@utdallas.edu::bf0d0bda-9183-4582-adf7-f689b3db65a1" providerId="AD" clId="Web-{D6C3D268-B269-7685-57EC-155734EAF9E9}" dt="2021-02-20T02:05:19.121" v="198"/>
+          <ac:picMkLst>
+            <pc:docMk/>
+            <pc:sldMk cId="0" sldId="256"/>
+            <ac:picMk id="9" creationId="{519BE4EC-4474-408D-8B33-EEC4457AFBA6}"/>
+          </ac:picMkLst>
+        </pc:picChg>
+        <pc:picChg chg="add mod ord">
+          <ac:chgData name="Taylor, Tahlla T" userId="S::ttt200001@utdallas.edu::bf0d0bda-9183-4582-adf7-f689b3db65a1" providerId="AD" clId="Web-{D6C3D268-B269-7685-57EC-155734EAF9E9}" dt="2021-02-20T02:13:40.631" v="259" actId="14100"/>
+          <ac:picMkLst>
+            <pc:docMk/>
+            <pc:sldMk cId="0" sldId="256"/>
+            <ac:picMk id="12" creationId="{F5CD5582-AF82-4D33-97A4-461AFAF35856}"/>
+          </ac:picMkLst>
+        </pc:picChg>
+      </pc:sldChg>
+      <pc:sldChg chg="addSp delSp modSp mod modClrScheme chgLayout">
+        <pc:chgData name="Taylor, Tahlla T" userId="S::ttt200001@utdallas.edu::bf0d0bda-9183-4582-adf7-f689b3db65a1" providerId="AD" clId="Web-{D6C3D268-B269-7685-57EC-155734EAF9E9}" dt="2021-02-20T02:14:50.632" v="267"/>
+        <pc:sldMkLst>
+          <pc:docMk/>
+          <pc:sldMk cId="0" sldId="257"/>
+        </pc:sldMkLst>
+        <pc:spChg chg="mod">
+          <ac:chgData name="Taylor, Tahlla T" userId="S::ttt200001@utdallas.edu::bf0d0bda-9183-4582-adf7-f689b3db65a1" providerId="AD" clId="Web-{D6C3D268-B269-7685-57EC-155734EAF9E9}" dt="2021-02-20T02:03:08.648" v="188" actId="20577"/>
+          <ac:spMkLst>
+            <pc:docMk/>
+            <pc:sldMk cId="0" sldId="257"/>
+            <ac:spMk id="2" creationId="{00000000-0000-0000-0000-000000000000}"/>
+          </ac:spMkLst>
+        </pc:spChg>
+        <pc:spChg chg="mod">
+          <ac:chgData name="Taylor, Tahlla T" userId="S::ttt200001@utdallas.edu::bf0d0bda-9183-4582-adf7-f689b3db65a1" providerId="AD" clId="Web-{D6C3D268-B269-7685-57EC-155734EAF9E9}" dt="2021-02-20T02:02:48.851" v="186"/>
+          <ac:spMkLst>
+            <pc:docMk/>
+            <pc:sldMk cId="0" sldId="257"/>
+            <ac:spMk id="4" creationId="{00000000-0000-0000-0000-000000000000}"/>
+          </ac:spMkLst>
+        </pc:spChg>
+        <pc:spChg chg="mod">
+          <ac:chgData name="Taylor, Tahlla T" userId="S::ttt200001@utdallas.edu::bf0d0bda-9183-4582-adf7-f689b3db65a1" providerId="AD" clId="Web-{D6C3D268-B269-7685-57EC-155734EAF9E9}" dt="2021-02-20T02:01:37.350" v="175" actId="20577"/>
+          <ac:spMkLst>
+            <pc:docMk/>
+            <pc:sldMk cId="0" sldId="257"/>
+            <ac:spMk id="5" creationId="{00000000-0000-0000-0000-000000000000}"/>
+          </ac:spMkLst>
+        </pc:spChg>
+        <pc:picChg chg="add del mod">
+          <ac:chgData name="Taylor, Tahlla T" userId="S::ttt200001@utdallas.edu::bf0d0bda-9183-4582-adf7-f689b3db65a1" providerId="AD" clId="Web-{D6C3D268-B269-7685-57EC-155734EAF9E9}" dt="2021-02-20T02:14:50.632" v="267"/>
+          <ac:picMkLst>
+            <pc:docMk/>
+            <pc:sldMk cId="0" sldId="257"/>
+            <ac:picMk id="6" creationId="{00000000-0000-0000-0000-000000000000}"/>
+          </ac:picMkLst>
+        </pc:picChg>
+      </pc:sldChg>
+      <pc:sldChg chg="delSp modSp mod modClrScheme chgLayout">
+        <pc:chgData name="Taylor, Tahlla T" userId="S::ttt200001@utdallas.edu::bf0d0bda-9183-4582-adf7-f689b3db65a1" providerId="AD" clId="Web-{D6C3D268-B269-7685-57EC-155734EAF9E9}" dt="2021-02-20T02:14:58.741" v="268"/>
+        <pc:sldMkLst>
+          <pc:docMk/>
+          <pc:sldMk cId="0" sldId="258"/>
+        </pc:sldMkLst>
+        <pc:spChg chg="mod">
+          <ac:chgData name="Taylor, Tahlla T" userId="S::ttt200001@utdallas.edu::bf0d0bda-9183-4582-adf7-f689b3db65a1" providerId="AD" clId="Web-{D6C3D268-B269-7685-57EC-155734EAF9E9}" dt="2021-02-20T02:14:34.241" v="266" actId="20577"/>
+          <ac:spMkLst>
+            <pc:docMk/>
+            <pc:sldMk cId="0" sldId="258"/>
+            <ac:spMk id="2" creationId="{00000000-0000-0000-0000-000000000000}"/>
+          </ac:spMkLst>
+        </pc:spChg>
+        <pc:picChg chg="del mod">
+          <ac:chgData name="Taylor, Tahlla T" userId="S::ttt200001@utdallas.edu::bf0d0bda-9183-4582-adf7-f689b3db65a1" providerId="AD" clId="Web-{D6C3D268-B269-7685-57EC-155734EAF9E9}" dt="2021-02-20T02:14:58.741" v="268"/>
+          <ac:picMkLst>
+            <pc:docMk/>
+            <pc:sldMk cId="0" sldId="258"/>
+            <ac:picMk id="3" creationId="{00000000-0000-0000-0000-000000000000}"/>
+          </ac:picMkLst>
+        </pc:picChg>
+      </pc:sldChg>
+      <pc:sldChg chg="addSp delSp modSp mod modClrScheme chgLayout">
+        <pc:chgData name="Taylor, Tahlla T" userId="S::ttt200001@utdallas.edu::bf0d0bda-9183-4582-adf7-f689b3db65a1" providerId="AD" clId="Web-{D6C3D268-B269-7685-57EC-155734EAF9E9}" dt="2021-02-20T02:25:16.924" v="376" actId="1076"/>
+        <pc:sldMkLst>
+          <pc:docMk/>
+          <pc:sldMk cId="0" sldId="259"/>
+        </pc:sldMkLst>
+        <pc:spChg chg="mod">
+          <ac:chgData name="Taylor, Tahlla T" userId="S::ttt200001@utdallas.edu::bf0d0bda-9183-4582-adf7-f689b3db65a1" providerId="AD" clId="Web-{D6C3D268-B269-7685-57EC-155734EAF9E9}" dt="2021-02-20T02:21:40.764" v="351" actId="1076"/>
+          <ac:spMkLst>
+            <pc:docMk/>
+            <pc:sldMk cId="0" sldId="259"/>
+            <ac:spMk id="2" creationId="{00000000-0000-0000-0000-000000000000}"/>
+          </ac:spMkLst>
+        </pc:spChg>
+        <pc:spChg chg="mod">
+          <ac:chgData name="Taylor, Tahlla T" userId="S::ttt200001@utdallas.edu::bf0d0bda-9183-4582-adf7-f689b3db65a1" providerId="AD" clId="Web-{D6C3D268-B269-7685-57EC-155734EAF9E9}" dt="2021-02-20T02:25:10.315" v="374" actId="1076"/>
+          <ac:spMkLst>
+            <pc:docMk/>
+            <pc:sldMk cId="0" sldId="259"/>
+            <ac:spMk id="4" creationId="{00000000-0000-0000-0000-000000000000}"/>
+          </ac:spMkLst>
+        </pc:spChg>
+        <pc:picChg chg="del mod">
+          <ac:chgData name="Taylor, Tahlla T" userId="S::ttt200001@utdallas.edu::bf0d0bda-9183-4582-adf7-f689b3db65a1" providerId="AD" clId="Web-{D6C3D268-B269-7685-57EC-155734EAF9E9}" dt="2021-02-20T02:15:03.195" v="269"/>
+          <ac:picMkLst>
+            <pc:docMk/>
+            <pc:sldMk cId="0" sldId="259"/>
+            <ac:picMk id="3" creationId="{00000000-0000-0000-0000-000000000000}"/>
+          </ac:picMkLst>
+        </pc:picChg>
+        <pc:cxnChg chg="add mod">
+          <ac:chgData name="Taylor, Tahlla T" userId="S::ttt200001@utdallas.edu::bf0d0bda-9183-4582-adf7-f689b3db65a1" providerId="AD" clId="Web-{D6C3D268-B269-7685-57EC-155734EAF9E9}" dt="2021-02-20T02:25:16.924" v="376" actId="1076"/>
+          <ac:cxnSpMkLst>
+            <pc:docMk/>
+            <pc:sldMk cId="0" sldId="259"/>
+            <ac:cxnSpMk id="6" creationId="{E5781A0C-573E-41F8-A1BF-B9A4F1B5D21D}"/>
+          </ac:cxnSpMkLst>
+        </pc:cxnChg>
+      </pc:sldChg>
+      <pc:sldChg chg="addSp delSp modSp mod modClrScheme addAnim delAnim chgLayout">
+        <pc:chgData name="Taylor, Tahlla T" userId="S::ttt200001@utdallas.edu::bf0d0bda-9183-4582-adf7-f689b3db65a1" providerId="AD" clId="Web-{D6C3D268-B269-7685-57EC-155734EAF9E9}" dt="2021-02-20T02:24:59.096" v="373" actId="1076"/>
+        <pc:sldMkLst>
+          <pc:docMk/>
+          <pc:sldMk cId="0" sldId="260"/>
+        </pc:sldMkLst>
+        <pc:spChg chg="mod">
+          <ac:chgData name="Taylor, Tahlla T" userId="S::ttt200001@utdallas.edu::bf0d0bda-9183-4582-adf7-f689b3db65a1" providerId="AD" clId="Web-{D6C3D268-B269-7685-57EC-155734EAF9E9}" dt="2021-02-20T02:20:35.513" v="339" actId="1076"/>
+          <ac:spMkLst>
+            <pc:docMk/>
+            <pc:sldMk cId="0" sldId="260"/>
+            <ac:spMk id="2" creationId="{00000000-0000-0000-0000-000000000000}"/>
+          </ac:spMkLst>
+        </pc:spChg>
+        <pc:spChg chg="mod">
+          <ac:chgData name="Taylor, Tahlla T" userId="S::ttt200001@utdallas.edu::bf0d0bda-9183-4582-adf7-f689b3db65a1" providerId="AD" clId="Web-{D6C3D268-B269-7685-57EC-155734EAF9E9}" dt="2021-02-20T02:24:48.986" v="371" actId="1076"/>
+          <ac:spMkLst>
+            <pc:docMk/>
+            <pc:sldMk cId="0" sldId="260"/>
+            <ac:spMk id="4" creationId="{00000000-0000-0000-0000-000000000000}"/>
+          </ac:spMkLst>
+        </pc:spChg>
+        <pc:spChg chg="add del mod">
+          <ac:chgData name="Taylor, Tahlla T" userId="S::ttt200001@utdallas.edu::bf0d0bda-9183-4582-adf7-f689b3db65a1" providerId="AD" clId="Web-{D6C3D268-B269-7685-57EC-155734EAF9E9}" dt="2021-02-20T02:18:37.511" v="304"/>
+          <ac:spMkLst>
+            <pc:docMk/>
+            <pc:sldMk cId="0" sldId="260"/>
+            <ac:spMk id="5" creationId="{3A722D0E-2401-4DD7-9B32-A21C1D5E7F96}"/>
+          </ac:spMkLst>
+        </pc:spChg>
+        <pc:spChg chg="add mod">
+          <ac:chgData name="Taylor, Tahlla T" userId="S::ttt200001@utdallas.edu::bf0d0bda-9183-4582-adf7-f689b3db65a1" providerId="AD" clId="Web-{D6C3D268-B269-7685-57EC-155734EAF9E9}" dt="2021-02-20T02:20:10.700" v="330" actId="1076"/>
+          <ac:spMkLst>
+            <pc:docMk/>
+            <pc:sldMk cId="0" sldId="260"/>
+            <ac:spMk id="7" creationId="{FA5513A9-935C-4444-98ED-F53156661D84}"/>
+          </ac:spMkLst>
+        </pc:spChg>
+        <pc:spChg chg="add mod ord">
+          <ac:chgData name="Taylor, Tahlla T" userId="S::ttt200001@utdallas.edu::bf0d0bda-9183-4582-adf7-f689b3db65a1" providerId="AD" clId="Web-{D6C3D268-B269-7685-57EC-155734EAF9E9}" dt="2021-02-20T02:21:24.061" v="349"/>
+          <ac:spMkLst>
+            <pc:docMk/>
+            <pc:sldMk cId="0" sldId="260"/>
+            <ac:spMk id="8" creationId="{FCB68DD1-B47B-44A8-AEC0-74BD5F502363}"/>
+          </ac:spMkLst>
+        </pc:spChg>
+        <pc:picChg chg="del">
+          <ac:chgData name="Taylor, Tahlla T" userId="S::ttt200001@utdallas.edu::bf0d0bda-9183-4582-adf7-f689b3db65a1" providerId="AD" clId="Web-{D6C3D268-B269-7685-57EC-155734EAF9E9}" dt="2021-02-20T02:15:07.398" v="270"/>
+          <ac:picMkLst>
+            <pc:docMk/>
+            <pc:sldMk cId="0" sldId="260"/>
+            <ac:picMk id="3" creationId="{00000000-0000-0000-0000-000000000000}"/>
+          </ac:picMkLst>
+        </pc:picChg>
+        <pc:cxnChg chg="add mod">
+          <ac:chgData name="Taylor, Tahlla T" userId="S::ttt200001@utdallas.edu::bf0d0bda-9183-4582-adf7-f689b3db65a1" providerId="AD" clId="Web-{D6C3D268-B269-7685-57EC-155734EAF9E9}" dt="2021-02-20T02:24:59.096" v="373" actId="1076"/>
+          <ac:cxnSpMkLst>
+            <pc:docMk/>
+            <pc:sldMk cId="0" sldId="260"/>
+            <ac:cxnSpMk id="10" creationId="{CAC8AED0-2370-44F3-8BE1-95DA44FE9867}"/>
+          </ac:cxnSpMkLst>
+        </pc:cxnChg>
+      </pc:sldChg>
+      <pc:sldChg chg="addSp delSp modSp mod modClrScheme chgLayout">
+        <pc:chgData name="Taylor, Tahlla T" userId="S::ttt200001@utdallas.edu::bf0d0bda-9183-4582-adf7-f689b3db65a1" providerId="AD" clId="Web-{D6C3D268-B269-7685-57EC-155734EAF9E9}" dt="2021-02-20T02:32:33.713" v="435"/>
+        <pc:sldMkLst>
+          <pc:docMk/>
+          <pc:sldMk cId="0" sldId="261"/>
+        </pc:sldMkLst>
+        <pc:spChg chg="mod">
+          <ac:chgData name="Taylor, Tahlla T" userId="S::ttt200001@utdallas.edu::bf0d0bda-9183-4582-adf7-f689b3db65a1" providerId="AD" clId="Web-{D6C3D268-B269-7685-57EC-155734EAF9E9}" dt="2021-02-20T02:22:42.468" v="361" actId="1076"/>
+          <ac:spMkLst>
+            <pc:docMk/>
+            <pc:sldMk cId="0" sldId="261"/>
+            <ac:spMk id="2" creationId="{00000000-0000-0000-0000-000000000000}"/>
+          </ac:spMkLst>
+        </pc:spChg>
+        <pc:spChg chg="mod">
+          <ac:chgData name="Taylor, Tahlla T" userId="S::ttt200001@utdallas.edu::bf0d0bda-9183-4582-adf7-f689b3db65a1" providerId="AD" clId="Web-{D6C3D268-B269-7685-57EC-155734EAF9E9}" dt="2021-02-20T02:32:33.713" v="435"/>
+          <ac:spMkLst>
+            <pc:docMk/>
+            <pc:sldMk cId="0" sldId="261"/>
+            <ac:spMk id="4" creationId="{00000000-0000-0000-0000-000000000000}"/>
+          </ac:spMkLst>
+        </pc:spChg>
+        <pc:picChg chg="del">
+          <ac:chgData name="Taylor, Tahlla T" userId="S::ttt200001@utdallas.edu::bf0d0bda-9183-4582-adf7-f689b3db65a1" providerId="AD" clId="Web-{D6C3D268-B269-7685-57EC-155734EAF9E9}" dt="2021-02-20T02:22:36.999" v="360"/>
+          <ac:picMkLst>
+            <pc:docMk/>
+            <pc:sldMk cId="0" sldId="261"/>
+            <ac:picMk id="3" creationId="{00000000-0000-0000-0000-000000000000}"/>
+          </ac:picMkLst>
+        </pc:picChg>
+        <pc:cxnChg chg="add del mod">
+          <ac:chgData name="Taylor, Tahlla T" userId="S::ttt200001@utdallas.edu::bf0d0bda-9183-4582-adf7-f689b3db65a1" providerId="AD" clId="Web-{D6C3D268-B269-7685-57EC-155734EAF9E9}" dt="2021-02-20T02:32:12.665" v="433"/>
+          <ac:cxnSpMkLst>
+            <pc:docMk/>
+            <pc:sldMk cId="0" sldId="261"/>
+            <ac:cxnSpMk id="5" creationId="{284F9A37-1CE6-426C-AED8-C2032F755AE8}"/>
+          </ac:cxnSpMkLst>
+        </pc:cxnChg>
+        <pc:cxnChg chg="add mod">
+          <ac:chgData name="Taylor, Tahlla T" userId="S::ttt200001@utdallas.edu::bf0d0bda-9183-4582-adf7-f689b3db65a1" providerId="AD" clId="Web-{D6C3D268-B269-7685-57EC-155734EAF9E9}" dt="2021-02-20T02:24:26.064" v="370"/>
+          <ac:cxnSpMkLst>
+            <pc:docMk/>
+            <pc:sldMk cId="0" sldId="261"/>
+            <ac:cxnSpMk id="6" creationId="{DCABDBEB-588E-47BF-8C20-1A1F740ADA67}"/>
+          </ac:cxnSpMkLst>
+        </pc:cxnChg>
+      </pc:sldChg>
+      <pc:sldChg chg="addSp delSp modSp mod modClrScheme chgLayout">
+        <pc:chgData name="Taylor, Tahlla T" userId="S::ttt200001@utdallas.edu::bf0d0bda-9183-4582-adf7-f689b3db65a1" providerId="AD" clId="Web-{D6C3D268-B269-7685-57EC-155734EAF9E9}" dt="2021-02-20T02:27:28.082" v="402" actId="20577"/>
+        <pc:sldMkLst>
+          <pc:docMk/>
+          <pc:sldMk cId="0" sldId="262"/>
+        </pc:sldMkLst>
+        <pc:spChg chg="mod">
+          <ac:chgData name="Taylor, Tahlla T" userId="S::ttt200001@utdallas.edu::bf0d0bda-9183-4582-adf7-f689b3db65a1" providerId="AD" clId="Web-{D6C3D268-B269-7685-57EC-155734EAF9E9}" dt="2021-02-20T02:27:28.082" v="402" actId="20577"/>
+          <ac:spMkLst>
+            <pc:docMk/>
+            <pc:sldMk cId="0" sldId="262"/>
+            <ac:spMk id="2" creationId="{00000000-0000-0000-0000-000000000000}"/>
+          </ac:spMkLst>
+        </pc:spChg>
+        <pc:spChg chg="mod">
+          <ac:chgData name="Taylor, Tahlla T" userId="S::ttt200001@utdallas.edu::bf0d0bda-9183-4582-adf7-f689b3db65a1" providerId="AD" clId="Web-{D6C3D268-B269-7685-57EC-155734EAF9E9}" dt="2021-02-20T02:25:39.221" v="379" actId="20577"/>
+          <ac:spMkLst>
+            <pc:docMk/>
+            <pc:sldMk cId="0" sldId="262"/>
+            <ac:spMk id="4" creationId="{00000000-0000-0000-0000-000000000000}"/>
+          </ac:spMkLst>
+        </pc:spChg>
+        <pc:picChg chg="add del">
+          <ac:chgData name="Taylor, Tahlla T" userId="S::ttt200001@utdallas.edu::bf0d0bda-9183-4582-adf7-f689b3db65a1" providerId="AD" clId="Web-{D6C3D268-B269-7685-57EC-155734EAF9E9}" dt="2021-02-20T02:27:06.520" v="397"/>
+          <ac:picMkLst>
+            <pc:docMk/>
+            <pc:sldMk cId="0" sldId="262"/>
+            <ac:picMk id="3" creationId="{00000000-0000-0000-0000-000000000000}"/>
+          </ac:picMkLst>
+        </pc:picChg>
+        <pc:cxnChg chg="add mod">
+          <ac:chgData name="Taylor, Tahlla T" userId="S::ttt200001@utdallas.edu::bf0d0bda-9183-4582-adf7-f689b3db65a1" providerId="AD" clId="Web-{D6C3D268-B269-7685-57EC-155734EAF9E9}" dt="2021-02-20T02:27:02.738" v="395" actId="1076"/>
+          <ac:cxnSpMkLst>
+            <pc:docMk/>
+            <pc:sldMk cId="0" sldId="262"/>
+            <ac:cxnSpMk id="6" creationId="{06DAD06B-DD53-4D4D-BEAF-DCD5AFD333EF}"/>
+          </ac:cxnSpMkLst>
+        </pc:cxnChg>
+      </pc:sldChg>
+      <pc:sldChg chg="addSp delSp modSp mod modClrScheme chgLayout">
+        <pc:chgData name="Taylor, Tahlla T" userId="S::ttt200001@utdallas.edu::bf0d0bda-9183-4582-adf7-f689b3db65a1" providerId="AD" clId="Web-{D6C3D268-B269-7685-57EC-155734EAF9E9}" dt="2021-02-20T02:28:07.677" v="412" actId="20577"/>
+        <pc:sldMkLst>
+          <pc:docMk/>
+          <pc:sldMk cId="0" sldId="263"/>
+        </pc:sldMkLst>
+        <pc:spChg chg="mod">
+          <ac:chgData name="Taylor, Tahlla T" userId="S::ttt200001@utdallas.edu::bf0d0bda-9183-4582-adf7-f689b3db65a1" providerId="AD" clId="Web-{D6C3D268-B269-7685-57EC-155734EAF9E9}" dt="2021-02-20T02:28:07.677" v="412" actId="20577"/>
+          <ac:spMkLst>
+            <pc:docMk/>
+            <pc:sldMk cId="0" sldId="263"/>
+            <ac:spMk id="2" creationId="{00000000-0000-0000-0000-000000000000}"/>
+          </ac:spMkLst>
+        </pc:spChg>
+        <pc:spChg chg="mod">
+          <ac:chgData name="Taylor, Tahlla T" userId="S::ttt200001@utdallas.edu::bf0d0bda-9183-4582-adf7-f689b3db65a1" providerId="AD" clId="Web-{D6C3D268-B269-7685-57EC-155734EAF9E9}" dt="2021-02-20T02:25:47.831" v="380" actId="20577"/>
+          <ac:spMkLst>
+            <pc:docMk/>
+            <pc:sldMk cId="0" sldId="263"/>
+            <ac:spMk id="4" creationId="{00000000-0000-0000-0000-000000000000}"/>
+          </ac:spMkLst>
+        </pc:spChg>
+        <pc:picChg chg="del">
+          <ac:chgData name="Taylor, Tahlla T" userId="S::ttt200001@utdallas.edu::bf0d0bda-9183-4582-adf7-f689b3db65a1" providerId="AD" clId="Web-{D6C3D268-B269-7685-57EC-155734EAF9E9}" dt="2021-02-20T02:27:50.708" v="408"/>
+          <ac:picMkLst>
+            <pc:docMk/>
+            <pc:sldMk cId="0" sldId="263"/>
+            <ac:picMk id="3" creationId="{00000000-0000-0000-0000-000000000000}"/>
+          </ac:picMkLst>
+        </pc:picChg>
+        <pc:cxnChg chg="add mod">
+          <ac:chgData name="Taylor, Tahlla T" userId="S::ttt200001@utdallas.edu::bf0d0bda-9183-4582-adf7-f689b3db65a1" providerId="AD" clId="Web-{D6C3D268-B269-7685-57EC-155734EAF9E9}" dt="2021-02-20T02:25:53.675" v="382" actId="1076"/>
+          <ac:cxnSpMkLst>
+            <pc:docMk/>
+            <pc:sldMk cId="0" sldId="263"/>
+            <ac:cxnSpMk id="6" creationId="{0E7CDBEA-006C-43AA-90BC-E93DA541ECC8}"/>
+          </ac:cxnSpMkLst>
+        </pc:cxnChg>
+      </pc:sldChg>
+      <pc:sldChg chg="addSp delSp modSp mod modClrScheme chgLayout">
+        <pc:chgData name="Taylor, Tahlla T" userId="S::ttt200001@utdallas.edu::bf0d0bda-9183-4582-adf7-f689b3db65a1" providerId="AD" clId="Web-{D6C3D268-B269-7685-57EC-155734EAF9E9}" dt="2021-02-20T02:30:57.727" v="432" actId="1076"/>
+        <pc:sldMkLst>
+          <pc:docMk/>
+          <pc:sldMk cId="0" sldId="265"/>
+        </pc:sldMkLst>
+        <pc:spChg chg="mod">
+          <ac:chgData name="Taylor, Tahlla T" userId="S::ttt200001@utdallas.edu::bf0d0bda-9183-4582-adf7-f689b3db65a1" providerId="AD" clId="Web-{D6C3D268-B269-7685-57EC-155734EAF9E9}" dt="2021-02-20T02:26:48.519" v="391" actId="20577"/>
+          <ac:spMkLst>
+            <pc:docMk/>
+            <pc:sldMk cId="0" sldId="265"/>
+            <ac:spMk id="2" creationId="{00000000-0000-0000-0000-000000000000}"/>
+          </ac:spMkLst>
+        </pc:spChg>
+        <pc:spChg chg="mod">
+          <ac:chgData name="Taylor, Tahlla T" userId="S::ttt200001@utdallas.edu::bf0d0bda-9183-4582-adf7-f689b3db65a1" providerId="AD" clId="Web-{D6C3D268-B269-7685-57EC-155734EAF9E9}" dt="2021-02-20T02:30:57.727" v="432" actId="1076"/>
+          <ac:spMkLst>
+            <pc:docMk/>
+            <pc:sldMk cId="0" sldId="265"/>
+            <ac:spMk id="4" creationId="{00000000-0000-0000-0000-000000000000}"/>
+          </ac:spMkLst>
+        </pc:spChg>
+        <pc:picChg chg="del">
+          <ac:chgData name="Taylor, Tahlla T" userId="S::ttt200001@utdallas.edu::bf0d0bda-9183-4582-adf7-f689b3db65a1" providerId="AD" clId="Web-{D6C3D268-B269-7685-57EC-155734EAF9E9}" dt="2021-02-20T02:26:51.754" v="392"/>
+          <ac:picMkLst>
+            <pc:docMk/>
+            <pc:sldMk cId="0" sldId="265"/>
+            <ac:picMk id="3" creationId="{00000000-0000-0000-0000-000000000000}"/>
+          </ac:picMkLst>
+        </pc:picChg>
+        <pc:cxnChg chg="add">
+          <ac:chgData name="Taylor, Tahlla T" userId="S::ttt200001@utdallas.edu::bf0d0bda-9183-4582-adf7-f689b3db65a1" providerId="AD" clId="Web-{D6C3D268-B269-7685-57EC-155734EAF9E9}" dt="2021-02-20T02:26:31.285" v="387"/>
+          <ac:cxnSpMkLst>
+            <pc:docMk/>
+            <pc:sldMk cId="0" sldId="265"/>
+            <ac:cxnSpMk id="6" creationId="{97C231EC-E33A-405D-9195-7ECF618EC60B}"/>
+          </ac:cxnSpMkLst>
+        </pc:cxnChg>
+      </pc:sldChg>
+      <pc:sldChg chg="addSp delSp modSp mod modClrScheme chgLayout">
+        <pc:chgData name="Taylor, Tahlla T" userId="S::ttt200001@utdallas.edu::bf0d0bda-9183-4582-adf7-f689b3db65a1" providerId="AD" clId="Web-{D6C3D268-B269-7685-57EC-155734EAF9E9}" dt="2021-02-20T02:29:02.522" v="423" actId="20577"/>
+        <pc:sldMkLst>
+          <pc:docMk/>
+          <pc:sldMk cId="0" sldId="266"/>
+        </pc:sldMkLst>
+        <pc:spChg chg="mod">
+          <ac:chgData name="Taylor, Tahlla T" userId="S::ttt200001@utdallas.edu::bf0d0bda-9183-4582-adf7-f689b3db65a1" providerId="AD" clId="Web-{D6C3D268-B269-7685-57EC-155734EAF9E9}" dt="2021-02-20T02:28:50.943" v="421" actId="14100"/>
+          <ac:spMkLst>
+            <pc:docMk/>
+            <pc:sldMk cId="0" sldId="266"/>
+            <ac:spMk id="2" creationId="{00000000-0000-0000-0000-000000000000}"/>
+          </ac:spMkLst>
+        </pc:spChg>
+        <pc:spChg chg="mod">
+          <ac:chgData name="Taylor, Tahlla T" userId="S::ttt200001@utdallas.edu::bf0d0bda-9183-4582-adf7-f689b3db65a1" providerId="AD" clId="Web-{D6C3D268-B269-7685-57EC-155734EAF9E9}" dt="2021-02-20T02:29:02.522" v="423" actId="20577"/>
+          <ac:spMkLst>
+            <pc:docMk/>
+            <pc:sldMk cId="0" sldId="266"/>
+            <ac:spMk id="4" creationId="{00000000-0000-0000-0000-000000000000}"/>
+          </ac:spMkLst>
+        </pc:spChg>
+        <pc:picChg chg="del">
+          <ac:chgData name="Taylor, Tahlla T" userId="S::ttt200001@utdallas.edu::bf0d0bda-9183-4582-adf7-f689b3db65a1" providerId="AD" clId="Web-{D6C3D268-B269-7685-57EC-155734EAF9E9}" dt="2021-02-20T02:28:43.412" v="418"/>
+          <ac:picMkLst>
+            <pc:docMk/>
+            <pc:sldMk cId="0" sldId="266"/>
+            <ac:picMk id="3" creationId="{00000000-0000-0000-0000-000000000000}"/>
+          </ac:picMkLst>
+        </pc:picChg>
+        <pc:cxnChg chg="add">
+          <ac:chgData name="Taylor, Tahlla T" userId="S::ttt200001@utdallas.edu::bf0d0bda-9183-4582-adf7-f689b3db65a1" providerId="AD" clId="Web-{D6C3D268-B269-7685-57EC-155734EAF9E9}" dt="2021-02-20T02:28:24.990" v="414"/>
+          <ac:cxnSpMkLst>
+            <pc:docMk/>
+            <pc:sldMk cId="0" sldId="266"/>
+            <ac:cxnSpMk id="6" creationId="{B91069B1-ABF0-4276-B75A-45238C345BE1}"/>
+          </ac:cxnSpMkLst>
+        </pc:cxnChg>
+      </pc:sldChg>
+      <pc:sldChg chg="addSp delSp modSp del mod setBg modClrScheme chgLayout">
+        <pc:chgData name="Taylor, Tahlla T" userId="S::ttt200001@utdallas.edu::bf0d0bda-9183-4582-adf7-f689b3db65a1" providerId="AD" clId="Web-{D6C3D268-B269-7685-57EC-155734EAF9E9}" dt="2021-02-20T01:39:06.012" v="63"/>
+        <pc:sldMkLst>
+          <pc:docMk/>
+          <pc:sldMk cId="0" sldId="267"/>
+        </pc:sldMkLst>
+        <pc:spChg chg="del mod">
+          <ac:chgData name="Taylor, Tahlla T" userId="S::ttt200001@utdallas.edu::bf0d0bda-9183-4582-adf7-f689b3db65a1" providerId="AD" clId="Web-{D6C3D268-B269-7685-57EC-155734EAF9E9}" dt="2021-02-20T01:33:42.444" v="23"/>
+          <ac:spMkLst>
+            <pc:docMk/>
+            <pc:sldMk cId="0" sldId="267"/>
+            <ac:spMk id="3" creationId="{00000000-0000-0000-0000-000000000000}"/>
+          </ac:spMkLst>
+        </pc:spChg>
+        <pc:spChg chg="add del mod">
+          <ac:chgData name="Taylor, Tahlla T" userId="S::ttt200001@utdallas.edu::bf0d0bda-9183-4582-adf7-f689b3db65a1" providerId="AD" clId="Web-{D6C3D268-B269-7685-57EC-155734EAF9E9}" dt="2021-02-20T01:33:45.428" v="24"/>
+          <ac:spMkLst>
+            <pc:docMk/>
+            <pc:sldMk cId="0" sldId="267"/>
+            <ac:spMk id="5" creationId="{E44C4663-5179-418F-8FD9-9AC359197D7E}"/>
+          </ac:spMkLst>
+        </pc:spChg>
+        <pc:spChg chg="add del">
+          <ac:chgData name="Taylor, Tahlla T" userId="S::ttt200001@utdallas.edu::bf0d0bda-9183-4582-adf7-f689b3db65a1" providerId="AD" clId="Web-{D6C3D268-B269-7685-57EC-155734EAF9E9}" dt="2021-02-20T01:34:49.117" v="33"/>
+          <ac:spMkLst>
+            <pc:docMk/>
+            <pc:sldMk cId="0" sldId="267"/>
+            <ac:spMk id="17" creationId="{260615AE-7DBC-4FF7-9107-9FE957695B02}"/>
+          </ac:spMkLst>
+        </pc:spChg>
+        <pc:spChg chg="add del">
+          <ac:chgData name="Taylor, Tahlla T" userId="S::ttt200001@utdallas.edu::bf0d0bda-9183-4582-adf7-f689b3db65a1" providerId="AD" clId="Web-{D6C3D268-B269-7685-57EC-155734EAF9E9}" dt="2021-02-20T01:35:15.039" v="34"/>
+          <ac:spMkLst>
+            <pc:docMk/>
+            <pc:sldMk cId="0" sldId="267"/>
+            <ac:spMk id="30" creationId="{8C2CE3DB-200E-4445-B316-69FE3850D6DD}"/>
+          </ac:spMkLst>
+        </pc:spChg>
+        <pc:spChg chg="add del">
+          <ac:chgData name="Taylor, Tahlla T" userId="S::ttt200001@utdallas.edu::bf0d0bda-9183-4582-adf7-f689b3db65a1" providerId="AD" clId="Web-{D6C3D268-B269-7685-57EC-155734EAF9E9}" dt="2021-02-20T01:38:54.074" v="60"/>
+          <ac:spMkLst>
+            <pc:docMk/>
+            <pc:sldMk cId="0" sldId="267"/>
+            <ac:spMk id="43" creationId="{084966D2-3C9B-4F47-8231-1DEC33D3BDFE}"/>
+          </ac:spMkLst>
+        </pc:spChg>
+        <pc:spChg chg="add">
+          <ac:chgData name="Taylor, Tahlla T" userId="S::ttt200001@utdallas.edu::bf0d0bda-9183-4582-adf7-f689b3db65a1" providerId="AD" clId="Web-{D6C3D268-B269-7685-57EC-155734EAF9E9}" dt="2021-02-20T01:38:54.074" v="60"/>
+          <ac:spMkLst>
+            <pc:docMk/>
+            <pc:sldMk cId="0" sldId="267"/>
+            <ac:spMk id="56" creationId="{8C2CE3DB-200E-4445-B316-69FE3850D6DD}"/>
+          </ac:spMkLst>
+        </pc:spChg>
+        <pc:grpChg chg="add del">
+          <ac:chgData name="Taylor, Tahlla T" userId="S::ttt200001@utdallas.edu::bf0d0bda-9183-4582-adf7-f689b3db65a1" providerId="AD" clId="Web-{D6C3D268-B269-7685-57EC-155734EAF9E9}" dt="2021-02-20T01:34:49.117" v="33"/>
+          <ac:grpSpMkLst>
+            <pc:docMk/>
+            <pc:sldMk cId="0" sldId="267"/>
+            <ac:grpSpMk id="9" creationId="{C616B3DC-C165-433D-9187-62DCC0E317D3}"/>
+          </ac:grpSpMkLst>
+        </pc:grpChg>
+        <pc:grpChg chg="add del">
+          <ac:chgData name="Taylor, Tahlla T" userId="S::ttt200001@utdallas.edu::bf0d0bda-9183-4582-adf7-f689b3db65a1" providerId="AD" clId="Web-{D6C3D268-B269-7685-57EC-155734EAF9E9}" dt="2021-02-20T01:35:15.039" v="34"/>
+          <ac:grpSpMkLst>
+            <pc:docMk/>
+            <pc:sldMk cId="0" sldId="267"/>
+            <ac:grpSpMk id="22" creationId="{92AFBF86-5DAF-4D46-8786-F4C7A376C54D}"/>
+          </ac:grpSpMkLst>
+        </pc:grpChg>
+        <pc:grpChg chg="add del">
+          <ac:chgData name="Taylor, Tahlla T" userId="S::ttt200001@utdallas.edu::bf0d0bda-9183-4582-adf7-f689b3db65a1" providerId="AD" clId="Web-{D6C3D268-B269-7685-57EC-155734EAF9E9}" dt="2021-02-20T01:38:54.074" v="60"/>
+          <ac:grpSpMkLst>
+            <pc:docMk/>
+            <pc:sldMk cId="0" sldId="267"/>
+            <ac:grpSpMk id="35" creationId="{DD65B30C-427F-449E-B039-E288E85D8AFA}"/>
+          </ac:grpSpMkLst>
+        </pc:grpChg>
+        <pc:grpChg chg="add">
+          <ac:chgData name="Taylor, Tahlla T" userId="S::ttt200001@utdallas.edu::bf0d0bda-9183-4582-adf7-f689b3db65a1" providerId="AD" clId="Web-{D6C3D268-B269-7685-57EC-155734EAF9E9}" dt="2021-02-20T01:38:54.074" v="60"/>
+          <ac:grpSpMkLst>
+            <pc:docMk/>
+            <pc:sldMk cId="0" sldId="267"/>
+            <ac:grpSpMk id="48" creationId="{92AFBF86-5DAF-4D46-8786-F4C7A376C54D}"/>
+          </ac:grpSpMkLst>
+        </pc:grpChg>
+        <pc:picChg chg="add del mod">
+          <ac:chgData name="Taylor, Tahlla T" userId="S::ttt200001@utdallas.edu::bf0d0bda-9183-4582-adf7-f689b3db65a1" providerId="AD" clId="Web-{D6C3D268-B269-7685-57EC-155734EAF9E9}" dt="2021-02-20T01:34:38.929" v="30"/>
+          <ac:picMkLst>
+            <pc:docMk/>
+            <pc:sldMk cId="0" sldId="267"/>
+            <ac:picMk id="2" creationId="{9AEEE807-9F8F-45BE-9465-4360A6FEC43A}"/>
+          </ac:picMkLst>
+        </pc:picChg>
+        <pc:picChg chg="del mod">
+          <ac:chgData name="Taylor, Tahlla T" userId="S::ttt200001@utdallas.edu::bf0d0bda-9183-4582-adf7-f689b3db65a1" providerId="AD" clId="Web-{D6C3D268-B269-7685-57EC-155734EAF9E9}" dt="2021-02-20T01:33:47.616" v="25"/>
+          <ac:picMkLst>
+            <pc:docMk/>
+            <pc:sldMk cId="0" sldId="267"/>
+            <ac:picMk id="4" creationId="{74E4FE42-ECE0-40AB-92C7-57A1FFE58F4C}"/>
+          </ac:picMkLst>
+        </pc:picChg>
+        <pc:picChg chg="add del mod">
+          <ac:chgData name="Taylor, Tahlla T" userId="S::ttt200001@utdallas.edu::bf0d0bda-9183-4582-adf7-f689b3db65a1" providerId="AD" clId="Web-{D6C3D268-B269-7685-57EC-155734EAF9E9}" dt="2021-02-20T01:38:54.074" v="60"/>
+          <ac:picMkLst>
+            <pc:docMk/>
+            <pc:sldMk cId="0" sldId="267"/>
+            <ac:picMk id="7" creationId="{5AEEF636-9298-4984-9B13-D5888D5C98A2}"/>
+          </ac:picMkLst>
+        </pc:picChg>
+      </pc:sldChg>
+      <pc:sldChg chg="addSp delSp modSp mod setBg modClrScheme chgLayout">
+        <pc:chgData name="Taylor, Tahlla T" userId="S::ttt200001@utdallas.edu::bf0d0bda-9183-4582-adf7-f689b3db65a1" providerId="AD" clId="Web-{D6C3D268-B269-7685-57EC-155734EAF9E9}" dt="2021-02-20T01:44:24.065" v="91"/>
+        <pc:sldMkLst>
+          <pc:docMk/>
+          <pc:sldMk cId="0" sldId="268"/>
+        </pc:sldMkLst>
+        <pc:spChg chg="mod ord">
+          <ac:chgData name="Taylor, Tahlla T" userId="S::ttt200001@utdallas.edu::bf0d0bda-9183-4582-adf7-f689b3db65a1" providerId="AD" clId="Web-{D6C3D268-B269-7685-57EC-155734EAF9E9}" dt="2021-02-20T01:43:10.517" v="84"/>
+          <ac:spMkLst>
+            <pc:docMk/>
+            <pc:sldMk cId="0" sldId="268"/>
+            <ac:spMk id="3" creationId="{00000000-0000-0000-0000-000000000000}"/>
+          </ac:spMkLst>
+        </pc:spChg>
+        <pc:spChg chg="add del mod">
+          <ac:chgData name="Taylor, Tahlla T" userId="S::ttt200001@utdallas.edu::bf0d0bda-9183-4582-adf7-f689b3db65a1" providerId="AD" clId="Web-{D6C3D268-B269-7685-57EC-155734EAF9E9}" dt="2021-02-20T01:37:14.213" v="46"/>
+          <ac:spMkLst>
+            <pc:docMk/>
+            <pc:sldMk cId="0" sldId="268"/>
+            <ac:spMk id="4" creationId="{FD57E06E-8DFA-4E32-BE7D-7C673BFCB37B}"/>
+          </ac:spMkLst>
+        </pc:spChg>
+        <pc:spChg chg="add del">
+          <ac:chgData name="Taylor, Tahlla T" userId="S::ttt200001@utdallas.edu::bf0d0bda-9183-4582-adf7-f689b3db65a1" providerId="AD" clId="Web-{D6C3D268-B269-7685-57EC-155734EAF9E9}" dt="2021-02-20T01:43:10.517" v="84"/>
+          <ac:spMkLst>
+            <pc:docMk/>
+            <pc:sldMk cId="0" sldId="268"/>
+            <ac:spMk id="18" creationId="{EF263B76-D6AC-40A4-BA2E-CC8B89190ED9}"/>
+          </ac:spMkLst>
+        </pc:spChg>
+        <pc:grpChg chg="add del">
+          <ac:chgData name="Taylor, Tahlla T" userId="S::ttt200001@utdallas.edu::bf0d0bda-9183-4582-adf7-f689b3db65a1" providerId="AD" clId="Web-{D6C3D268-B269-7685-57EC-155734EAF9E9}" dt="2021-02-20T01:43:10.517" v="84"/>
+          <ac:grpSpMkLst>
+            <pc:docMk/>
+            <pc:sldMk cId="0" sldId="268"/>
+            <ac:grpSpMk id="10" creationId="{C616B3DC-C165-433D-9187-62DCC0E317D3}"/>
+          </ac:grpSpMkLst>
+        </pc:grpChg>
+        <pc:grpChg chg="add">
+          <ac:chgData name="Taylor, Tahlla T" userId="S::ttt200001@utdallas.edu::bf0d0bda-9183-4582-adf7-f689b3db65a1" providerId="AD" clId="Web-{D6C3D268-B269-7685-57EC-155734EAF9E9}" dt="2021-02-20T01:43:10.517" v="84"/>
+          <ac:grpSpMkLst>
+            <pc:docMk/>
+            <pc:sldMk cId="0" sldId="268"/>
+            <ac:grpSpMk id="23" creationId="{C2EAC6F4-CC14-4018-8EB7-80E98A20725F}"/>
+          </ac:grpSpMkLst>
+        </pc:grpChg>
+        <pc:picChg chg="add mod">
+          <ac:chgData name="Taylor, Tahlla T" userId="S::ttt200001@utdallas.edu::bf0d0bda-9183-4582-adf7-f689b3db65a1" providerId="AD" clId="Web-{D6C3D268-B269-7685-57EC-155734EAF9E9}" dt="2021-02-20T01:43:10.517" v="84"/>
+          <ac:picMkLst>
+            <pc:docMk/>
+            <pc:sldMk cId="0" sldId="268"/>
+            <ac:picMk id="2" creationId="{80F234C1-C98B-48DF-B122-D36E43C52270}"/>
+          </ac:picMkLst>
+        </pc:picChg>
+        <pc:picChg chg="del mod">
+          <ac:chgData name="Taylor, Tahlla T" userId="S::ttt200001@utdallas.edu::bf0d0bda-9183-4582-adf7-f689b3db65a1" providerId="AD" clId="Web-{D6C3D268-B269-7685-57EC-155734EAF9E9}" dt="2021-02-20T01:37:08.463" v="44"/>
+          <ac:picMkLst>
+            <pc:docMk/>
+            <pc:sldMk cId="0" sldId="268"/>
+            <ac:picMk id="5" creationId="{CC592820-4257-4123-BF36-4214CB60D8A6}"/>
+          </ac:picMkLst>
+        </pc:picChg>
+      </pc:sldChg>
+      <pc:sldChg chg="addSp delSp modSp del mod modClrScheme chgLayout">
+        <pc:chgData name="Taylor, Tahlla T" userId="S::ttt200001@utdallas.edu::bf0d0bda-9183-4582-adf7-f689b3db65a1" providerId="AD" clId="Web-{D6C3D268-B269-7685-57EC-155734EAF9E9}" dt="2021-02-20T01:57:18.595" v="156"/>
+        <pc:sldMkLst>
+          <pc:docMk/>
+          <pc:sldMk cId="0" sldId="270"/>
+        </pc:sldMkLst>
+        <pc:spChg chg="mod">
+          <ac:chgData name="Taylor, Tahlla T" userId="S::ttt200001@utdallas.edu::bf0d0bda-9183-4582-adf7-f689b3db65a1" providerId="AD" clId="Web-{D6C3D268-B269-7685-57EC-155734EAF9E9}" dt="2021-02-20T01:51:07.729" v="124" actId="1076"/>
+          <ac:spMkLst>
+            <pc:docMk/>
+            <pc:sldMk cId="0" sldId="270"/>
+            <ac:spMk id="3" creationId="{A973D55C-CDE4-44A9-A12A-C1B224CFA4EA}"/>
+          </ac:spMkLst>
+        </pc:spChg>
+        <pc:spChg chg="add del mod">
+          <ac:chgData name="Taylor, Tahlla T" userId="S::ttt200001@utdallas.edu::bf0d0bda-9183-4582-adf7-f689b3db65a1" providerId="AD" clId="Web-{D6C3D268-B269-7685-57EC-155734EAF9E9}" dt="2021-02-20T01:48:34.101" v="108"/>
+          <ac:spMkLst>
+            <pc:docMk/>
+            <pc:sldMk cId="0" sldId="270"/>
+            <ac:spMk id="5" creationId="{5B46E99C-4E0F-4A42-93F7-ACB25CD3EBA4}"/>
+          </ac:spMkLst>
+        </pc:spChg>
+        <pc:spChg chg="add mod">
+          <ac:chgData name="Taylor, Tahlla T" userId="S::ttt200001@utdallas.edu::bf0d0bda-9183-4582-adf7-f689b3db65a1" providerId="AD" clId="Web-{D6C3D268-B269-7685-57EC-155734EAF9E9}" dt="2021-02-20T01:48:24.288" v="106" actId="20577"/>
+          <ac:spMkLst>
+            <pc:docMk/>
+            <pc:sldMk cId="0" sldId="270"/>
+            <ac:spMk id="8" creationId="{88B50889-3EE9-4E60-AC3C-68A9BBABA65B}"/>
+          </ac:spMkLst>
+        </pc:spChg>
+        <pc:picChg chg="add del mod">
+          <ac:chgData name="Taylor, Tahlla T" userId="S::ttt200001@utdallas.edu::bf0d0bda-9183-4582-adf7-f689b3db65a1" providerId="AD" clId="Web-{D6C3D268-B269-7685-57EC-155734EAF9E9}" dt="2021-02-20T01:48:43.945" v="110"/>
+          <ac:picMkLst>
+            <pc:docMk/>
+            <pc:sldMk cId="0" sldId="270"/>
+            <ac:picMk id="4" creationId="{69E01A84-079E-4341-A5CE-E3E81A84D99F}"/>
+          </ac:picMkLst>
+        </pc:picChg>
+        <pc:picChg chg="add del mod">
+          <ac:chgData name="Taylor, Tahlla T" userId="S::ttt200001@utdallas.edu::bf0d0bda-9183-4582-adf7-f689b3db65a1" providerId="AD" clId="Web-{D6C3D268-B269-7685-57EC-155734EAF9E9}" dt="2021-02-20T01:53:18.934" v="145"/>
+          <ac:picMkLst>
+            <pc:docMk/>
+            <pc:sldMk cId="0" sldId="270"/>
+            <ac:picMk id="7" creationId="{8A3A9D9D-5F54-4B54-88F4-FD280B67B004}"/>
+          </ac:picMkLst>
+        </pc:picChg>
+      </pc:sldChg>
+      <pc:sldChg chg="addSp delSp modSp add mod ord replId setBg">
+        <pc:chgData name="Taylor, Tahlla T" userId="S::ttt200001@utdallas.edu::bf0d0bda-9183-4582-adf7-f689b3db65a1" providerId="AD" clId="Web-{D6C3D268-B269-7685-57EC-155734EAF9E9}" dt="2021-02-20T01:44:24.065" v="91"/>
+        <pc:sldMkLst>
+          <pc:docMk/>
+          <pc:sldMk cId="246909590" sldId="271"/>
+        </pc:sldMkLst>
+        <pc:spChg chg="ord">
+          <ac:chgData name="Taylor, Tahlla T" userId="S::ttt200001@utdallas.edu::bf0d0bda-9183-4582-adf7-f689b3db65a1" providerId="AD" clId="Web-{D6C3D268-B269-7685-57EC-155734EAF9E9}" dt="2021-02-20T01:43:01.798" v="83"/>
+          <ac:spMkLst>
+            <pc:docMk/>
+            <pc:sldMk cId="246909590" sldId="271"/>
+            <ac:spMk id="3" creationId="{00000000-0000-0000-0000-000000000000}"/>
+          </ac:spMkLst>
+        </pc:spChg>
+        <pc:spChg chg="add del mod">
+          <ac:chgData name="Taylor, Tahlla T" userId="S::ttt200001@utdallas.edu::bf0d0bda-9183-4582-adf7-f689b3db65a1" providerId="AD" clId="Web-{D6C3D268-B269-7685-57EC-155734EAF9E9}" dt="2021-02-20T01:39:41.262" v="71"/>
+          <ac:spMkLst>
+            <pc:docMk/>
+            <pc:sldMk cId="246909590" sldId="271"/>
+            <ac:spMk id="5" creationId="{E2DA29C0-7ABA-4CC7-B72F-B710CD5C9409}"/>
+          </ac:spMkLst>
+        </pc:spChg>
+        <pc:spChg chg="del">
+          <ac:chgData name="Taylor, Tahlla T" userId="S::ttt200001@utdallas.edu::bf0d0bda-9183-4582-adf7-f689b3db65a1" providerId="AD" clId="Web-{D6C3D268-B269-7685-57EC-155734EAF9E9}" dt="2021-02-20T01:43:01.798" v="83"/>
+          <ac:spMkLst>
+            <pc:docMk/>
+            <pc:sldMk cId="246909590" sldId="271"/>
+            <ac:spMk id="18" creationId="{EF263B76-D6AC-40A4-BA2E-CC8B89190ED9}"/>
+          </ac:spMkLst>
+        </pc:spChg>
+        <pc:grpChg chg="del">
+          <ac:chgData name="Taylor, Tahlla T" userId="S::ttt200001@utdallas.edu::bf0d0bda-9183-4582-adf7-f689b3db65a1" providerId="AD" clId="Web-{D6C3D268-B269-7685-57EC-155734EAF9E9}" dt="2021-02-20T01:43:01.798" v="83"/>
+          <ac:grpSpMkLst>
+            <pc:docMk/>
+            <pc:sldMk cId="246909590" sldId="271"/>
+            <ac:grpSpMk id="10" creationId="{C616B3DC-C165-433D-9187-62DCC0E317D3}"/>
+          </ac:grpSpMkLst>
+        </pc:grpChg>
+        <pc:grpChg chg="add">
+          <ac:chgData name="Taylor, Tahlla T" userId="S::ttt200001@utdallas.edu::bf0d0bda-9183-4582-adf7-f689b3db65a1" providerId="AD" clId="Web-{D6C3D268-B269-7685-57EC-155734EAF9E9}" dt="2021-02-20T01:43:01.798" v="83"/>
+          <ac:grpSpMkLst>
+            <pc:docMk/>
+            <pc:sldMk cId="246909590" sldId="271"/>
+            <ac:grpSpMk id="23" creationId="{C2EAC6F4-CC14-4018-8EB7-80E98A20725F}"/>
+          </ac:grpSpMkLst>
+        </pc:grpChg>
+        <pc:picChg chg="del">
+          <ac:chgData name="Taylor, Tahlla T" userId="S::ttt200001@utdallas.edu::bf0d0bda-9183-4582-adf7-f689b3db65a1" providerId="AD" clId="Web-{D6C3D268-B269-7685-57EC-155734EAF9E9}" dt="2021-02-20T01:39:32.793" v="68"/>
+          <ac:picMkLst>
+            <pc:docMk/>
+            <pc:sldMk cId="246909590" sldId="271"/>
+            <ac:picMk id="2" creationId="{80F234C1-C98B-48DF-B122-D36E43C52270}"/>
+          </ac:picMkLst>
+        </pc:picChg>
+        <pc:picChg chg="add del mod">
+          <ac:chgData name="Taylor, Tahlla T" userId="S::ttt200001@utdallas.edu::bf0d0bda-9183-4582-adf7-f689b3db65a1" providerId="AD" clId="Web-{D6C3D268-B269-7685-57EC-155734EAF9E9}" dt="2021-02-20T01:41:21.608" v="75"/>
+          <ac:picMkLst>
+            <pc:docMk/>
+            <pc:sldMk cId="246909590" sldId="271"/>
+            <ac:picMk id="4" creationId="{9FB2DAFA-EB6D-47F8-986B-D67D7E9D8DE9}"/>
+          </ac:picMkLst>
+        </pc:picChg>
+        <pc:picChg chg="add del mod">
+          <ac:chgData name="Taylor, Tahlla T" userId="S::ttt200001@utdallas.edu::bf0d0bda-9183-4582-adf7-f689b3db65a1" providerId="AD" clId="Web-{D6C3D268-B269-7685-57EC-155734EAF9E9}" dt="2021-02-20T01:41:48.062" v="78"/>
+          <ac:picMkLst>
+            <pc:docMk/>
+            <pc:sldMk cId="246909590" sldId="271"/>
+            <ac:picMk id="7" creationId="{99ED57C8-A32F-4746-A73B-CC30A248E44B}"/>
+          </ac:picMkLst>
+        </pc:picChg>
+        <pc:picChg chg="add mod">
+          <ac:chgData name="Taylor, Tahlla T" userId="S::ttt200001@utdallas.edu::bf0d0bda-9183-4582-adf7-f689b3db65a1" providerId="AD" clId="Web-{D6C3D268-B269-7685-57EC-155734EAF9E9}" dt="2021-02-20T01:43:01.798" v="83"/>
+          <ac:picMkLst>
+            <pc:docMk/>
+            <pc:sldMk cId="246909590" sldId="271"/>
+            <ac:picMk id="8" creationId="{C28A9B1D-BB00-47A3-859C-A0A946A9E266}"/>
+          </ac:picMkLst>
+        </pc:picChg>
+      </pc:sldChg>
+      <pc:sldChg chg="addSp delSp modSp add mod replId setBg">
+        <pc:chgData name="Taylor, Tahlla T" userId="S::ttt200001@utdallas.edu::bf0d0bda-9183-4582-adf7-f689b3db65a1" providerId="AD" clId="Web-{D6C3D268-B269-7685-57EC-155734EAF9E9}" dt="2021-02-20T02:29:59.007" v="427"/>
+        <pc:sldMkLst>
+          <pc:docMk/>
+          <pc:sldMk cId="1320690785" sldId="272"/>
+        </pc:sldMkLst>
+        <pc:spChg chg="ord">
+          <ac:chgData name="Taylor, Tahlla T" userId="S::ttt200001@utdallas.edu::bf0d0bda-9183-4582-adf7-f689b3db65a1" providerId="AD" clId="Web-{D6C3D268-B269-7685-57EC-155734EAF9E9}" dt="2021-02-20T01:52:13.730" v="136"/>
+          <ac:spMkLst>
+            <pc:docMk/>
+            <pc:sldMk cId="1320690785" sldId="272"/>
+            <ac:spMk id="3" creationId="{00000000-0000-0000-0000-000000000000}"/>
+          </ac:spMkLst>
+        </pc:spChg>
+        <pc:spChg chg="add del mod">
+          <ac:chgData name="Taylor, Tahlla T" userId="S::ttt200001@utdallas.edu::bf0d0bda-9183-4582-adf7-f689b3db65a1" providerId="AD" clId="Web-{D6C3D268-B269-7685-57EC-155734EAF9E9}" dt="2021-02-20T01:52:53.747" v="142"/>
+          <ac:spMkLst>
+            <pc:docMk/>
+            <pc:sldMk cId="1320690785" sldId="272"/>
+            <ac:spMk id="5" creationId="{701FD62B-C1FF-4261-83AD-57BE443F8C41}"/>
+          </ac:spMkLst>
+        </pc:spChg>
+        <pc:spChg chg="add mod">
+          <ac:chgData name="Taylor, Tahlla T" userId="S::ttt200001@utdallas.edu::bf0d0bda-9183-4582-adf7-f689b3db65a1" providerId="AD" clId="Web-{D6C3D268-B269-7685-57EC-155734EAF9E9}" dt="2021-02-20T01:52:56.012" v="143"/>
+          <ac:spMkLst>
+            <pc:docMk/>
+            <pc:sldMk cId="1320690785" sldId="272"/>
+            <ac:spMk id="8" creationId="{75FE546E-E158-46B0-877F-5F8E09B50175}"/>
+          </ac:spMkLst>
+        </pc:spChg>
+        <pc:spChg chg="add mod ord">
+          <ac:chgData name="Taylor, Tahlla T" userId="S::ttt200001@utdallas.edu::bf0d0bda-9183-4582-adf7-f689b3db65a1" providerId="AD" clId="Web-{D6C3D268-B269-7685-57EC-155734EAF9E9}" dt="2021-02-20T02:29:59.007" v="427"/>
+          <ac:spMkLst>
+            <pc:docMk/>
+            <pc:sldMk cId="1320690785" sldId="272"/>
+            <ac:spMk id="12" creationId="{E350B537-8C13-4B45-8747-02B1F129CADF}"/>
+          </ac:spMkLst>
+        </pc:spChg>
+        <pc:spChg chg="add del">
+          <ac:chgData name="Taylor, Tahlla T" userId="S::ttt200001@utdallas.edu::bf0d0bda-9183-4582-adf7-f689b3db65a1" providerId="AD" clId="Web-{D6C3D268-B269-7685-57EC-155734EAF9E9}" dt="2021-02-20T01:52:56.012" v="143"/>
+          <ac:spMkLst>
+            <pc:docMk/>
+            <pc:sldMk cId="1320690785" sldId="272"/>
+            <ac:spMk id="53" creationId="{C7AED668-2E28-4272-B9B5-32FDFBB60620}"/>
+          </ac:spMkLst>
+        </pc:spChg>
+        <pc:grpChg chg="del">
+          <ac:chgData name="Taylor, Tahlla T" userId="S::ttt200001@utdallas.edu::bf0d0bda-9183-4582-adf7-f689b3db65a1" providerId="AD" clId="Web-{D6C3D268-B269-7685-57EC-155734EAF9E9}" dt="2021-02-20T01:52:13.730" v="136"/>
+          <ac:grpSpMkLst>
+            <pc:docMk/>
+            <pc:sldMk cId="1320690785" sldId="272"/>
+            <ac:grpSpMk id="23" creationId="{C2EAC6F4-CC14-4018-8EB7-80E98A20725F}"/>
+          </ac:grpSpMkLst>
+        </pc:grpChg>
+        <pc:grpChg chg="add del">
+          <ac:chgData name="Taylor, Tahlla T" userId="S::ttt200001@utdallas.edu::bf0d0bda-9183-4582-adf7-f689b3db65a1" providerId="AD" clId="Web-{D6C3D268-B269-7685-57EC-155734EAF9E9}" dt="2021-02-20T01:52:49.934" v="141"/>
+          <ac:grpSpMkLst>
+            <pc:docMk/>
+            <pc:sldMk cId="1320690785" sldId="272"/>
+            <ac:grpSpMk id="34" creationId="{C2EAC6F4-CC14-4018-8EB7-80E98A20725F}"/>
+          </ac:grpSpMkLst>
+        </pc:grpChg>
+        <pc:grpChg chg="add del">
+          <ac:chgData name="Taylor, Tahlla T" userId="S::ttt200001@utdallas.edu::bf0d0bda-9183-4582-adf7-f689b3db65a1" providerId="AD" clId="Web-{D6C3D268-B269-7685-57EC-155734EAF9E9}" dt="2021-02-20T01:52:56.012" v="143"/>
+          <ac:grpSpMkLst>
+            <pc:docMk/>
+            <pc:sldMk cId="1320690785" sldId="272"/>
+            <ac:grpSpMk id="45" creationId="{615B322E-8DA7-437E-A4D4-BF8491A7E200}"/>
+          </ac:grpSpMkLst>
+        </pc:grpChg>
+        <pc:grpChg chg="add">
+          <ac:chgData name="Taylor, Tahlla T" userId="S::ttt200001@utdallas.edu::bf0d0bda-9183-4582-adf7-f689b3db65a1" providerId="AD" clId="Web-{D6C3D268-B269-7685-57EC-155734EAF9E9}" dt="2021-02-20T01:52:56.012" v="143"/>
+          <ac:grpSpMkLst>
+            <pc:docMk/>
+            <pc:sldMk cId="1320690785" sldId="272"/>
+            <ac:grpSpMk id="58" creationId="{C2EAC6F4-CC14-4018-8EB7-80E98A20725F}"/>
+          </ac:grpSpMkLst>
+        </pc:grpChg>
+        <pc:picChg chg="del">
+          <ac:chgData name="Taylor, Tahlla T" userId="S::ttt200001@utdallas.edu::bf0d0bda-9183-4582-adf7-f689b3db65a1" providerId="AD" clId="Web-{D6C3D268-B269-7685-57EC-155734EAF9E9}" dt="2021-02-20T01:52:09.949" v="134"/>
+          <ac:picMkLst>
+            <pc:docMk/>
+            <pc:sldMk cId="1320690785" sldId="272"/>
+            <ac:picMk id="2" creationId="{80F234C1-C98B-48DF-B122-D36E43C52270}"/>
+          </ac:picMkLst>
+        </pc:picChg>
+        <pc:picChg chg="add del mod">
+          <ac:chgData name="Taylor, Tahlla T" userId="S::ttt200001@utdallas.edu::bf0d0bda-9183-4582-adf7-f689b3db65a1" providerId="AD" clId="Web-{D6C3D268-B269-7685-57EC-155734EAF9E9}" dt="2021-02-20T01:52:53.747" v="142"/>
+          <ac:picMkLst>
+            <pc:docMk/>
+            <pc:sldMk cId="1320690785" sldId="272"/>
+            <ac:picMk id="4" creationId="{28734C2F-79F4-44C6-8CF1-24C21C442FFC}"/>
+          </ac:picMkLst>
+        </pc:picChg>
+        <pc:picChg chg="add mod ord">
+          <ac:chgData name="Taylor, Tahlla T" userId="S::ttt200001@utdallas.edu::bf0d0bda-9183-4582-adf7-f689b3db65a1" providerId="AD" clId="Web-{D6C3D268-B269-7685-57EC-155734EAF9E9}" dt="2021-02-20T01:57:39.423" v="159" actId="1076"/>
+          <ac:picMkLst>
+            <pc:docMk/>
+            <pc:sldMk cId="1320690785" sldId="272"/>
+            <ac:picMk id="7" creationId="{5185878C-C739-432F-AD7B-FA8E54D31DD0}"/>
+          </ac:picMkLst>
+        </pc:picChg>
+        <pc:picChg chg="add mod">
+          <ac:chgData name="Taylor, Tahlla T" userId="S::ttt200001@utdallas.edu::bf0d0bda-9183-4582-adf7-f689b3db65a1" providerId="AD" clId="Web-{D6C3D268-B269-7685-57EC-155734EAF9E9}" dt="2021-02-20T01:57:48.470" v="160" actId="1076"/>
+          <ac:picMkLst>
+            <pc:docMk/>
+            <pc:sldMk cId="1320690785" sldId="272"/>
+            <ac:picMk id="10" creationId="{696F63A6-A6B2-4CDE-B677-BBF381B9C9ED}"/>
+          </ac:picMkLst>
+        </pc:picChg>
+        <pc:picChg chg="add mod">
+          <ac:chgData name="Taylor, Tahlla T" userId="S::ttt200001@utdallas.edu::bf0d0bda-9183-4582-adf7-f689b3db65a1" providerId="AD" clId="Web-{D6C3D268-B269-7685-57EC-155734EAF9E9}" dt="2021-02-20T01:57:53.252" v="161" actId="1076"/>
+          <ac:picMkLst>
+            <pc:docMk/>
+            <pc:sldMk cId="1320690785" sldId="272"/>
+            <ac:picMk id="11" creationId="{82D43107-6F73-4195-8587-B7902036691E}"/>
+          </ac:picMkLst>
+        </pc:picChg>
+      </pc:sldChg>
+      <pc:sldMasterChg chg="del delSldLayout">
+        <pc:chgData name="Taylor, Tahlla T" userId="S::ttt200001@utdallas.edu::bf0d0bda-9183-4582-adf7-f689b3db65a1" providerId="AD" clId="Web-{D6C3D268-B269-7685-57EC-155734EAF9E9}" dt="2021-02-20T01:28:44.094" v="0"/>
+        <pc:sldMasterMkLst>
+          <pc:docMk/>
+          <pc:sldMasterMk cId="2673811856" sldId="2147483731"/>
+        </pc:sldMasterMkLst>
+        <pc:sldLayoutChg chg="del">
+          <pc:chgData name="Taylor, Tahlla T" userId="S::ttt200001@utdallas.edu::bf0d0bda-9183-4582-adf7-f689b3db65a1" providerId="AD" clId="Web-{D6C3D268-B269-7685-57EC-155734EAF9E9}" dt="2021-02-20T01:28:44.094" v="0"/>
+          <pc:sldLayoutMkLst>
+            <pc:docMk/>
+            <pc:sldMasterMk cId="2673811856" sldId="2147483731"/>
+            <pc:sldLayoutMk cId="3881714558" sldId="2147483732"/>
+          </pc:sldLayoutMkLst>
+        </pc:sldLayoutChg>
+        <pc:sldLayoutChg chg="del">
+          <pc:chgData name="Taylor, Tahlla T" userId="S::ttt200001@utdallas.edu::bf0d0bda-9183-4582-adf7-f689b3db65a1" providerId="AD" clId="Web-{D6C3D268-B269-7685-57EC-155734EAF9E9}" dt="2021-02-20T01:28:44.094" v="0"/>
+          <pc:sldLayoutMkLst>
+            <pc:docMk/>
+            <pc:sldMasterMk cId="2673811856" sldId="2147483731"/>
+            <pc:sldLayoutMk cId="1168133908" sldId="2147483733"/>
+          </pc:sldLayoutMkLst>
+        </pc:sldLayoutChg>
+        <pc:sldLayoutChg chg="del">
+          <pc:chgData name="Taylor, Tahlla T" userId="S::ttt200001@utdallas.edu::bf0d0bda-9183-4582-adf7-f689b3db65a1" providerId="AD" clId="Web-{D6C3D268-B269-7685-57EC-155734EAF9E9}" dt="2021-02-20T01:28:44.094" v="0"/>
+          <pc:sldLayoutMkLst>
+            <pc:docMk/>
+            <pc:sldMasterMk cId="2673811856" sldId="2147483731"/>
+            <pc:sldLayoutMk cId="2690596538" sldId="2147483734"/>
+          </pc:sldLayoutMkLst>
+        </pc:sldLayoutChg>
+        <pc:sldLayoutChg chg="del">
+          <pc:chgData name="Taylor, Tahlla T" userId="S::ttt200001@utdallas.edu::bf0d0bda-9183-4582-adf7-f689b3db65a1" providerId="AD" clId="Web-{D6C3D268-B269-7685-57EC-155734EAF9E9}" dt="2021-02-20T01:28:44.094" v="0"/>
+          <pc:sldLayoutMkLst>
+            <pc:docMk/>
+            <pc:sldMasterMk cId="2673811856" sldId="2147483731"/>
+            <pc:sldLayoutMk cId="4050195652" sldId="2147483735"/>
+          </pc:sldLayoutMkLst>
+        </pc:sldLayoutChg>
+        <pc:sldLayoutChg chg="del">
+          <pc:chgData name="Taylor, Tahlla T" userId="S::ttt200001@utdallas.edu::bf0d0bda-9183-4582-adf7-f689b3db65a1" providerId="AD" clId="Web-{D6C3D268-B269-7685-57EC-155734EAF9E9}" dt="2021-02-20T01:28:44.094" v="0"/>
+          <pc:sldLayoutMkLst>
+            <pc:docMk/>
+            <pc:sldMasterMk cId="2673811856" sldId="2147483731"/>
+            <pc:sldLayoutMk cId="1792455151" sldId="2147483736"/>
+          </pc:sldLayoutMkLst>
+        </pc:sldLayoutChg>
+        <pc:sldLayoutChg chg="del">
+          <pc:chgData name="Taylor, Tahlla T" userId="S::ttt200001@utdallas.edu::bf0d0bda-9183-4582-adf7-f689b3db65a1" providerId="AD" clId="Web-{D6C3D268-B269-7685-57EC-155734EAF9E9}" dt="2021-02-20T01:28:44.094" v="0"/>
+          <pc:sldLayoutMkLst>
+            <pc:docMk/>
+            <pc:sldMasterMk cId="2673811856" sldId="2147483731"/>
+            <pc:sldLayoutMk cId="73512112" sldId="2147483737"/>
+          </pc:sldLayoutMkLst>
+        </pc:sldLayoutChg>
+        <pc:sldLayoutChg chg="del">
+          <pc:chgData name="Taylor, Tahlla T" userId="S::ttt200001@utdallas.edu::bf0d0bda-9183-4582-adf7-f689b3db65a1" providerId="AD" clId="Web-{D6C3D268-B269-7685-57EC-155734EAF9E9}" dt="2021-02-20T01:28:44.094" v="0"/>
+          <pc:sldLayoutMkLst>
+            <pc:docMk/>
+            <pc:sldMasterMk cId="2673811856" sldId="2147483731"/>
+            <pc:sldLayoutMk cId="4008537112" sldId="2147483738"/>
+          </pc:sldLayoutMkLst>
+        </pc:sldLayoutChg>
+        <pc:sldLayoutChg chg="del">
+          <pc:chgData name="Taylor, Tahlla T" userId="S::ttt200001@utdallas.edu::bf0d0bda-9183-4582-adf7-f689b3db65a1" providerId="AD" clId="Web-{D6C3D268-B269-7685-57EC-155734EAF9E9}" dt="2021-02-20T01:28:44.094" v="0"/>
+          <pc:sldLayoutMkLst>
+            <pc:docMk/>
+            <pc:sldMasterMk cId="2673811856" sldId="2147483731"/>
+            <pc:sldLayoutMk cId="3794048036" sldId="2147483739"/>
+          </pc:sldLayoutMkLst>
+        </pc:sldLayoutChg>
+        <pc:sldLayoutChg chg="del">
+          <pc:chgData name="Taylor, Tahlla T" userId="S::ttt200001@utdallas.edu::bf0d0bda-9183-4582-adf7-f689b3db65a1" providerId="AD" clId="Web-{D6C3D268-B269-7685-57EC-155734EAF9E9}" dt="2021-02-20T01:28:44.094" v="0"/>
+          <pc:sldLayoutMkLst>
+            <pc:docMk/>
+            <pc:sldMasterMk cId="2673811856" sldId="2147483731"/>
+            <pc:sldLayoutMk cId="1564818737" sldId="2147483740"/>
+          </pc:sldLayoutMkLst>
+        </pc:sldLayoutChg>
+        <pc:sldLayoutChg chg="del">
+          <pc:chgData name="Taylor, Tahlla T" userId="S::ttt200001@utdallas.edu::bf0d0bda-9183-4582-adf7-f689b3db65a1" providerId="AD" clId="Web-{D6C3D268-B269-7685-57EC-155734EAF9E9}" dt="2021-02-20T01:28:44.094" v="0"/>
+          <pc:sldLayoutMkLst>
+            <pc:docMk/>
+            <pc:sldMasterMk cId="2673811856" sldId="2147483731"/>
+            <pc:sldLayoutMk cId="1098223119" sldId="2147483741"/>
+          </pc:sldLayoutMkLst>
+        </pc:sldLayoutChg>
+        <pc:sldLayoutChg chg="del">
+          <pc:chgData name="Taylor, Tahlla T" userId="S::ttt200001@utdallas.edu::bf0d0bda-9183-4582-adf7-f689b3db65a1" providerId="AD" clId="Web-{D6C3D268-B269-7685-57EC-155734EAF9E9}" dt="2021-02-20T01:28:44.094" v="0"/>
+          <pc:sldLayoutMkLst>
+            <pc:docMk/>
+            <pc:sldMasterMk cId="2673811856" sldId="2147483731"/>
+            <pc:sldLayoutMk cId="3510047889" sldId="2147483742"/>
+          </pc:sldLayoutMkLst>
+        </pc:sldLayoutChg>
+        <pc:sldLayoutChg chg="del">
+          <pc:chgData name="Taylor, Tahlla T" userId="S::ttt200001@utdallas.edu::bf0d0bda-9183-4582-adf7-f689b3db65a1" providerId="AD" clId="Web-{D6C3D268-B269-7685-57EC-155734EAF9E9}" dt="2021-02-20T01:28:44.094" v="0"/>
+          <pc:sldLayoutMkLst>
+            <pc:docMk/>
+            <pc:sldMasterMk cId="2673811856" sldId="2147483731"/>
+            <pc:sldLayoutMk cId="3928354538" sldId="2147483743"/>
+          </pc:sldLayoutMkLst>
+        </pc:sldLayoutChg>
+        <pc:sldLayoutChg chg="del">
+          <pc:chgData name="Taylor, Tahlla T" userId="S::ttt200001@utdallas.edu::bf0d0bda-9183-4582-adf7-f689b3db65a1" providerId="AD" clId="Web-{D6C3D268-B269-7685-57EC-155734EAF9E9}" dt="2021-02-20T01:28:44.094" v="0"/>
+          <pc:sldLayoutMkLst>
+            <pc:docMk/>
+            <pc:sldMasterMk cId="2673811856" sldId="2147483731"/>
+            <pc:sldLayoutMk cId="149460930" sldId="2147483744"/>
+          </pc:sldLayoutMkLst>
+        </pc:sldLayoutChg>
+        <pc:sldLayoutChg chg="del">
+          <pc:chgData name="Taylor, Tahlla T" userId="S::ttt200001@utdallas.edu::bf0d0bda-9183-4582-adf7-f689b3db65a1" providerId="AD" clId="Web-{D6C3D268-B269-7685-57EC-155734EAF9E9}" dt="2021-02-20T01:28:44.094" v="0"/>
+          <pc:sldLayoutMkLst>
+            <pc:docMk/>
+            <pc:sldMasterMk cId="2673811856" sldId="2147483731"/>
+            <pc:sldLayoutMk cId="3919215500" sldId="2147483745"/>
+          </pc:sldLayoutMkLst>
+        </pc:sldLayoutChg>
+        <pc:sldLayoutChg chg="del">
+          <pc:chgData name="Taylor, Tahlla T" userId="S::ttt200001@utdallas.edu::bf0d0bda-9183-4582-adf7-f689b3db65a1" providerId="AD" clId="Web-{D6C3D268-B269-7685-57EC-155734EAF9E9}" dt="2021-02-20T01:28:44.094" v="0"/>
+          <pc:sldLayoutMkLst>
+            <pc:docMk/>
+            <pc:sldMasterMk cId="2673811856" sldId="2147483731"/>
+            <pc:sldLayoutMk cId="2371174222" sldId="2147483746"/>
+          </pc:sldLayoutMkLst>
+        </pc:sldLayoutChg>
+        <pc:sldLayoutChg chg="del">
+          <pc:chgData name="Taylor, Tahlla T" userId="S::ttt200001@utdallas.edu::bf0d0bda-9183-4582-adf7-f689b3db65a1" providerId="AD" clId="Web-{D6C3D268-B269-7685-57EC-155734EAF9E9}" dt="2021-02-20T01:28:44.094" v="0"/>
+          <pc:sldLayoutMkLst>
+            <pc:docMk/>
+            <pc:sldMasterMk cId="2673811856" sldId="2147483731"/>
+            <pc:sldLayoutMk cId="2225173055" sldId="2147483747"/>
+          </pc:sldLayoutMkLst>
+        </pc:sldLayoutChg>
+        <pc:sldLayoutChg chg="del">
+          <pc:chgData name="Taylor, Tahlla T" userId="S::ttt200001@utdallas.edu::bf0d0bda-9183-4582-adf7-f689b3db65a1" providerId="AD" clId="Web-{D6C3D268-B269-7685-57EC-155734EAF9E9}" dt="2021-02-20T01:28:44.094" v="0"/>
+          <pc:sldLayoutMkLst>
+            <pc:docMk/>
+            <pc:sldMasterMk cId="2673811856" sldId="2147483731"/>
+            <pc:sldLayoutMk cId="1948979738" sldId="2147483748"/>
+          </pc:sldLayoutMkLst>
+        </pc:sldLayoutChg>
+      </pc:sldMasterChg>
+      <pc:sldMasterChg chg="add mod setBg addSldLayout modSldLayout">
+        <pc:chgData name="Taylor, Tahlla T" userId="S::ttt200001@utdallas.edu::bf0d0bda-9183-4582-adf7-f689b3db65a1" providerId="AD" clId="Web-{D6C3D268-B269-7685-57EC-155734EAF9E9}" dt="2021-02-20T01:44:24.065" v="91"/>
+        <pc:sldMasterMkLst>
+          <pc:docMk/>
+          <pc:sldMasterMk cId="4088279261" sldId="2147483749"/>
+        </pc:sldMasterMkLst>
+        <pc:sldLayoutChg chg="add mod replId setFolMasterObjs">
+          <pc:chgData name="Taylor, Tahlla T" userId="S::ttt200001@utdallas.edu::bf0d0bda-9183-4582-adf7-f689b3db65a1" providerId="AD" clId="Web-{D6C3D268-B269-7685-57EC-155734EAF9E9}" dt="2021-02-20T01:44:24.065" v="91"/>
+          <pc:sldLayoutMkLst>
+            <pc:docMk/>
+            <pc:sldMasterMk cId="4088279261" sldId="2147483749"/>
+            <pc:sldLayoutMk cId="1146658945" sldId="2147483750"/>
+          </pc:sldLayoutMkLst>
+        </pc:sldLayoutChg>
+        <pc:sldLayoutChg chg="add mod replId">
+          <pc:chgData name="Taylor, Tahlla T" userId="S::ttt200001@utdallas.edu::bf0d0bda-9183-4582-adf7-f689b3db65a1" providerId="AD" clId="Web-{D6C3D268-B269-7685-57EC-155734EAF9E9}" dt="2021-02-20T01:44:24.065" v="91"/>
+          <pc:sldLayoutMkLst>
+            <pc:docMk/>
+            <pc:sldMasterMk cId="4088279261" sldId="2147483749"/>
+            <pc:sldLayoutMk cId="1677018352" sldId="2147483751"/>
+          </pc:sldLayoutMkLst>
+        </pc:sldLayoutChg>
+        <pc:sldLayoutChg chg="add mod replId">
+          <pc:chgData name="Taylor, Tahlla T" userId="S::ttt200001@utdallas.edu::bf0d0bda-9183-4582-adf7-f689b3db65a1" providerId="AD" clId="Web-{D6C3D268-B269-7685-57EC-155734EAF9E9}" dt="2021-02-20T01:44:24.065" v="91"/>
+          <pc:sldLayoutMkLst>
+            <pc:docMk/>
+            <pc:sldMasterMk cId="4088279261" sldId="2147483749"/>
+            <pc:sldLayoutMk cId="3192603387" sldId="2147483752"/>
+          </pc:sldLayoutMkLst>
+        </pc:sldLayoutChg>
+        <pc:sldLayoutChg chg="add mod replId">
+          <pc:chgData name="Taylor, Tahlla T" userId="S::ttt200001@utdallas.edu::bf0d0bda-9183-4582-adf7-f689b3db65a1" providerId="AD" clId="Web-{D6C3D268-B269-7685-57EC-155734EAF9E9}" dt="2021-02-20T01:44:24.065" v="91"/>
+          <pc:sldLayoutMkLst>
+            <pc:docMk/>
+            <pc:sldMasterMk cId="4088279261" sldId="2147483749"/>
+            <pc:sldLayoutMk cId="1980002973" sldId="2147483753"/>
+          </pc:sldLayoutMkLst>
+        </pc:sldLayoutChg>
+        <pc:sldLayoutChg chg="add mod replId">
+          <pc:chgData name="Taylor, Tahlla T" userId="S::ttt200001@utdallas.edu::bf0d0bda-9183-4582-adf7-f689b3db65a1" providerId="AD" clId="Web-{D6C3D268-B269-7685-57EC-155734EAF9E9}" dt="2021-02-20T01:44:24.065" v="91"/>
+          <pc:sldLayoutMkLst>
+            <pc:docMk/>
+            <pc:sldMasterMk cId="4088279261" sldId="2147483749"/>
+            <pc:sldLayoutMk cId="2862156373" sldId="2147483754"/>
+          </pc:sldLayoutMkLst>
+        </pc:sldLayoutChg>
+        <pc:sldLayoutChg chg="add mod replId">
+          <pc:chgData name="Taylor, Tahlla T" userId="S::ttt200001@utdallas.edu::bf0d0bda-9183-4582-adf7-f689b3db65a1" providerId="AD" clId="Web-{D6C3D268-B269-7685-57EC-155734EAF9E9}" dt="2021-02-20T01:44:24.065" v="91"/>
+          <pc:sldLayoutMkLst>
+            <pc:docMk/>
+            <pc:sldMasterMk cId="4088279261" sldId="2147483749"/>
+            <pc:sldLayoutMk cId="3813066770" sldId="2147483755"/>
+          </pc:sldLayoutMkLst>
+        </pc:sldLayoutChg>
+        <pc:sldLayoutChg chg="add mod replId">
+          <pc:chgData name="Taylor, Tahlla T" userId="S::ttt200001@utdallas.edu::bf0d0bda-9183-4582-adf7-f689b3db65a1" providerId="AD" clId="Web-{D6C3D268-B269-7685-57EC-155734EAF9E9}" dt="2021-02-20T01:44:24.065" v="91"/>
+          <pc:sldLayoutMkLst>
+            <pc:docMk/>
+            <pc:sldMasterMk cId="4088279261" sldId="2147483749"/>
+            <pc:sldLayoutMk cId="1775556404" sldId="2147483756"/>
+          </pc:sldLayoutMkLst>
+        </pc:sldLayoutChg>
+        <pc:sldLayoutChg chg="add mod replId">
+          <pc:chgData name="Taylor, Tahlla T" userId="S::ttt200001@utdallas.edu::bf0d0bda-9183-4582-adf7-f689b3db65a1" providerId="AD" clId="Web-{D6C3D268-B269-7685-57EC-155734EAF9E9}" dt="2021-02-20T01:44:24.065" v="91"/>
+          <pc:sldLayoutMkLst>
+            <pc:docMk/>
+            <pc:sldMasterMk cId="4088279261" sldId="2147483749"/>
+            <pc:sldLayoutMk cId="666305988" sldId="2147483757"/>
+          </pc:sldLayoutMkLst>
+        </pc:sldLayoutChg>
+        <pc:sldLayoutChg chg="add mod replId">
+          <pc:chgData name="Taylor, Tahlla T" userId="S::ttt200001@utdallas.edu::bf0d0bda-9183-4582-adf7-f689b3db65a1" providerId="AD" clId="Web-{D6C3D268-B269-7685-57EC-155734EAF9E9}" dt="2021-02-20T01:44:24.065" v="91"/>
+          <pc:sldLayoutMkLst>
+            <pc:docMk/>
+            <pc:sldMasterMk cId="4088279261" sldId="2147483749"/>
+            <pc:sldLayoutMk cId="4076844567" sldId="2147483758"/>
+          </pc:sldLayoutMkLst>
+        </pc:sldLayoutChg>
+        <pc:sldLayoutChg chg="add mod replId">
+          <pc:chgData name="Taylor, Tahlla T" userId="S::ttt200001@utdallas.edu::bf0d0bda-9183-4582-adf7-f689b3db65a1" providerId="AD" clId="Web-{D6C3D268-B269-7685-57EC-155734EAF9E9}" dt="2021-02-20T01:44:24.065" v="91"/>
+          <pc:sldLayoutMkLst>
+            <pc:docMk/>
+            <pc:sldMasterMk cId="4088279261" sldId="2147483749"/>
+            <pc:sldLayoutMk cId="3021564188" sldId="2147483759"/>
+          </pc:sldLayoutMkLst>
+        </pc:sldLayoutChg>
+        <pc:sldLayoutChg chg="add mod replId">
+          <pc:chgData name="Taylor, Tahlla T" userId="S::ttt200001@utdallas.edu::bf0d0bda-9183-4582-adf7-f689b3db65a1" providerId="AD" clId="Web-{D6C3D268-B269-7685-57EC-155734EAF9E9}" dt="2021-02-20T01:44:24.065" v="91"/>
+          <pc:sldLayoutMkLst>
+            <pc:docMk/>
+            <pc:sldMasterMk cId="4088279261" sldId="2147483749"/>
+            <pc:sldLayoutMk cId="1858660017" sldId="2147483760"/>
+          </pc:sldLayoutMkLst>
+        </pc:sldLayoutChg>
+        <pc:sldLayoutChg chg="add mod replId">
+          <pc:chgData name="Taylor, Tahlla T" userId="S::ttt200001@utdallas.edu::bf0d0bda-9183-4582-adf7-f689b3db65a1" providerId="AD" clId="Web-{D6C3D268-B269-7685-57EC-155734EAF9E9}" dt="2021-02-20T01:44:24.065" v="91"/>
+          <pc:sldLayoutMkLst>
+            <pc:docMk/>
+            <pc:sldMasterMk cId="4088279261" sldId="2147483749"/>
+            <pc:sldLayoutMk cId="1409271551" sldId="2147483761"/>
+          </pc:sldLayoutMkLst>
+        </pc:sldLayoutChg>
+        <pc:sldLayoutChg chg="add mod replId">
+          <pc:chgData name="Taylor, Tahlla T" userId="S::ttt200001@utdallas.edu::bf0d0bda-9183-4582-adf7-f689b3db65a1" providerId="AD" clId="Web-{D6C3D268-B269-7685-57EC-155734EAF9E9}" dt="2021-02-20T01:44:24.065" v="91"/>
+          <pc:sldLayoutMkLst>
+            <pc:docMk/>
+            <pc:sldMasterMk cId="4088279261" sldId="2147483749"/>
+            <pc:sldLayoutMk cId="3753893891" sldId="2147483762"/>
+          </pc:sldLayoutMkLst>
+        </pc:sldLayoutChg>
+        <pc:sldLayoutChg chg="add mod replId">
+          <pc:chgData name="Taylor, Tahlla T" userId="S::ttt200001@utdallas.edu::bf0d0bda-9183-4582-adf7-f689b3db65a1" providerId="AD" clId="Web-{D6C3D268-B269-7685-57EC-155734EAF9E9}" dt="2021-02-20T01:44:24.065" v="91"/>
+          <pc:sldLayoutMkLst>
+            <pc:docMk/>
+            <pc:sldMasterMk cId="4088279261" sldId="2147483749"/>
+            <pc:sldLayoutMk cId="984564422" sldId="2147483763"/>
+          </pc:sldLayoutMkLst>
+        </pc:sldLayoutChg>
+        <pc:sldLayoutChg chg="add mod replId">
+          <pc:chgData name="Taylor, Tahlla T" userId="S::ttt200001@utdallas.edu::bf0d0bda-9183-4582-adf7-f689b3db65a1" providerId="AD" clId="Web-{D6C3D268-B269-7685-57EC-155734EAF9E9}" dt="2021-02-20T01:44:24.065" v="91"/>
+          <pc:sldLayoutMkLst>
+            <pc:docMk/>
+            <pc:sldMasterMk cId="4088279261" sldId="2147483749"/>
+            <pc:sldLayoutMk cId="612104191" sldId="2147483764"/>
+          </pc:sldLayoutMkLst>
+        </pc:sldLayoutChg>
+        <pc:sldLayoutChg chg="add mod replId">
+          <pc:chgData name="Taylor, Tahlla T" userId="S::ttt200001@utdallas.edu::bf0d0bda-9183-4582-adf7-f689b3db65a1" providerId="AD" clId="Web-{D6C3D268-B269-7685-57EC-155734EAF9E9}" dt="2021-02-20T01:44:24.065" v="91"/>
+          <pc:sldLayoutMkLst>
+            <pc:docMk/>
+            <pc:sldMasterMk cId="4088279261" sldId="2147483749"/>
+            <pc:sldLayoutMk cId="2766339138" sldId="2147483765"/>
+          </pc:sldLayoutMkLst>
+        </pc:sldLayoutChg>
+        <pc:sldLayoutChg chg="add mod replId">
+          <pc:chgData name="Taylor, Tahlla T" userId="S::ttt200001@utdallas.edu::bf0d0bda-9183-4582-adf7-f689b3db65a1" providerId="AD" clId="Web-{D6C3D268-B269-7685-57EC-155734EAF9E9}" dt="2021-02-20T01:44:24.065" v="91"/>
+          <pc:sldLayoutMkLst>
+            <pc:docMk/>
+            <pc:sldMasterMk cId="4088279261" sldId="2147483749"/>
+            <pc:sldLayoutMk cId="2230803806" sldId="2147483766"/>
+          </pc:sldLayoutMkLst>
+        </pc:sldLayoutChg>
+      </pc:sldMasterChg>
+    </pc:docChg>
+  </pc:docChgLst>
+  <pc:docChgLst>
+    <pc:chgData name="Ryan" userId="75727813-f0dd-40e8-8cb2-c760950265e6" providerId="ADAL" clId="{E924B94E-9332-4797-9507-B2B02F3F3C52}"/>
+    <pc:docChg chg="undo custSel addSld modSld sldOrd">
+      <pc:chgData name="Ryan" userId="75727813-f0dd-40e8-8cb2-c760950265e6" providerId="ADAL" clId="{E924B94E-9332-4797-9507-B2B02F3F3C52}" dt="2021-02-21T07:23:48.970" v="95" actId="6549"/>
+      <pc:docMkLst>
+        <pc:docMk/>
+      </pc:docMkLst>
+      <pc:sldChg chg="addSp delSp modSp add mod ord addAnim delAnim modAnim modNotesTx">
+        <pc:chgData name="Ryan" userId="75727813-f0dd-40e8-8cb2-c760950265e6" providerId="ADAL" clId="{E924B94E-9332-4797-9507-B2B02F3F3C52}" dt="2021-02-21T07:23:48.970" v="95" actId="6549"/>
+        <pc:sldMkLst>
+          <pc:docMk/>
+          <pc:sldMk cId="2875902730" sldId="273"/>
+        </pc:sldMkLst>
+        <pc:spChg chg="add del mod">
+          <ac:chgData name="Ryan" userId="75727813-f0dd-40e8-8cb2-c760950265e6" providerId="ADAL" clId="{E924B94E-9332-4797-9507-B2B02F3F3C52}" dt="2021-02-21T07:23:48.970" v="95" actId="6549"/>
+          <ac:spMkLst>
+            <pc:docMk/>
+            <pc:sldMk cId="2875902730" sldId="273"/>
+            <ac:spMk id="2" creationId="{00000000-0000-0000-0000-000000000000}"/>
+          </ac:spMkLst>
+        </pc:spChg>
+        <pc:spChg chg="mod">
+          <ac:chgData name="Ryan" userId="75727813-f0dd-40e8-8cb2-c760950265e6" providerId="ADAL" clId="{E924B94E-9332-4797-9507-B2B02F3F3C52}" dt="2021-02-21T07:13:38.144" v="16" actId="20577"/>
+          <ac:spMkLst>
+            <pc:docMk/>
+            <pc:sldMk cId="2875902730" sldId="273"/>
+            <ac:spMk id="4" creationId="{00000000-0000-0000-0000-000000000000}"/>
+          </ac:spMkLst>
+        </pc:spChg>
+        <pc:picChg chg="add del">
+          <ac:chgData name="Ryan" userId="75727813-f0dd-40e8-8cb2-c760950265e6" providerId="ADAL" clId="{E924B94E-9332-4797-9507-B2B02F3F3C52}" dt="2021-02-21T07:14:27.064" v="29" actId="22"/>
+          <ac:picMkLst>
+            <pc:docMk/>
+            <pc:sldMk cId="2875902730" sldId="273"/>
+            <ac:picMk id="5" creationId="{538EBAE3-5409-42FD-BA2B-71272CB13E5A}"/>
+          </ac:picMkLst>
+        </pc:picChg>
+      </pc:sldChg>
+    </pc:docChg>
+  </pc:docChgLst>
+  <pc:docChgLst>
+    <pc:chgData name="Taylor, Tahlla T" userId="S::ttt200001@utdallas.edu::bf0d0bda-9183-4582-adf7-f689b3db65a1" providerId="AD" clId="Web-{3EA26627-E490-45AF-A9F6-8F635AECDE3F}"/>
+    <pc:docChg chg="modSld addMainMaster delMainMaster">
+      <pc:chgData name="Taylor, Tahlla T" userId="S::ttt200001@utdallas.edu::bf0d0bda-9183-4582-adf7-f689b3db65a1" providerId="AD" clId="Web-{3EA26627-E490-45AF-A9F6-8F635AECDE3F}" dt="2021-02-20T01:19:54.510" v="4"/>
+      <pc:docMkLst>
+        <pc:docMk/>
+      </pc:docMkLst>
+      <pc:sldChg chg="modSp mod modClrScheme chgLayout">
+        <pc:chgData name="Taylor, Tahlla T" userId="S::ttt200001@utdallas.edu::bf0d0bda-9183-4582-adf7-f689b3db65a1" providerId="AD" clId="Web-{3EA26627-E490-45AF-A9F6-8F635AECDE3F}" dt="2021-02-20T01:19:54.510" v="4"/>
+        <pc:sldMkLst>
+          <pc:docMk/>
+          <pc:sldMk cId="0" sldId="256"/>
+        </pc:sldMkLst>
+        <pc:spChg chg="mod">
+          <ac:chgData name="Taylor, Tahlla T" userId="S::ttt200001@utdallas.edu::bf0d0bda-9183-4582-adf7-f689b3db65a1" providerId="AD" clId="Web-{3EA26627-E490-45AF-A9F6-8F635AECDE3F}" dt="2021-02-20T01:19:28.275" v="2" actId="1076"/>
+          <ac:spMkLst>
+            <pc:docMk/>
+            <pc:sldMk cId="0" sldId="256"/>
+            <ac:spMk id="3" creationId="{00000000-0000-0000-0000-000000000000}"/>
+          </ac:spMkLst>
+        </pc:spChg>
+        <pc:spChg chg="mod">
+          <ac:chgData name="Taylor, Tahlla T" userId="S::ttt200001@utdallas.edu::bf0d0bda-9183-4582-adf7-f689b3db65a1" providerId="AD" clId="Web-{3EA26627-E490-45AF-A9F6-8F635AECDE3F}" dt="2021-02-20T01:19:23.322" v="1" actId="1076"/>
+          <ac:spMkLst>
+            <pc:docMk/>
+            <pc:sldMk cId="0" sldId="256"/>
+            <ac:spMk id="4" creationId="{00000000-0000-0000-0000-000000000000}"/>
+          </ac:spMkLst>
+        </pc:spChg>
+      </pc:sldChg>
+      <pc:sldChg chg="mod modClrScheme chgLayout">
+        <pc:chgData name="Taylor, Tahlla T" userId="S::ttt200001@utdallas.edu::bf0d0bda-9183-4582-adf7-f689b3db65a1" providerId="AD" clId="Web-{3EA26627-E490-45AF-A9F6-8F635AECDE3F}" dt="2021-02-20T01:19:54.510" v="4"/>
+        <pc:sldMkLst>
+          <pc:docMk/>
+          <pc:sldMk cId="0" sldId="257"/>
+        </pc:sldMkLst>
+      </pc:sldChg>
+      <pc:sldChg chg="mod modClrScheme chgLayout">
+        <pc:chgData name="Taylor, Tahlla T" userId="S::ttt200001@utdallas.edu::bf0d0bda-9183-4582-adf7-f689b3db65a1" providerId="AD" clId="Web-{3EA26627-E490-45AF-A9F6-8F635AECDE3F}" dt="2021-02-20T01:19:54.510" v="4"/>
+        <pc:sldMkLst>
+          <pc:docMk/>
+          <pc:sldMk cId="0" sldId="258"/>
+        </pc:sldMkLst>
+      </pc:sldChg>
+      <pc:sldChg chg="mod modClrScheme chgLayout">
+        <pc:chgData name="Taylor, Tahlla T" userId="S::ttt200001@utdallas.edu::bf0d0bda-9183-4582-adf7-f689b3db65a1" providerId="AD" clId="Web-{3EA26627-E490-45AF-A9F6-8F635AECDE3F}" dt="2021-02-20T01:19:54.510" v="4"/>
+        <pc:sldMkLst>
+          <pc:docMk/>
+          <pc:sldMk cId="0" sldId="259"/>
+        </pc:sldMkLst>
+      </pc:sldChg>
+      <pc:sldChg chg="mod modClrScheme chgLayout">
+        <pc:chgData name="Taylor, Tahlla T" userId="S::ttt200001@utdallas.edu::bf0d0bda-9183-4582-adf7-f689b3db65a1" providerId="AD" clId="Web-{3EA26627-E490-45AF-A9F6-8F635AECDE3F}" dt="2021-02-20T01:19:54.510" v="4"/>
+        <pc:sldMkLst>
+          <pc:docMk/>
+          <pc:sldMk cId="0" sldId="260"/>
+        </pc:sldMkLst>
+      </pc:sldChg>
+      <pc:sldChg chg="mod modClrScheme chgLayout">
+        <pc:chgData name="Taylor, Tahlla T" userId="S::ttt200001@utdallas.edu::bf0d0bda-9183-4582-adf7-f689b3db65a1" providerId="AD" clId="Web-{3EA26627-E490-45AF-A9F6-8F635AECDE3F}" dt="2021-02-20T01:19:54.510" v="4"/>
+        <pc:sldMkLst>
+          <pc:docMk/>
+          <pc:sldMk cId="0" sldId="261"/>
+        </pc:sldMkLst>
+      </pc:sldChg>
+      <pc:sldChg chg="mod modClrScheme chgLayout">
+        <pc:chgData name="Taylor, Tahlla T" userId="S::ttt200001@utdallas.edu::bf0d0bda-9183-4582-adf7-f689b3db65a1" providerId="AD" clId="Web-{3EA26627-E490-45AF-A9F6-8F635AECDE3F}" dt="2021-02-20T01:19:54.510" v="4"/>
+        <pc:sldMkLst>
+          <pc:docMk/>
+          <pc:sldMk cId="0" sldId="262"/>
+        </pc:sldMkLst>
+      </pc:sldChg>
+      <pc:sldChg chg="mod modClrScheme chgLayout">
+        <pc:chgData name="Taylor, Tahlla T" userId="S::ttt200001@utdallas.edu::bf0d0bda-9183-4582-adf7-f689b3db65a1" providerId="AD" clId="Web-{3EA26627-E490-45AF-A9F6-8F635AECDE3F}" dt="2021-02-20T01:19:54.510" v="4"/>
+        <pc:sldMkLst>
+          <pc:docMk/>
+          <pc:sldMk cId="0" sldId="263"/>
+        </pc:sldMkLst>
+      </pc:sldChg>
+      <pc:sldChg chg="mod modClrScheme chgLayout">
+        <pc:chgData name="Taylor, Tahlla T" userId="S::ttt200001@utdallas.edu::bf0d0bda-9183-4582-adf7-f689b3db65a1" providerId="AD" clId="Web-{3EA26627-E490-45AF-A9F6-8F635AECDE3F}" dt="2021-02-20T01:19:54.510" v="4"/>
+        <pc:sldMkLst>
+          <pc:docMk/>
+          <pc:sldMk cId="0" sldId="265"/>
+        </pc:sldMkLst>
+      </pc:sldChg>
+      <pc:sldChg chg="mod modClrScheme chgLayout">
+        <pc:chgData name="Taylor, Tahlla T" userId="S::ttt200001@utdallas.edu::bf0d0bda-9183-4582-adf7-f689b3db65a1" providerId="AD" clId="Web-{3EA26627-E490-45AF-A9F6-8F635AECDE3F}" dt="2021-02-20T01:19:54.510" v="4"/>
+        <pc:sldMkLst>
+          <pc:docMk/>
+          <pc:sldMk cId="0" sldId="266"/>
+        </pc:sldMkLst>
+      </pc:sldChg>
+      <pc:sldChg chg="mod modClrScheme chgLayout">
+        <pc:chgData name="Taylor, Tahlla T" userId="S::ttt200001@utdallas.edu::bf0d0bda-9183-4582-adf7-f689b3db65a1" providerId="AD" clId="Web-{3EA26627-E490-45AF-A9F6-8F635AECDE3F}" dt="2021-02-20T01:19:54.510" v="4"/>
+        <pc:sldMkLst>
+          <pc:docMk/>
+          <pc:sldMk cId="0" sldId="267"/>
+        </pc:sldMkLst>
+      </pc:sldChg>
+      <pc:sldChg chg="mod modClrScheme chgLayout">
+        <pc:chgData name="Taylor, Tahlla T" userId="S::ttt200001@utdallas.edu::bf0d0bda-9183-4582-adf7-f689b3db65a1" providerId="AD" clId="Web-{3EA26627-E490-45AF-A9F6-8F635AECDE3F}" dt="2021-02-20T01:19:54.510" v="4"/>
+        <pc:sldMkLst>
+          <pc:docMk/>
+          <pc:sldMk cId="0" sldId="268"/>
+        </pc:sldMkLst>
+      </pc:sldChg>
+      <pc:sldChg chg="mod modClrScheme chgLayout">
+        <pc:chgData name="Taylor, Tahlla T" userId="S::ttt200001@utdallas.edu::bf0d0bda-9183-4582-adf7-f689b3db65a1" providerId="AD" clId="Web-{3EA26627-E490-45AF-A9F6-8F635AECDE3F}" dt="2021-02-20T01:19:54.510" v="4"/>
+        <pc:sldMkLst>
+          <pc:docMk/>
+          <pc:sldMk cId="0" sldId="270"/>
+        </pc:sldMkLst>
+      </pc:sldChg>
+      <pc:sldMasterChg chg="del delSldLayout">
+        <pc:chgData name="Taylor, Tahlla T" userId="S::ttt200001@utdallas.edu::bf0d0bda-9183-4582-adf7-f689b3db65a1" providerId="AD" clId="Web-{3EA26627-E490-45AF-A9F6-8F635AECDE3F}" dt="2021-02-20T01:19:06.744" v="0"/>
+        <pc:sldMasterMkLst>
+          <pc:docMk/>
+          <pc:sldMasterMk cId="3108035373" sldId="2147483684"/>
+        </pc:sldMasterMkLst>
+        <pc:sldLayoutChg chg="del">
+          <pc:chgData name="Taylor, Tahlla T" userId="S::ttt200001@utdallas.edu::bf0d0bda-9183-4582-adf7-f689b3db65a1" providerId="AD" clId="Web-{3EA26627-E490-45AF-A9F6-8F635AECDE3F}" dt="2021-02-20T01:19:06.744" v="0"/>
+          <pc:sldLayoutMkLst>
+            <pc:docMk/>
+            <pc:sldMasterMk cId="3108035373" sldId="2147483684"/>
+            <pc:sldLayoutMk cId="3414460258" sldId="2147483685"/>
+          </pc:sldLayoutMkLst>
+        </pc:sldLayoutChg>
+        <pc:sldLayoutChg chg="del">
+          <pc:chgData name="Taylor, Tahlla T" userId="S::ttt200001@utdallas.edu::bf0d0bda-9183-4582-adf7-f689b3db65a1" providerId="AD" clId="Web-{3EA26627-E490-45AF-A9F6-8F635AECDE3F}" dt="2021-02-20T01:19:06.744" v="0"/>
+          <pc:sldLayoutMkLst>
+            <pc:docMk/>
+            <pc:sldMasterMk cId="3108035373" sldId="2147483684"/>
+            <pc:sldLayoutMk cId="749359122" sldId="2147483686"/>
+          </pc:sldLayoutMkLst>
+        </pc:sldLayoutChg>
+        <pc:sldLayoutChg chg="del">
+          <pc:chgData name="Taylor, Tahlla T" userId="S::ttt200001@utdallas.edu::bf0d0bda-9183-4582-adf7-f689b3db65a1" providerId="AD" clId="Web-{3EA26627-E490-45AF-A9F6-8F635AECDE3F}" dt="2021-02-20T01:19:06.744" v="0"/>
+          <pc:sldLayoutMkLst>
+            <pc:docMk/>
+            <pc:sldMasterMk cId="3108035373" sldId="2147483684"/>
+            <pc:sldLayoutMk cId="1824542285" sldId="2147483687"/>
+          </pc:sldLayoutMkLst>
+        </pc:sldLayoutChg>
+        <pc:sldLayoutChg chg="del">
+          <pc:chgData name="Taylor, Tahlla T" userId="S::ttt200001@utdallas.edu::bf0d0bda-9183-4582-adf7-f689b3db65a1" providerId="AD" clId="Web-{3EA26627-E490-45AF-A9F6-8F635AECDE3F}" dt="2021-02-20T01:19:06.744" v="0"/>
+          <pc:sldLayoutMkLst>
+            <pc:docMk/>
+            <pc:sldMasterMk cId="3108035373" sldId="2147483684"/>
+            <pc:sldLayoutMk cId="3533954229" sldId="2147483688"/>
+          </pc:sldLayoutMkLst>
+        </pc:sldLayoutChg>
+        <pc:sldLayoutChg chg="del">
+          <pc:chgData name="Taylor, Tahlla T" userId="S::ttt200001@utdallas.edu::bf0d0bda-9183-4582-adf7-f689b3db65a1" providerId="AD" clId="Web-{3EA26627-E490-45AF-A9F6-8F635AECDE3F}" dt="2021-02-20T01:19:06.744" v="0"/>
+          <pc:sldLayoutMkLst>
+            <pc:docMk/>
+            <pc:sldMasterMk cId="3108035373" sldId="2147483684"/>
+            <pc:sldLayoutMk cId="886553239" sldId="2147483689"/>
+          </pc:sldLayoutMkLst>
+        </pc:sldLayoutChg>
+        <pc:sldLayoutChg chg="del">
+          <pc:chgData name="Taylor, Tahlla T" userId="S::ttt200001@utdallas.edu::bf0d0bda-9183-4582-adf7-f689b3db65a1" providerId="AD" clId="Web-{3EA26627-E490-45AF-A9F6-8F635AECDE3F}" dt="2021-02-20T01:19:06.744" v="0"/>
+          <pc:sldLayoutMkLst>
+            <pc:docMk/>
+            <pc:sldMasterMk cId="3108035373" sldId="2147483684"/>
+            <pc:sldLayoutMk cId="479090166" sldId="2147483690"/>
+          </pc:sldLayoutMkLst>
+        </pc:sldLayoutChg>
+        <pc:sldLayoutChg chg="del">
+          <pc:chgData name="Taylor, Tahlla T" userId="S::ttt200001@utdallas.edu::bf0d0bda-9183-4582-adf7-f689b3db65a1" providerId="AD" clId="Web-{3EA26627-E490-45AF-A9F6-8F635AECDE3F}" dt="2021-02-20T01:19:06.744" v="0"/>
+          <pc:sldLayoutMkLst>
+            <pc:docMk/>
+            <pc:sldMasterMk cId="3108035373" sldId="2147483684"/>
+            <pc:sldLayoutMk cId="2098733786" sldId="2147483691"/>
+          </pc:sldLayoutMkLst>
+        </pc:sldLayoutChg>
+        <pc:sldLayoutChg chg="del">
+          <pc:chgData name="Taylor, Tahlla T" userId="S::ttt200001@utdallas.edu::bf0d0bda-9183-4582-adf7-f689b3db65a1" providerId="AD" clId="Web-{3EA26627-E490-45AF-A9F6-8F635AECDE3F}" dt="2021-02-20T01:19:06.744" v="0"/>
+          <pc:sldLayoutMkLst>
+            <pc:docMk/>
+            <pc:sldMasterMk cId="3108035373" sldId="2147483684"/>
+            <pc:sldLayoutMk cId="3838636754" sldId="2147483692"/>
+          </pc:sldLayoutMkLst>
+        </pc:sldLayoutChg>
+        <pc:sldLayoutChg chg="del">
+          <pc:chgData name="Taylor, Tahlla T" userId="S::ttt200001@utdallas.edu::bf0d0bda-9183-4582-adf7-f689b3db65a1" providerId="AD" clId="Web-{3EA26627-E490-45AF-A9F6-8F635AECDE3F}" dt="2021-02-20T01:19:06.744" v="0"/>
+          <pc:sldLayoutMkLst>
+            <pc:docMk/>
+            <pc:sldMasterMk cId="3108035373" sldId="2147483684"/>
+            <pc:sldLayoutMk cId="71625686" sldId="2147483693"/>
+          </pc:sldLayoutMkLst>
+        </pc:sldLayoutChg>
+        <pc:sldLayoutChg chg="del">
+          <pc:chgData name="Taylor, Tahlla T" userId="S::ttt200001@utdallas.edu::bf0d0bda-9183-4582-adf7-f689b3db65a1" providerId="AD" clId="Web-{3EA26627-E490-45AF-A9F6-8F635AECDE3F}" dt="2021-02-20T01:19:06.744" v="0"/>
+          <pc:sldLayoutMkLst>
+            <pc:docMk/>
+            <pc:sldMasterMk cId="3108035373" sldId="2147483684"/>
+            <pc:sldLayoutMk cId="1660591331" sldId="2147483694"/>
+          </pc:sldLayoutMkLst>
+        </pc:sldLayoutChg>
+        <pc:sldLayoutChg chg="del">
+          <pc:chgData name="Taylor, Tahlla T" userId="S::ttt200001@utdallas.edu::bf0d0bda-9183-4582-adf7-f689b3db65a1" providerId="AD" clId="Web-{3EA26627-E490-45AF-A9F6-8F635AECDE3F}" dt="2021-02-20T01:19:06.744" v="0"/>
+          <pc:sldLayoutMkLst>
+            <pc:docMk/>
+            <pc:sldMasterMk cId="3108035373" sldId="2147483684"/>
+            <pc:sldLayoutMk cId="2988508376" sldId="2147483695"/>
+          </pc:sldLayoutMkLst>
+        </pc:sldLayoutChg>
+      </pc:sldMasterChg>
+      <pc:sldMasterChg chg="add del addSldLayout delSldLayout modSldLayout">
+        <pc:chgData name="Taylor, Tahlla T" userId="S::ttt200001@utdallas.edu::bf0d0bda-9183-4582-adf7-f689b3db65a1" providerId="AD" clId="Web-{3EA26627-E490-45AF-A9F6-8F635AECDE3F}" dt="2021-02-20T01:19:40.494" v="3"/>
+        <pc:sldMasterMkLst>
+          <pc:docMk/>
+          <pc:sldMasterMk cId="3743240432" sldId="2147483696"/>
+        </pc:sldMasterMkLst>
+        <pc:sldLayoutChg chg="add del mod replId">
+          <pc:chgData name="Taylor, Tahlla T" userId="S::ttt200001@utdallas.edu::bf0d0bda-9183-4582-adf7-f689b3db65a1" providerId="AD" clId="Web-{3EA26627-E490-45AF-A9F6-8F635AECDE3F}" dt="2021-02-20T01:19:40.494" v="3"/>
+          <pc:sldLayoutMkLst>
+            <pc:docMk/>
+            <pc:sldMasterMk cId="3743240432" sldId="2147483696"/>
+            <pc:sldLayoutMk cId="1917371868" sldId="2147483697"/>
+          </pc:sldLayoutMkLst>
+        </pc:sldLayoutChg>
+        <pc:sldLayoutChg chg="add del mod replId">
+          <pc:chgData name="Taylor, Tahlla T" userId="S::ttt200001@utdallas.edu::bf0d0bda-9183-4582-adf7-f689b3db65a1" providerId="AD" clId="Web-{3EA26627-E490-45AF-A9F6-8F635AECDE3F}" dt="2021-02-20T01:19:40.494" v="3"/>
+          <pc:sldLayoutMkLst>
+            <pc:docMk/>
+            <pc:sldMasterMk cId="3743240432" sldId="2147483696"/>
+            <pc:sldLayoutMk cId="3392442507" sldId="2147483698"/>
+          </pc:sldLayoutMkLst>
+        </pc:sldLayoutChg>
+        <pc:sldLayoutChg chg="add del mod replId">
+          <pc:chgData name="Taylor, Tahlla T" userId="S::ttt200001@utdallas.edu::bf0d0bda-9183-4582-adf7-f689b3db65a1" providerId="AD" clId="Web-{3EA26627-E490-45AF-A9F6-8F635AECDE3F}" dt="2021-02-20T01:19:40.494" v="3"/>
+          <pc:sldLayoutMkLst>
+            <pc:docMk/>
+            <pc:sldMasterMk cId="3743240432" sldId="2147483696"/>
+            <pc:sldLayoutMk cId="383149089" sldId="2147483699"/>
+          </pc:sldLayoutMkLst>
+        </pc:sldLayoutChg>
+        <pc:sldLayoutChg chg="add del mod replId">
+          <pc:chgData name="Taylor, Tahlla T" userId="S::ttt200001@utdallas.edu::bf0d0bda-9183-4582-adf7-f689b3db65a1" providerId="AD" clId="Web-{3EA26627-E490-45AF-A9F6-8F635AECDE3F}" dt="2021-02-20T01:19:40.494" v="3"/>
+          <pc:sldLayoutMkLst>
+            <pc:docMk/>
+            <pc:sldMasterMk cId="3743240432" sldId="2147483696"/>
+            <pc:sldLayoutMk cId="2014929969" sldId="2147483700"/>
+          </pc:sldLayoutMkLst>
+        </pc:sldLayoutChg>
+        <pc:sldLayoutChg chg="add del mod replId">
+          <pc:chgData name="Taylor, Tahlla T" userId="S::ttt200001@utdallas.edu::bf0d0bda-9183-4582-adf7-f689b3db65a1" providerId="AD" clId="Web-{3EA26627-E490-45AF-A9F6-8F635AECDE3F}" dt="2021-02-20T01:19:40.494" v="3"/>
+          <pc:sldLayoutMkLst>
+            <pc:docMk/>
+            <pc:sldMasterMk cId="3743240432" sldId="2147483696"/>
+            <pc:sldLayoutMk cId="1500202284" sldId="2147483701"/>
+          </pc:sldLayoutMkLst>
+        </pc:sldLayoutChg>
+        <pc:sldLayoutChg chg="add del mod replId">
+          <pc:chgData name="Taylor, Tahlla T" userId="S::ttt200001@utdallas.edu::bf0d0bda-9183-4582-adf7-f689b3db65a1" providerId="AD" clId="Web-{3EA26627-E490-45AF-A9F6-8F635AECDE3F}" dt="2021-02-20T01:19:40.494" v="3"/>
+          <pc:sldLayoutMkLst>
+            <pc:docMk/>
+            <pc:sldMasterMk cId="3743240432" sldId="2147483696"/>
+            <pc:sldLayoutMk cId="3338911366" sldId="2147483702"/>
+          </pc:sldLayoutMkLst>
+        </pc:sldLayoutChg>
+        <pc:sldLayoutChg chg="add del mod replId">
+          <pc:chgData name="Taylor, Tahlla T" userId="S::ttt200001@utdallas.edu::bf0d0bda-9183-4582-adf7-f689b3db65a1" providerId="AD" clId="Web-{3EA26627-E490-45AF-A9F6-8F635AECDE3F}" dt="2021-02-20T01:19:40.494" v="3"/>
+          <pc:sldLayoutMkLst>
+            <pc:docMk/>
+            <pc:sldMasterMk cId="3743240432" sldId="2147483696"/>
+            <pc:sldLayoutMk cId="2607803578" sldId="2147483703"/>
+          </pc:sldLayoutMkLst>
+        </pc:sldLayoutChg>
+        <pc:sldLayoutChg chg="add del mod replId">
+          <pc:chgData name="Taylor, Tahlla T" userId="S::ttt200001@utdallas.edu::bf0d0bda-9183-4582-adf7-f689b3db65a1" providerId="AD" clId="Web-{3EA26627-E490-45AF-A9F6-8F635AECDE3F}" dt="2021-02-20T01:19:40.494" v="3"/>
+          <pc:sldLayoutMkLst>
+            <pc:docMk/>
+            <pc:sldMasterMk cId="3743240432" sldId="2147483696"/>
+            <pc:sldLayoutMk cId="1929353506" sldId="2147483704"/>
+          </pc:sldLayoutMkLst>
+        </pc:sldLayoutChg>
+        <pc:sldLayoutChg chg="add del mod replId">
+          <pc:chgData name="Taylor, Tahlla T" userId="S::ttt200001@utdallas.edu::bf0d0bda-9183-4582-adf7-f689b3db65a1" providerId="AD" clId="Web-{3EA26627-E490-45AF-A9F6-8F635AECDE3F}" dt="2021-02-20T01:19:40.494" v="3"/>
+          <pc:sldLayoutMkLst>
+            <pc:docMk/>
+            <pc:sldMasterMk cId="3743240432" sldId="2147483696"/>
+            <pc:sldLayoutMk cId="838015804" sldId="2147483705"/>
+          </pc:sldLayoutMkLst>
+        </pc:sldLayoutChg>
+        <pc:sldLayoutChg chg="add del mod replId">
+          <pc:chgData name="Taylor, Tahlla T" userId="S::ttt200001@utdallas.edu::bf0d0bda-9183-4582-adf7-f689b3db65a1" providerId="AD" clId="Web-{3EA26627-E490-45AF-A9F6-8F635AECDE3F}" dt="2021-02-20T01:19:40.494" v="3"/>
+          <pc:sldLayoutMkLst>
+            <pc:docMk/>
+            <pc:sldMasterMk cId="3743240432" sldId="2147483696"/>
+            <pc:sldLayoutMk cId="2715341570" sldId="2147483706"/>
+          </pc:sldLayoutMkLst>
+        </pc:sldLayoutChg>
+        <pc:sldLayoutChg chg="add del mod replId">
+          <pc:chgData name="Taylor, Tahlla T" userId="S::ttt200001@utdallas.edu::bf0d0bda-9183-4582-adf7-f689b3db65a1" providerId="AD" clId="Web-{3EA26627-E490-45AF-A9F6-8F635AECDE3F}" dt="2021-02-20T01:19:40.494" v="3"/>
+          <pc:sldLayoutMkLst>
+            <pc:docMk/>
+            <pc:sldMasterMk cId="3743240432" sldId="2147483696"/>
+            <pc:sldLayoutMk cId="3838840772" sldId="2147483707"/>
+          </pc:sldLayoutMkLst>
+        </pc:sldLayoutChg>
+        <pc:sldLayoutChg chg="add del mod replId">
+          <pc:chgData name="Taylor, Tahlla T" userId="S::ttt200001@utdallas.edu::bf0d0bda-9183-4582-adf7-f689b3db65a1" providerId="AD" clId="Web-{3EA26627-E490-45AF-A9F6-8F635AECDE3F}" dt="2021-02-20T01:19:40.494" v="3"/>
+          <pc:sldLayoutMkLst>
+            <pc:docMk/>
+            <pc:sldMasterMk cId="3743240432" sldId="2147483696"/>
+            <pc:sldLayoutMk cId="1100260912" sldId="2147483708"/>
+          </pc:sldLayoutMkLst>
+        </pc:sldLayoutChg>
+        <pc:sldLayoutChg chg="add del mod replId">
+          <pc:chgData name="Taylor, Tahlla T" userId="S::ttt200001@utdallas.edu::bf0d0bda-9183-4582-adf7-f689b3db65a1" providerId="AD" clId="Web-{3EA26627-E490-45AF-A9F6-8F635AECDE3F}" dt="2021-02-20T01:19:40.494" v="3"/>
+          <pc:sldLayoutMkLst>
+            <pc:docMk/>
+            <pc:sldMasterMk cId="3743240432" sldId="2147483696"/>
+            <pc:sldLayoutMk cId="1792387815" sldId="2147483709"/>
+          </pc:sldLayoutMkLst>
+        </pc:sldLayoutChg>
+        <pc:sldLayoutChg chg="add del mod replId">
+          <pc:chgData name="Taylor, Tahlla T" userId="S::ttt200001@utdallas.edu::bf0d0bda-9183-4582-adf7-f689b3db65a1" providerId="AD" clId="Web-{3EA26627-E490-45AF-A9F6-8F635AECDE3F}" dt="2021-02-20T01:19:40.494" v="3"/>
+          <pc:sldLayoutMkLst>
+            <pc:docMk/>
+            <pc:sldMasterMk cId="3743240432" sldId="2147483696"/>
+            <pc:sldLayoutMk cId="3771123170" sldId="2147483710"/>
+          </pc:sldLayoutMkLst>
+        </pc:sldLayoutChg>
+        <pc:sldLayoutChg chg="add del mod replId">
+          <pc:chgData name="Taylor, Tahlla T" userId="S::ttt200001@utdallas.edu::bf0d0bda-9183-4582-adf7-f689b3db65a1" providerId="AD" clId="Web-{3EA26627-E490-45AF-A9F6-8F635AECDE3F}" dt="2021-02-20T01:19:40.494" v="3"/>
+          <pc:sldLayoutMkLst>
+            <pc:docMk/>
+            <pc:sldMasterMk cId="3743240432" sldId="2147483696"/>
+            <pc:sldLayoutMk cId="2252926721" sldId="2147483711"/>
+          </pc:sldLayoutMkLst>
+        </pc:sldLayoutChg>
+        <pc:sldLayoutChg chg="add del mod replId">
+          <pc:chgData name="Taylor, Tahlla T" userId="S::ttt200001@utdallas.edu::bf0d0bda-9183-4582-adf7-f689b3db65a1" providerId="AD" clId="Web-{3EA26627-E490-45AF-A9F6-8F635AECDE3F}" dt="2021-02-20T01:19:40.494" v="3"/>
+          <pc:sldLayoutMkLst>
+            <pc:docMk/>
+            <pc:sldMasterMk cId="3743240432" sldId="2147483696"/>
+            <pc:sldLayoutMk cId="3928439343" sldId="2147483712"/>
+          </pc:sldLayoutMkLst>
+        </pc:sldLayoutChg>
+        <pc:sldLayoutChg chg="add del mod replId">
+          <pc:chgData name="Taylor, Tahlla T" userId="S::ttt200001@utdallas.edu::bf0d0bda-9183-4582-adf7-f689b3db65a1" providerId="AD" clId="Web-{3EA26627-E490-45AF-A9F6-8F635AECDE3F}" dt="2021-02-20T01:19:40.494" v="3"/>
+          <pc:sldLayoutMkLst>
+            <pc:docMk/>
+            <pc:sldMasterMk cId="3743240432" sldId="2147483696"/>
+            <pc:sldLayoutMk cId="721738692" sldId="2147483713"/>
+          </pc:sldLayoutMkLst>
+        </pc:sldLayoutChg>
+      </pc:sldMasterChg>
+      <pc:sldMasterChg chg="add del addSldLayout delSldLayout modSldLayout">
+        <pc:chgData name="Taylor, Tahlla T" userId="S::ttt200001@utdallas.edu::bf0d0bda-9183-4582-adf7-f689b3db65a1" providerId="AD" clId="Web-{3EA26627-E490-45AF-A9F6-8F635AECDE3F}" dt="2021-02-20T01:19:54.510" v="4"/>
+        <pc:sldMasterMkLst>
+          <pc:docMk/>
+          <pc:sldMasterMk cId="3940136052" sldId="2147483714"/>
+        </pc:sldMasterMkLst>
+        <pc:sldLayoutChg chg="add del mod replId">
+          <pc:chgData name="Taylor, Tahlla T" userId="S::ttt200001@utdallas.edu::bf0d0bda-9183-4582-adf7-f689b3db65a1" providerId="AD" clId="Web-{3EA26627-E490-45AF-A9F6-8F635AECDE3F}" dt="2021-02-20T01:19:54.510" v="4"/>
+          <pc:sldLayoutMkLst>
+            <pc:docMk/>
+            <pc:sldMasterMk cId="3940136052" sldId="2147483714"/>
+            <pc:sldLayoutMk cId="3075758548" sldId="2147483715"/>
+          </pc:sldLayoutMkLst>
+        </pc:sldLayoutChg>
+        <pc:sldLayoutChg chg="add del mod replId">
+          <pc:chgData name="Taylor, Tahlla T" userId="S::ttt200001@utdallas.edu::bf0d0bda-9183-4582-adf7-f689b3db65a1" providerId="AD" clId="Web-{3EA26627-E490-45AF-A9F6-8F635AECDE3F}" dt="2021-02-20T01:19:54.510" v="4"/>
+          <pc:sldLayoutMkLst>
+            <pc:docMk/>
+            <pc:sldMasterMk cId="3940136052" sldId="2147483714"/>
+            <pc:sldLayoutMk cId="2617959153" sldId="2147483716"/>
+          </pc:sldLayoutMkLst>
+        </pc:sldLayoutChg>
+        <pc:sldLayoutChg chg="add del mod replId">
+          <pc:chgData name="Taylor, Tahlla T" userId="S::ttt200001@utdallas.edu::bf0d0bda-9183-4582-adf7-f689b3db65a1" providerId="AD" clId="Web-{3EA26627-E490-45AF-A9F6-8F635AECDE3F}" dt="2021-02-20T01:19:54.510" v="4"/>
+          <pc:sldLayoutMkLst>
+            <pc:docMk/>
+            <pc:sldMasterMk cId="3940136052" sldId="2147483714"/>
+            <pc:sldLayoutMk cId="939019417" sldId="2147483717"/>
+          </pc:sldLayoutMkLst>
+        </pc:sldLayoutChg>
+        <pc:sldLayoutChg chg="add del mod replId">
+          <pc:chgData name="Taylor, Tahlla T" userId="S::ttt200001@utdallas.edu::bf0d0bda-9183-4582-adf7-f689b3db65a1" providerId="AD" clId="Web-{3EA26627-E490-45AF-A9F6-8F635AECDE3F}" dt="2021-02-20T01:19:54.510" v="4"/>
+          <pc:sldLayoutMkLst>
+            <pc:docMk/>
+            <pc:sldMasterMk cId="3940136052" sldId="2147483714"/>
+            <pc:sldLayoutMk cId="218275458" sldId="2147483718"/>
+          </pc:sldLayoutMkLst>
+        </pc:sldLayoutChg>
+        <pc:sldLayoutChg chg="add del mod replId">
+          <pc:chgData name="Taylor, Tahlla T" userId="S::ttt200001@utdallas.edu::bf0d0bda-9183-4582-adf7-f689b3db65a1" providerId="AD" clId="Web-{3EA26627-E490-45AF-A9F6-8F635AECDE3F}" dt="2021-02-20T01:19:54.510" v="4"/>
+          <pc:sldLayoutMkLst>
+            <pc:docMk/>
+            <pc:sldMasterMk cId="3940136052" sldId="2147483714"/>
+            <pc:sldLayoutMk cId="629664856" sldId="2147483719"/>
+          </pc:sldLayoutMkLst>
+        </pc:sldLayoutChg>
+        <pc:sldLayoutChg chg="add del mod replId">
+          <pc:chgData name="Taylor, Tahlla T" userId="S::ttt200001@utdallas.edu::bf0d0bda-9183-4582-adf7-f689b3db65a1" providerId="AD" clId="Web-{3EA26627-E490-45AF-A9F6-8F635AECDE3F}" dt="2021-02-20T01:19:54.510" v="4"/>
+          <pc:sldLayoutMkLst>
+            <pc:docMk/>
+            <pc:sldMasterMk cId="3940136052" sldId="2147483714"/>
+            <pc:sldLayoutMk cId="1458127598" sldId="2147483720"/>
+          </pc:sldLayoutMkLst>
+        </pc:sldLayoutChg>
+        <pc:sldLayoutChg chg="add del mod replId">
+          <pc:chgData name="Taylor, Tahlla T" userId="S::ttt200001@utdallas.edu::bf0d0bda-9183-4582-adf7-f689b3db65a1" providerId="AD" clId="Web-{3EA26627-E490-45AF-A9F6-8F635AECDE3F}" dt="2021-02-20T01:19:54.510" v="4"/>
+          <pc:sldLayoutMkLst>
+            <pc:docMk/>
+            <pc:sldMasterMk cId="3940136052" sldId="2147483714"/>
+            <pc:sldLayoutMk cId="1466235224" sldId="2147483721"/>
+          </pc:sldLayoutMkLst>
+        </pc:sldLayoutChg>
+        <pc:sldLayoutChg chg="add del mod replId">
+          <pc:chgData name="Taylor, Tahlla T" userId="S::ttt200001@utdallas.edu::bf0d0bda-9183-4582-adf7-f689b3db65a1" providerId="AD" clId="Web-{3EA26627-E490-45AF-A9F6-8F635AECDE3F}" dt="2021-02-20T01:19:54.510" v="4"/>
+          <pc:sldLayoutMkLst>
+            <pc:docMk/>
+            <pc:sldMasterMk cId="3940136052" sldId="2147483714"/>
+            <pc:sldLayoutMk cId="3100598679" sldId="2147483722"/>
+          </pc:sldLayoutMkLst>
+        </pc:sldLayoutChg>
+        <pc:sldLayoutChg chg="add del mod replId">
+          <pc:chgData name="Taylor, Tahlla T" userId="S::ttt200001@utdallas.edu::bf0d0bda-9183-4582-adf7-f689b3db65a1" providerId="AD" clId="Web-{3EA26627-E490-45AF-A9F6-8F635AECDE3F}" dt="2021-02-20T01:19:54.510" v="4"/>
+          <pc:sldLayoutMkLst>
+            <pc:docMk/>
+            <pc:sldMasterMk cId="3940136052" sldId="2147483714"/>
+            <pc:sldLayoutMk cId="4263397855" sldId="2147483723"/>
+          </pc:sldLayoutMkLst>
+        </pc:sldLayoutChg>
+        <pc:sldLayoutChg chg="add del mod replId">
+          <pc:chgData name="Taylor, Tahlla T" userId="S::ttt200001@utdallas.edu::bf0d0bda-9183-4582-adf7-f689b3db65a1" providerId="AD" clId="Web-{3EA26627-E490-45AF-A9F6-8F635AECDE3F}" dt="2021-02-20T01:19:54.510" v="4"/>
+          <pc:sldLayoutMkLst>
+            <pc:docMk/>
+            <pc:sldMasterMk cId="3940136052" sldId="2147483714"/>
+            <pc:sldLayoutMk cId="1911287520" sldId="2147483724"/>
+          </pc:sldLayoutMkLst>
+        </pc:sldLayoutChg>
+        <pc:sldLayoutChg chg="add del mod replId">
+          <pc:chgData name="Taylor, Tahlla T" userId="S::ttt200001@utdallas.edu::bf0d0bda-9183-4582-adf7-f689b3db65a1" providerId="AD" clId="Web-{3EA26627-E490-45AF-A9F6-8F635AECDE3F}" dt="2021-02-20T01:19:54.510" v="4"/>
+          <pc:sldLayoutMkLst>
+            <pc:docMk/>
+            <pc:sldMasterMk cId="3940136052" sldId="2147483714"/>
+            <pc:sldLayoutMk cId="1543767732" sldId="2147483725"/>
+          </pc:sldLayoutMkLst>
+        </pc:sldLayoutChg>
+        <pc:sldLayoutChg chg="add del mod replId">
+          <pc:chgData name="Taylor, Tahlla T" userId="S::ttt200001@utdallas.edu::bf0d0bda-9183-4582-adf7-f689b3db65a1" providerId="AD" clId="Web-{3EA26627-E490-45AF-A9F6-8F635AECDE3F}" dt="2021-02-20T01:19:54.510" v="4"/>
+          <pc:sldLayoutMkLst>
+            <pc:docMk/>
+            <pc:sldMasterMk cId="3940136052" sldId="2147483714"/>
+            <pc:sldLayoutMk cId="320273212" sldId="2147483726"/>
+          </pc:sldLayoutMkLst>
+        </pc:sldLayoutChg>
+        <pc:sldLayoutChg chg="add del mod replId">
+          <pc:chgData name="Taylor, Tahlla T" userId="S::ttt200001@utdallas.edu::bf0d0bda-9183-4582-adf7-f689b3db65a1" providerId="AD" clId="Web-{3EA26627-E490-45AF-A9F6-8F635AECDE3F}" dt="2021-02-20T01:19:54.510" v="4"/>
+          <pc:sldLayoutMkLst>
+            <pc:docMk/>
+            <pc:sldMasterMk cId="3940136052" sldId="2147483714"/>
+            <pc:sldLayoutMk cId="2316685629" sldId="2147483727"/>
+          </pc:sldLayoutMkLst>
+        </pc:sldLayoutChg>
+        <pc:sldLayoutChg chg="add del mod replId">
+          <pc:chgData name="Taylor, Tahlla T" userId="S::ttt200001@utdallas.edu::bf0d0bda-9183-4582-adf7-f689b3db65a1" providerId="AD" clId="Web-{3EA26627-E490-45AF-A9F6-8F635AECDE3F}" dt="2021-02-20T01:19:54.510" v="4"/>
+          <pc:sldLayoutMkLst>
+            <pc:docMk/>
+            <pc:sldMasterMk cId="3940136052" sldId="2147483714"/>
+            <pc:sldLayoutMk cId="2098042242" sldId="2147483728"/>
+          </pc:sldLayoutMkLst>
+        </pc:sldLayoutChg>
+        <pc:sldLayoutChg chg="add del mod replId">
+          <pc:chgData name="Taylor, Tahlla T" userId="S::ttt200001@utdallas.edu::bf0d0bda-9183-4582-adf7-f689b3db65a1" providerId="AD" clId="Web-{3EA26627-E490-45AF-A9F6-8F635AECDE3F}" dt="2021-02-20T01:19:54.510" v="4"/>
+          <pc:sldLayoutMkLst>
+            <pc:docMk/>
+            <pc:sldMasterMk cId="3940136052" sldId="2147483714"/>
+            <pc:sldLayoutMk cId="385898743" sldId="2147483729"/>
+          </pc:sldLayoutMkLst>
+        </pc:sldLayoutChg>
+        <pc:sldLayoutChg chg="add del mod replId">
+          <pc:chgData name="Taylor, Tahlla T" userId="S::ttt200001@utdallas.edu::bf0d0bda-9183-4582-adf7-f689b3db65a1" providerId="AD" clId="Web-{3EA26627-E490-45AF-A9F6-8F635AECDE3F}" dt="2021-02-20T01:19:54.510" v="4"/>
+          <pc:sldLayoutMkLst>
+            <pc:docMk/>
+            <pc:sldMasterMk cId="3940136052" sldId="2147483714"/>
+            <pc:sldLayoutMk cId="2348241447" sldId="2147483730"/>
+          </pc:sldLayoutMkLst>
+        </pc:sldLayoutChg>
+      </pc:sldMasterChg>
+      <pc:sldMasterChg chg="add addSldLayout modSldLayout">
+        <pc:chgData name="Taylor, Tahlla T" userId="S::ttt200001@utdallas.edu::bf0d0bda-9183-4582-adf7-f689b3db65a1" providerId="AD" clId="Web-{3EA26627-E490-45AF-A9F6-8F635AECDE3F}" dt="2021-02-20T01:19:54.510" v="4"/>
+        <pc:sldMasterMkLst>
+          <pc:docMk/>
+          <pc:sldMasterMk cId="2673811856" sldId="2147483731"/>
+        </pc:sldMasterMkLst>
+        <pc:sldLayoutChg chg="add mod replId">
+          <pc:chgData name="Taylor, Tahlla T" userId="S::ttt200001@utdallas.edu::bf0d0bda-9183-4582-adf7-f689b3db65a1" providerId="AD" clId="Web-{3EA26627-E490-45AF-A9F6-8F635AECDE3F}" dt="2021-02-20T01:19:54.510" v="4"/>
+          <pc:sldLayoutMkLst>
+            <pc:docMk/>
+            <pc:sldMasterMk cId="2673811856" sldId="2147483731"/>
+            <pc:sldLayoutMk cId="3881714558" sldId="2147483732"/>
+          </pc:sldLayoutMkLst>
+        </pc:sldLayoutChg>
+        <pc:sldLayoutChg chg="add mod replId">
+          <pc:chgData name="Taylor, Tahlla T" userId="S::ttt200001@utdallas.edu::bf0d0bda-9183-4582-adf7-f689b3db65a1" providerId="AD" clId="Web-{3EA26627-E490-45AF-A9F6-8F635AECDE3F}" dt="2021-02-20T01:19:54.510" v="4"/>
+          <pc:sldLayoutMkLst>
+            <pc:docMk/>
+            <pc:sldMasterMk cId="2673811856" sldId="2147483731"/>
+            <pc:sldLayoutMk cId="1168133908" sldId="2147483733"/>
+          </pc:sldLayoutMkLst>
+        </pc:sldLayoutChg>
+        <pc:sldLayoutChg chg="add mod replId">
+          <pc:chgData name="Taylor, Tahlla T" userId="S::ttt200001@utdallas.edu::bf0d0bda-9183-4582-adf7-f689b3db65a1" providerId="AD" clId="Web-{3EA26627-E490-45AF-A9F6-8F635AECDE3F}" dt="2021-02-20T01:19:54.510" v="4"/>
+          <pc:sldLayoutMkLst>
+            <pc:docMk/>
+            <pc:sldMasterMk cId="2673811856" sldId="2147483731"/>
+            <pc:sldLayoutMk cId="2690596538" sldId="2147483734"/>
+          </pc:sldLayoutMkLst>
+        </pc:sldLayoutChg>
+        <pc:sldLayoutChg chg="add mod replId">
+          <pc:chgData name="Taylor, Tahlla T" userId="S::ttt200001@utdallas.edu::bf0d0bda-9183-4582-adf7-f689b3db65a1" providerId="AD" clId="Web-{3EA26627-E490-45AF-A9F6-8F635AECDE3F}" dt="2021-02-20T01:19:54.510" v="4"/>
+          <pc:sldLayoutMkLst>
+            <pc:docMk/>
+            <pc:sldMasterMk cId="2673811856" sldId="2147483731"/>
+            <pc:sldLayoutMk cId="4050195652" sldId="2147483735"/>
+          </pc:sldLayoutMkLst>
+        </pc:sldLayoutChg>
+        <pc:sldLayoutChg chg="add mod replId">
+          <pc:chgData name="Taylor, Tahlla T" userId="S::ttt200001@utdallas.edu::bf0d0bda-9183-4582-adf7-f689b3db65a1" providerId="AD" clId="Web-{3EA26627-E490-45AF-A9F6-8F635AECDE3F}" dt="2021-02-20T01:19:54.510" v="4"/>
+          <pc:sldLayoutMkLst>
+            <pc:docMk/>
+            <pc:sldMasterMk cId="2673811856" sldId="2147483731"/>
+            <pc:sldLayoutMk cId="1792455151" sldId="2147483736"/>
+          </pc:sldLayoutMkLst>
+        </pc:sldLayoutChg>
+        <pc:sldLayoutChg chg="add mod replId">
+          <pc:chgData name="Taylor, Tahlla T" userId="S::ttt200001@utdallas.edu::bf0d0bda-9183-4582-adf7-f689b3db65a1" providerId="AD" clId="Web-{3EA26627-E490-45AF-A9F6-8F635AECDE3F}" dt="2021-02-20T01:19:54.510" v="4"/>
+          <pc:sldLayoutMkLst>
+            <pc:docMk/>
+            <pc:sldMasterMk cId="2673811856" sldId="2147483731"/>
+            <pc:sldLayoutMk cId="73512112" sldId="2147483737"/>
+          </pc:sldLayoutMkLst>
+        </pc:sldLayoutChg>
+        <pc:sldLayoutChg chg="add mod replId">
+          <pc:chgData name="Taylor, Tahlla T" userId="S::ttt200001@utdallas.edu::bf0d0bda-9183-4582-adf7-f689b3db65a1" providerId="AD" clId="Web-{3EA26627-E490-45AF-A9F6-8F635AECDE3F}" dt="2021-02-20T01:19:54.510" v="4"/>
+          <pc:sldLayoutMkLst>
+            <pc:docMk/>
+            <pc:sldMasterMk cId="2673811856" sldId="2147483731"/>
+            <pc:sldLayoutMk cId="4008537112" sldId="2147483738"/>
+          </pc:sldLayoutMkLst>
+        </pc:sldLayoutChg>
+        <pc:sldLayoutChg chg="add mod replId">
+          <pc:chgData name="Taylor, Tahlla T" userId="S::ttt200001@utdallas.edu::bf0d0bda-9183-4582-adf7-f689b3db65a1" providerId="AD" clId="Web-{3EA26627-E490-45AF-A9F6-8F635AECDE3F}" dt="2021-02-20T01:19:54.510" v="4"/>
+          <pc:sldLayoutMkLst>
+            <pc:docMk/>
+            <pc:sldMasterMk cId="2673811856" sldId="2147483731"/>
+            <pc:sldLayoutMk cId="3794048036" sldId="2147483739"/>
+          </pc:sldLayoutMkLst>
+        </pc:sldLayoutChg>
+        <pc:sldLayoutChg chg="add mod replId">
+          <pc:chgData name="Taylor, Tahlla T" userId="S::ttt200001@utdallas.edu::bf0d0bda-9183-4582-adf7-f689b3db65a1" providerId="AD" clId="Web-{3EA26627-E490-45AF-A9F6-8F635AECDE3F}" dt="2021-02-20T01:19:54.510" v="4"/>
+          <pc:sldLayoutMkLst>
+            <pc:docMk/>
+            <pc:sldMasterMk cId="2673811856" sldId="2147483731"/>
+            <pc:sldLayoutMk cId="1564818737" sldId="2147483740"/>
+          </pc:sldLayoutMkLst>
+        </pc:sldLayoutChg>
+        <pc:sldLayoutChg chg="add mod replId">
+          <pc:chgData name="Taylor, Tahlla T" userId="S::ttt200001@utdallas.edu::bf0d0bda-9183-4582-adf7-f689b3db65a1" providerId="AD" clId="Web-{3EA26627-E490-45AF-A9F6-8F635AECDE3F}" dt="2021-02-20T01:19:54.510" v="4"/>
+          <pc:sldLayoutMkLst>
+            <pc:docMk/>
+            <pc:sldMasterMk cId="2673811856" sldId="2147483731"/>
+            <pc:sldLayoutMk cId="1098223119" sldId="2147483741"/>
+          </pc:sldLayoutMkLst>
+        </pc:sldLayoutChg>
+        <pc:sldLayoutChg chg="add mod replId">
+          <pc:chgData name="Taylor, Tahlla T" userId="S::ttt200001@utdallas.edu::bf0d0bda-9183-4582-adf7-f689b3db65a1" providerId="AD" clId="Web-{3EA26627-E490-45AF-A9F6-8F635AECDE3F}" dt="2021-02-20T01:19:54.510" v="4"/>
+          <pc:sldLayoutMkLst>
+            <pc:docMk/>
+            <pc:sldMasterMk cId="2673811856" sldId="2147483731"/>
+            <pc:sldLayoutMk cId="3510047889" sldId="2147483742"/>
+          </pc:sldLayoutMkLst>
+        </pc:sldLayoutChg>
+        <pc:sldLayoutChg chg="add mod replId">
+          <pc:chgData name="Taylor, Tahlla T" userId="S::ttt200001@utdallas.edu::bf0d0bda-9183-4582-adf7-f689b3db65a1" providerId="AD" clId="Web-{3EA26627-E490-45AF-A9F6-8F635AECDE3F}" dt="2021-02-20T01:19:54.510" v="4"/>
+          <pc:sldLayoutMkLst>
+            <pc:docMk/>
+            <pc:sldMasterMk cId="2673811856" sldId="2147483731"/>
+            <pc:sldLayoutMk cId="3928354538" sldId="2147483743"/>
+          </pc:sldLayoutMkLst>
+        </pc:sldLayoutChg>
+        <pc:sldLayoutChg chg="add mod replId">
+          <pc:chgData name="Taylor, Tahlla T" userId="S::ttt200001@utdallas.edu::bf0d0bda-9183-4582-adf7-f689b3db65a1" providerId="AD" clId="Web-{3EA26627-E490-45AF-A9F6-8F635AECDE3F}" dt="2021-02-20T01:19:54.510" v="4"/>
+          <pc:sldLayoutMkLst>
+            <pc:docMk/>
+            <pc:sldMasterMk cId="2673811856" sldId="2147483731"/>
+            <pc:sldLayoutMk cId="149460930" sldId="2147483744"/>
+          </pc:sldLayoutMkLst>
+        </pc:sldLayoutChg>
+        <pc:sldLayoutChg chg="add mod replId">
+          <pc:chgData name="Taylor, Tahlla T" userId="S::ttt200001@utdallas.edu::bf0d0bda-9183-4582-adf7-f689b3db65a1" providerId="AD" clId="Web-{3EA26627-E490-45AF-A9F6-8F635AECDE3F}" dt="2021-02-20T01:19:54.510" v="4"/>
+          <pc:sldLayoutMkLst>
+            <pc:docMk/>
+            <pc:sldMasterMk cId="2673811856" sldId="2147483731"/>
+            <pc:sldLayoutMk cId="3919215500" sldId="2147483745"/>
+          </pc:sldLayoutMkLst>
+        </pc:sldLayoutChg>
+        <pc:sldLayoutChg chg="add mod replId">
+          <pc:chgData name="Taylor, Tahlla T" userId="S::ttt200001@utdallas.edu::bf0d0bda-9183-4582-adf7-f689b3db65a1" providerId="AD" clId="Web-{3EA26627-E490-45AF-A9F6-8F635AECDE3F}" dt="2021-02-20T01:19:54.510" v="4"/>
+          <pc:sldLayoutMkLst>
+            <pc:docMk/>
+            <pc:sldMasterMk cId="2673811856" sldId="2147483731"/>
+            <pc:sldLayoutMk cId="2371174222" sldId="2147483746"/>
+          </pc:sldLayoutMkLst>
+        </pc:sldLayoutChg>
+        <pc:sldLayoutChg chg="add mod replId">
+          <pc:chgData name="Taylor, Tahlla T" userId="S::ttt200001@utdallas.edu::bf0d0bda-9183-4582-adf7-f689b3db65a1" providerId="AD" clId="Web-{3EA26627-E490-45AF-A9F6-8F635AECDE3F}" dt="2021-02-20T01:19:54.510" v="4"/>
+          <pc:sldLayoutMkLst>
+            <pc:docMk/>
+            <pc:sldMasterMk cId="2673811856" sldId="2147483731"/>
+            <pc:sldLayoutMk cId="2225173055" sldId="2147483747"/>
+          </pc:sldLayoutMkLst>
+        </pc:sldLayoutChg>
+        <pc:sldLayoutChg chg="add mod replId">
+          <pc:chgData name="Taylor, Tahlla T" userId="S::ttt200001@utdallas.edu::bf0d0bda-9183-4582-adf7-f689b3db65a1" providerId="AD" clId="Web-{3EA26627-E490-45AF-A9F6-8F635AECDE3F}" dt="2021-02-20T01:19:54.510" v="4"/>
+          <pc:sldLayoutMkLst>
+            <pc:docMk/>
+            <pc:sldMasterMk cId="2673811856" sldId="2147483731"/>
+            <pc:sldLayoutMk cId="1948979738" sldId="2147483748"/>
+          </pc:sldLayoutMkLst>
+        </pc:sldLayoutChg>
+      </pc:sldMasterChg>
+    </pc:docChg>
+  </pc:docChgLst>
+  <pc:docChgLst>
+    <pc:chgData name="Appel, Ryan Baley" userId="S::rba200001@utdallas.edu::75727813-f0dd-40e8-8cb2-c760950265e6" providerId="AD" clId="Web-{9931194F-4F0F-4DF6-8772-02820869DF16}"/>
+    <pc:docChg chg="modSld">
+      <pc:chgData name="Appel, Ryan Baley" userId="S::rba200001@utdallas.edu::75727813-f0dd-40e8-8cb2-c760950265e6" providerId="AD" clId="Web-{9931194F-4F0F-4DF6-8772-02820869DF16}" dt="2021-02-21T07:52:54.391" v="1" actId="20577"/>
+      <pc:docMkLst>
+        <pc:docMk/>
+      </pc:docMkLst>
+      <pc:sldChg chg="modSp">
+        <pc:chgData name="Appel, Ryan Baley" userId="S::rba200001@utdallas.edu::75727813-f0dd-40e8-8cb2-c760950265e6" providerId="AD" clId="Web-{9931194F-4F0F-4DF6-8772-02820869DF16}" dt="2021-02-21T07:52:54.391" v="1" actId="20577"/>
+        <pc:sldMkLst>
+          <pc:docMk/>
+          <pc:sldMk cId="2875902730" sldId="273"/>
+        </pc:sldMkLst>
+        <pc:spChg chg="mod">
+          <ac:chgData name="Appel, Ryan Baley" userId="S::rba200001@utdallas.edu::75727813-f0dd-40e8-8cb2-c760950265e6" providerId="AD" clId="Web-{9931194F-4F0F-4DF6-8772-02820869DF16}" dt="2021-02-21T07:52:54.391" v="1" actId="20577"/>
+          <ac:spMkLst>
+            <pc:docMk/>
+            <pc:sldMk cId="2875902730" sldId="273"/>
+            <ac:spMk id="2" creationId="{00000000-0000-0000-0000-000000000000}"/>
+          </ac:spMkLst>
+        </pc:spChg>
+      </pc:sldChg>
+    </pc:docChg>
+  </pc:docChgLst>
+  <pc:docChgLst>
+    <pc:chgData name="Taylor, Tahlla T" userId="S::ttt200001@utdallas.edu::bf0d0bda-9183-4582-adf7-f689b3db65a1" providerId="AD" clId="Web-{3093F6E9-D153-4461-8F45-336BBE6961DF}"/>
+    <pc:docChg chg="modSld addMainMaster delMainMaster">
+      <pc:chgData name="Taylor, Tahlla T" userId="S::ttt200001@utdallas.edu::bf0d0bda-9183-4582-adf7-f689b3db65a1" providerId="AD" clId="Web-{3093F6E9-D153-4461-8F45-336BBE6961DF}" dt="2021-02-20T01:17:55.113" v="2"/>
+      <pc:docMkLst>
+        <pc:docMk/>
+      </pc:docMkLst>
+      <pc:sldChg chg="mod modClrScheme chgLayout">
+        <pc:chgData name="Taylor, Tahlla T" userId="S::ttt200001@utdallas.edu::bf0d0bda-9183-4582-adf7-f689b3db65a1" providerId="AD" clId="Web-{3093F6E9-D153-4461-8F45-336BBE6961DF}" dt="2021-02-20T01:17:55.113" v="2"/>
+        <pc:sldMkLst>
+          <pc:docMk/>
+          <pc:sldMk cId="0" sldId="256"/>
+        </pc:sldMkLst>
+      </pc:sldChg>
+      <pc:sldChg chg="mod modClrScheme chgLayout">
+        <pc:chgData name="Taylor, Tahlla T" userId="S::ttt200001@utdallas.edu::bf0d0bda-9183-4582-adf7-f689b3db65a1" providerId="AD" clId="Web-{3093F6E9-D153-4461-8F45-336BBE6961DF}" dt="2021-02-20T01:17:55.113" v="2"/>
+        <pc:sldMkLst>
+          <pc:docMk/>
+          <pc:sldMk cId="0" sldId="257"/>
+        </pc:sldMkLst>
+      </pc:sldChg>
+      <pc:sldChg chg="mod modClrScheme chgLayout">
+        <pc:chgData name="Taylor, Tahlla T" userId="S::ttt200001@utdallas.edu::bf0d0bda-9183-4582-adf7-f689b3db65a1" providerId="AD" clId="Web-{3093F6E9-D153-4461-8F45-336BBE6961DF}" dt="2021-02-20T01:17:55.113" v="2"/>
+        <pc:sldMkLst>
+          <pc:docMk/>
+          <pc:sldMk cId="0" sldId="258"/>
+        </pc:sldMkLst>
+      </pc:sldChg>
+      <pc:sldChg chg="mod modClrScheme chgLayout">
+        <pc:chgData name="Taylor, Tahlla T" userId="S::ttt200001@utdallas.edu::bf0d0bda-9183-4582-adf7-f689b3db65a1" providerId="AD" clId="Web-{3093F6E9-D153-4461-8F45-336BBE6961DF}" dt="2021-02-20T01:17:55.113" v="2"/>
+        <pc:sldMkLst>
+          <pc:docMk/>
+          <pc:sldMk cId="0" sldId="259"/>
+        </pc:sldMkLst>
+      </pc:sldChg>
+      <pc:sldChg chg="mod modClrScheme chgLayout">
+        <pc:chgData name="Taylor, Tahlla T" userId="S::ttt200001@utdallas.edu::bf0d0bda-9183-4582-adf7-f689b3db65a1" providerId="AD" clId="Web-{3093F6E9-D153-4461-8F45-336BBE6961DF}" dt="2021-02-20T01:17:55.113" v="2"/>
+        <pc:sldMkLst>
+          <pc:docMk/>
+          <pc:sldMk cId="0" sldId="260"/>
+        </pc:sldMkLst>
+      </pc:sldChg>
+      <pc:sldChg chg="mod modClrScheme chgLayout">
+        <pc:chgData name="Taylor, Tahlla T" userId="S::ttt200001@utdallas.edu::bf0d0bda-9183-4582-adf7-f689b3db65a1" providerId="AD" clId="Web-{3093F6E9-D153-4461-8F45-336BBE6961DF}" dt="2021-02-20T01:17:55.113" v="2"/>
+        <pc:sldMkLst>
+          <pc:docMk/>
+          <pc:sldMk cId="0" sldId="261"/>
+        </pc:sldMkLst>
+      </pc:sldChg>
+      <pc:sldChg chg="mod modClrScheme chgLayout">
+        <pc:chgData name="Taylor, Tahlla T" userId="S::ttt200001@utdallas.edu::bf0d0bda-9183-4582-adf7-f689b3db65a1" providerId="AD" clId="Web-{3093F6E9-D153-4461-8F45-336BBE6961DF}" dt="2021-02-20T01:17:55.113" v="2"/>
+        <pc:sldMkLst>
+          <pc:docMk/>
+          <pc:sldMk cId="0" sldId="262"/>
+        </pc:sldMkLst>
+      </pc:sldChg>
+      <pc:sldChg chg="mod modClrScheme chgLayout">
+        <pc:chgData name="Taylor, Tahlla T" userId="S::ttt200001@utdallas.edu::bf0d0bda-9183-4582-adf7-f689b3db65a1" providerId="AD" clId="Web-{3093F6E9-D153-4461-8F45-336BBE6961DF}" dt="2021-02-20T01:17:55.113" v="2"/>
+        <pc:sldMkLst>
+          <pc:docMk/>
+          <pc:sldMk cId="0" sldId="263"/>
+        </pc:sldMkLst>
+      </pc:sldChg>
+      <pc:sldChg chg="mod modClrScheme chgLayout">
+        <pc:chgData name="Taylor, Tahlla T" userId="S::ttt200001@utdallas.edu::bf0d0bda-9183-4582-adf7-f689b3db65a1" providerId="AD" clId="Web-{3093F6E9-D153-4461-8F45-336BBE6961DF}" dt="2021-02-20T01:17:55.113" v="2"/>
+        <pc:sldMkLst>
+          <pc:docMk/>
+          <pc:sldMk cId="0" sldId="265"/>
+        </pc:sldMkLst>
+      </pc:sldChg>
+      <pc:sldChg chg="mod modClrScheme chgLayout">
+        <pc:chgData name="Taylor, Tahlla T" userId="S::ttt200001@utdallas.edu::bf0d0bda-9183-4582-adf7-f689b3db65a1" providerId="AD" clId="Web-{3093F6E9-D153-4461-8F45-336BBE6961DF}" dt="2021-02-20T01:17:55.113" v="2"/>
+        <pc:sldMkLst>
+          <pc:docMk/>
+          <pc:sldMk cId="0" sldId="266"/>
+        </pc:sldMkLst>
+      </pc:sldChg>
+      <pc:sldChg chg="mod modClrScheme chgLayout">
+        <pc:chgData name="Taylor, Tahlla T" userId="S::ttt200001@utdallas.edu::bf0d0bda-9183-4582-adf7-f689b3db65a1" providerId="AD" clId="Web-{3093F6E9-D153-4461-8F45-336BBE6961DF}" dt="2021-02-20T01:17:55.113" v="2"/>
+        <pc:sldMkLst>
+          <pc:docMk/>
+          <pc:sldMk cId="0" sldId="267"/>
+        </pc:sldMkLst>
+      </pc:sldChg>
+      <pc:sldChg chg="mod modClrScheme chgLayout">
+        <pc:chgData name="Taylor, Tahlla T" userId="S::ttt200001@utdallas.edu::bf0d0bda-9183-4582-adf7-f689b3db65a1" providerId="AD" clId="Web-{3093F6E9-D153-4461-8F45-336BBE6961DF}" dt="2021-02-20T01:17:55.113" v="2"/>
+        <pc:sldMkLst>
+          <pc:docMk/>
+          <pc:sldMk cId="0" sldId="268"/>
+        </pc:sldMkLst>
+      </pc:sldChg>
+      <pc:sldChg chg="mod modClrScheme chgLayout">
+        <pc:chgData name="Taylor, Tahlla T" userId="S::ttt200001@utdallas.edu::bf0d0bda-9183-4582-adf7-f689b3db65a1" providerId="AD" clId="Web-{3093F6E9-D153-4461-8F45-336BBE6961DF}" dt="2021-02-20T01:17:55.113" v="2"/>
+        <pc:sldMkLst>
+          <pc:docMk/>
+          <pc:sldMk cId="0" sldId="270"/>
+        </pc:sldMkLst>
+      </pc:sldChg>
+      <pc:sldMasterChg chg="del delSldLayout">
+        <pc:chgData name="Taylor, Tahlla T" userId="S::ttt200001@utdallas.edu::bf0d0bda-9183-4582-adf7-f689b3db65a1" providerId="AD" clId="Web-{3093F6E9-D153-4461-8F45-336BBE6961DF}" dt="2021-02-20T01:15:50.496" v="0"/>
+        <pc:sldMasterMkLst>
+          <pc:docMk/>
+          <pc:sldMasterMk cId="0" sldId="2147483648"/>
+        </pc:sldMasterMkLst>
+        <pc:sldLayoutChg chg="del">
+          <pc:chgData name="Taylor, Tahlla T" userId="S::ttt200001@utdallas.edu::bf0d0bda-9183-4582-adf7-f689b3db65a1" providerId="AD" clId="Web-{3093F6E9-D153-4461-8F45-336BBE6961DF}" dt="2021-02-20T01:15:50.496" v="0"/>
+          <pc:sldLayoutMkLst>
+            <pc:docMk/>
+            <pc:sldMasterMk cId="0" sldId="2147483648"/>
+            <pc:sldLayoutMk cId="0" sldId="2147483649"/>
+          </pc:sldLayoutMkLst>
+        </pc:sldLayoutChg>
+        <pc:sldLayoutChg chg="del">
+          <pc:chgData name="Taylor, Tahlla T" userId="S::ttt200001@utdallas.edu::bf0d0bda-9183-4582-adf7-f689b3db65a1" providerId="AD" clId="Web-{3093F6E9-D153-4461-8F45-336BBE6961DF}" dt="2021-02-20T01:15:50.496" v="0"/>
+          <pc:sldLayoutMkLst>
+            <pc:docMk/>
+            <pc:sldMasterMk cId="0" sldId="2147483648"/>
+            <pc:sldLayoutMk cId="0" sldId="2147483650"/>
+          </pc:sldLayoutMkLst>
+        </pc:sldLayoutChg>
+        <pc:sldLayoutChg chg="del">
+          <pc:chgData name="Taylor, Tahlla T" userId="S::ttt200001@utdallas.edu::bf0d0bda-9183-4582-adf7-f689b3db65a1" providerId="AD" clId="Web-{3093F6E9-D153-4461-8F45-336BBE6961DF}" dt="2021-02-20T01:15:50.496" v="0"/>
+          <pc:sldLayoutMkLst>
+            <pc:docMk/>
+            <pc:sldMasterMk cId="0" sldId="2147483648"/>
+            <pc:sldLayoutMk cId="0" sldId="2147483651"/>
+          </pc:sldLayoutMkLst>
+        </pc:sldLayoutChg>
+        <pc:sldLayoutChg chg="del">
+          <pc:chgData name="Taylor, Tahlla T" userId="S::ttt200001@utdallas.edu::bf0d0bda-9183-4582-adf7-f689b3db65a1" providerId="AD" clId="Web-{3093F6E9-D153-4461-8F45-336BBE6961DF}" dt="2021-02-20T01:15:50.496" v="0"/>
+          <pc:sldLayoutMkLst>
+            <pc:docMk/>
+            <pc:sldMasterMk cId="0" sldId="2147483648"/>
+            <pc:sldLayoutMk cId="0" sldId="2147483652"/>
+          </pc:sldLayoutMkLst>
+        </pc:sldLayoutChg>
+        <pc:sldLayoutChg chg="del">
+          <pc:chgData name="Taylor, Tahlla T" userId="S::ttt200001@utdallas.edu::bf0d0bda-9183-4582-adf7-f689b3db65a1" providerId="AD" clId="Web-{3093F6E9-D153-4461-8F45-336BBE6961DF}" dt="2021-02-20T01:15:50.496" v="0"/>
+          <pc:sldLayoutMkLst>
+            <pc:docMk/>
+            <pc:sldMasterMk cId="0" sldId="2147483648"/>
+            <pc:sldLayoutMk cId="0" sldId="2147483653"/>
+          </pc:sldLayoutMkLst>
+        </pc:sldLayoutChg>
+        <pc:sldLayoutChg chg="del">
+          <pc:chgData name="Taylor, Tahlla T" userId="S::ttt200001@utdallas.edu::bf0d0bda-9183-4582-adf7-f689b3db65a1" providerId="AD" clId="Web-{3093F6E9-D153-4461-8F45-336BBE6961DF}" dt="2021-02-20T01:15:50.496" v="0"/>
+          <pc:sldLayoutMkLst>
+            <pc:docMk/>
+            <pc:sldMasterMk cId="0" sldId="2147483648"/>
+            <pc:sldLayoutMk cId="0" sldId="2147483654"/>
+          </pc:sldLayoutMkLst>
+        </pc:sldLayoutChg>
+        <pc:sldLayoutChg chg="del">
+          <pc:chgData name="Taylor, Tahlla T" userId="S::ttt200001@utdallas.edu::bf0d0bda-9183-4582-adf7-f689b3db65a1" providerId="AD" clId="Web-{3093F6E9-D153-4461-8F45-336BBE6961DF}" dt="2021-02-20T01:15:50.496" v="0"/>
+          <pc:sldLayoutMkLst>
+            <pc:docMk/>
+            <pc:sldMasterMk cId="0" sldId="2147483648"/>
+            <pc:sldLayoutMk cId="0" sldId="2147483655"/>
+          </pc:sldLayoutMkLst>
+        </pc:sldLayoutChg>
+        <pc:sldLayoutChg chg="del">
+          <pc:chgData name="Taylor, Tahlla T" userId="S::ttt200001@utdallas.edu::bf0d0bda-9183-4582-adf7-f689b3db65a1" providerId="AD" clId="Web-{3093F6E9-D153-4461-8F45-336BBE6961DF}" dt="2021-02-20T01:15:50.496" v="0"/>
+          <pc:sldLayoutMkLst>
+            <pc:docMk/>
+            <pc:sldMasterMk cId="0" sldId="2147483648"/>
+            <pc:sldLayoutMk cId="0" sldId="2147483656"/>
+          </pc:sldLayoutMkLst>
+        </pc:sldLayoutChg>
+        <pc:sldLayoutChg chg="del">
+          <pc:chgData name="Taylor, Tahlla T" userId="S::ttt200001@utdallas.edu::bf0d0bda-9183-4582-adf7-f689b3db65a1" providerId="AD" clId="Web-{3093F6E9-D153-4461-8F45-336BBE6961DF}" dt="2021-02-20T01:15:50.496" v="0"/>
+          <pc:sldLayoutMkLst>
+            <pc:docMk/>
+            <pc:sldMasterMk cId="0" sldId="2147483648"/>
+            <pc:sldLayoutMk cId="0" sldId="2147483657"/>
+          </pc:sldLayoutMkLst>
+        </pc:sldLayoutChg>
+        <pc:sldLayoutChg chg="del">
+          <pc:chgData name="Taylor, Tahlla T" userId="S::ttt200001@utdallas.edu::bf0d0bda-9183-4582-adf7-f689b3db65a1" providerId="AD" clId="Web-{3093F6E9-D153-4461-8F45-336BBE6961DF}" dt="2021-02-20T01:15:50.496" v="0"/>
+          <pc:sldLayoutMkLst>
+            <pc:docMk/>
+            <pc:sldMasterMk cId="0" sldId="2147483648"/>
+            <pc:sldLayoutMk cId="0" sldId="2147483658"/>
+          </pc:sldLayoutMkLst>
+        </pc:sldLayoutChg>
+        <pc:sldLayoutChg chg="del">
+          <pc:chgData name="Taylor, Tahlla T" userId="S::ttt200001@utdallas.edu::bf0d0bda-9183-4582-adf7-f689b3db65a1" providerId="AD" clId="Web-{3093F6E9-D153-4461-8F45-336BBE6961DF}" dt="2021-02-20T01:15:50.496" v="0"/>
+          <pc:sldLayoutMkLst>
+            <pc:docMk/>
+            <pc:sldMasterMk cId="0" sldId="2147483648"/>
+            <pc:sldLayoutMk cId="0" sldId="2147483659"/>
+          </pc:sldLayoutMkLst>
+        </pc:sldLayoutChg>
+      </pc:sldMasterChg>
+      <pc:sldMasterChg chg="add del addSldLayout delSldLayout modSldLayout">
+        <pc:chgData name="Taylor, Tahlla T" userId="S::ttt200001@utdallas.edu::bf0d0bda-9183-4582-adf7-f689b3db65a1" providerId="AD" clId="Web-{3093F6E9-D153-4461-8F45-336BBE6961DF}" dt="2021-02-20T01:16:54.063" v="1"/>
+        <pc:sldMasterMkLst>
+          <pc:docMk/>
+          <pc:sldMasterMk cId="2338894919" sldId="2147483660"/>
+        </pc:sldMasterMkLst>
+        <pc:sldLayoutChg chg="add del mod replId">
+          <pc:chgData name="Taylor, Tahlla T" userId="S::ttt200001@utdallas.edu::bf0d0bda-9183-4582-adf7-f689b3db65a1" providerId="AD" clId="Web-{3093F6E9-D153-4461-8F45-336BBE6961DF}" dt="2021-02-20T01:16:54.063" v="1"/>
+          <pc:sldLayoutMkLst>
+            <pc:docMk/>
+            <pc:sldMasterMk cId="2338894919" sldId="2147483660"/>
+            <pc:sldLayoutMk cId="2298779109" sldId="2147483661"/>
+          </pc:sldLayoutMkLst>
+        </pc:sldLayoutChg>
+        <pc:sldLayoutChg chg="add del mod replId">
+          <pc:chgData name="Taylor, Tahlla T" userId="S::ttt200001@utdallas.edu::bf0d0bda-9183-4582-adf7-f689b3db65a1" providerId="AD" clId="Web-{3093F6E9-D153-4461-8F45-336BBE6961DF}" dt="2021-02-20T01:16:54.063" v="1"/>
+          <pc:sldLayoutMkLst>
+            <pc:docMk/>
+            <pc:sldMasterMk cId="2338894919" sldId="2147483660"/>
+            <pc:sldLayoutMk cId="3777460295" sldId="2147483662"/>
+          </pc:sldLayoutMkLst>
+        </pc:sldLayoutChg>
+        <pc:sldLayoutChg chg="add del mod replId">
+          <pc:chgData name="Taylor, Tahlla T" userId="S::ttt200001@utdallas.edu::bf0d0bda-9183-4582-adf7-f689b3db65a1" providerId="AD" clId="Web-{3093F6E9-D153-4461-8F45-336BBE6961DF}" dt="2021-02-20T01:16:54.063" v="1"/>
+          <pc:sldLayoutMkLst>
+            <pc:docMk/>
+            <pc:sldMasterMk cId="2338894919" sldId="2147483660"/>
+            <pc:sldLayoutMk cId="3429476225" sldId="2147483663"/>
+          </pc:sldLayoutMkLst>
+        </pc:sldLayoutChg>
+        <pc:sldLayoutChg chg="add del mod replId">
+          <pc:chgData name="Taylor, Tahlla T" userId="S::ttt200001@utdallas.edu::bf0d0bda-9183-4582-adf7-f689b3db65a1" providerId="AD" clId="Web-{3093F6E9-D153-4461-8F45-336BBE6961DF}" dt="2021-02-20T01:16:54.063" v="1"/>
+          <pc:sldLayoutMkLst>
+            <pc:docMk/>
+            <pc:sldMasterMk cId="2338894919" sldId="2147483660"/>
+            <pc:sldLayoutMk cId="1563474426" sldId="2147483664"/>
+          </pc:sldLayoutMkLst>
+        </pc:sldLayoutChg>
+        <pc:sldLayoutChg chg="add del mod replId">
+          <pc:chgData name="Taylor, Tahlla T" userId="S::ttt200001@utdallas.edu::bf0d0bda-9183-4582-adf7-f689b3db65a1" providerId="AD" clId="Web-{3093F6E9-D153-4461-8F45-336BBE6961DF}" dt="2021-02-20T01:16:54.063" v="1"/>
+          <pc:sldLayoutMkLst>
+            <pc:docMk/>
+            <pc:sldMasterMk cId="2338894919" sldId="2147483660"/>
+            <pc:sldLayoutMk cId="1468313761" sldId="2147483665"/>
+          </pc:sldLayoutMkLst>
+        </pc:sldLayoutChg>
+        <pc:sldLayoutChg chg="add del mod replId">
+          <pc:chgData name="Taylor, Tahlla T" userId="S::ttt200001@utdallas.edu::bf0d0bda-9183-4582-adf7-f689b3db65a1" providerId="AD" clId="Web-{3093F6E9-D153-4461-8F45-336BBE6961DF}" dt="2021-02-20T01:16:54.063" v="1"/>
+          <pc:sldLayoutMkLst>
+            <pc:docMk/>
+            <pc:sldMasterMk cId="2338894919" sldId="2147483660"/>
+            <pc:sldLayoutMk cId="3330217845" sldId="2147483666"/>
+          </pc:sldLayoutMkLst>
+        </pc:sldLayoutChg>
+        <pc:sldLayoutChg chg="add del mod replId">
+          <pc:chgData name="Taylor, Tahlla T" userId="S::ttt200001@utdallas.edu::bf0d0bda-9183-4582-adf7-f689b3db65a1" providerId="AD" clId="Web-{3093F6E9-D153-4461-8F45-336BBE6961DF}" dt="2021-02-20T01:16:54.063" v="1"/>
+          <pc:sldLayoutMkLst>
+            <pc:docMk/>
+            <pc:sldMasterMk cId="2338894919" sldId="2147483660"/>
+            <pc:sldLayoutMk cId="843498888" sldId="2147483667"/>
+          </pc:sldLayoutMkLst>
+        </pc:sldLayoutChg>
+        <pc:sldLayoutChg chg="add del mod replId">
+          <pc:chgData name="Taylor, Tahlla T" userId="S::ttt200001@utdallas.edu::bf0d0bda-9183-4582-adf7-f689b3db65a1" providerId="AD" clId="Web-{3093F6E9-D153-4461-8F45-336BBE6961DF}" dt="2021-02-20T01:16:54.063" v="1"/>
+          <pc:sldLayoutMkLst>
+            <pc:docMk/>
+            <pc:sldMasterMk cId="2338894919" sldId="2147483660"/>
+            <pc:sldLayoutMk cId="2864323845" sldId="2147483668"/>
+          </pc:sldLayoutMkLst>
+        </pc:sldLayoutChg>
+        <pc:sldLayoutChg chg="add del mod replId">
+          <pc:chgData name="Taylor, Tahlla T" userId="S::ttt200001@utdallas.edu::bf0d0bda-9183-4582-adf7-f689b3db65a1" providerId="AD" clId="Web-{3093F6E9-D153-4461-8F45-336BBE6961DF}" dt="2021-02-20T01:16:54.063" v="1"/>
+          <pc:sldLayoutMkLst>
+            <pc:docMk/>
+            <pc:sldMasterMk cId="2338894919" sldId="2147483660"/>
+            <pc:sldLayoutMk cId="2975390455" sldId="2147483669"/>
+          </pc:sldLayoutMkLst>
+        </pc:sldLayoutChg>
+        <pc:sldLayoutChg chg="add del mod replId">
+          <pc:chgData name="Taylor, Tahlla T" userId="S::ttt200001@utdallas.edu::bf0d0bda-9183-4582-adf7-f689b3db65a1" providerId="AD" clId="Web-{3093F6E9-D153-4461-8F45-336BBE6961DF}" dt="2021-02-20T01:16:54.063" v="1"/>
+          <pc:sldLayoutMkLst>
+            <pc:docMk/>
+            <pc:sldMasterMk cId="2338894919" sldId="2147483660"/>
+            <pc:sldLayoutMk cId="227735342" sldId="2147483670"/>
+          </pc:sldLayoutMkLst>
+        </pc:sldLayoutChg>
+        <pc:sldLayoutChg chg="add del mod replId">
+          <pc:chgData name="Taylor, Tahlla T" userId="S::ttt200001@utdallas.edu::bf0d0bda-9183-4582-adf7-f689b3db65a1" providerId="AD" clId="Web-{3093F6E9-D153-4461-8F45-336BBE6961DF}" dt="2021-02-20T01:16:54.063" v="1"/>
+          <pc:sldLayoutMkLst>
+            <pc:docMk/>
+            <pc:sldMasterMk cId="2338894919" sldId="2147483660"/>
+            <pc:sldLayoutMk cId="2650976386" sldId="2147483671"/>
+          </pc:sldLayoutMkLst>
+        </pc:sldLayoutChg>
+      </pc:sldMasterChg>
+      <pc:sldMasterChg chg="add del addSldLayout delSldLayout modSldLayout">
+        <pc:chgData name="Taylor, Tahlla T" userId="S::ttt200001@utdallas.edu::bf0d0bda-9183-4582-adf7-f689b3db65a1" providerId="AD" clId="Web-{3093F6E9-D153-4461-8F45-336BBE6961DF}" dt="2021-02-20T01:17:55.113" v="2"/>
+        <pc:sldMasterMkLst>
+          <pc:docMk/>
+          <pc:sldMasterMk cId="1431736676" sldId="2147483672"/>
+        </pc:sldMasterMkLst>
+        <pc:sldLayoutChg chg="add del mod replId">
+          <pc:chgData name="Taylor, Tahlla T" userId="S::ttt200001@utdallas.edu::bf0d0bda-9183-4582-adf7-f689b3db65a1" providerId="AD" clId="Web-{3093F6E9-D153-4461-8F45-336BBE6961DF}" dt="2021-02-20T01:17:55.113" v="2"/>
+          <pc:sldLayoutMkLst>
+            <pc:docMk/>
+            <pc:sldMasterMk cId="1431736676" sldId="2147483672"/>
+            <pc:sldLayoutMk cId="3649638882" sldId="2147483673"/>
+          </pc:sldLayoutMkLst>
+        </pc:sldLayoutChg>
+        <pc:sldLayoutChg chg="add del mod replId">
+          <pc:chgData name="Taylor, Tahlla T" userId="S::ttt200001@utdallas.edu::bf0d0bda-9183-4582-adf7-f689b3db65a1" providerId="AD" clId="Web-{3093F6E9-D153-4461-8F45-336BBE6961DF}" dt="2021-02-20T01:17:55.113" v="2"/>
+          <pc:sldLayoutMkLst>
+            <pc:docMk/>
+            <pc:sldMasterMk cId="1431736676" sldId="2147483672"/>
+            <pc:sldLayoutMk cId="893681728" sldId="2147483674"/>
+          </pc:sldLayoutMkLst>
+        </pc:sldLayoutChg>
+        <pc:sldLayoutChg chg="add del mod replId">
+          <pc:chgData name="Taylor, Tahlla T" userId="S::ttt200001@utdallas.edu::bf0d0bda-9183-4582-adf7-f689b3db65a1" providerId="AD" clId="Web-{3093F6E9-D153-4461-8F45-336BBE6961DF}" dt="2021-02-20T01:17:55.113" v="2"/>
+          <pc:sldLayoutMkLst>
+            <pc:docMk/>
+            <pc:sldMasterMk cId="1431736676" sldId="2147483672"/>
+            <pc:sldLayoutMk cId="1859781186" sldId="2147483675"/>
+          </pc:sldLayoutMkLst>
+        </pc:sldLayoutChg>
+        <pc:sldLayoutChg chg="add del mod replId">
+          <pc:chgData name="Taylor, Tahlla T" userId="S::ttt200001@utdallas.edu::bf0d0bda-9183-4582-adf7-f689b3db65a1" providerId="AD" clId="Web-{3093F6E9-D153-4461-8F45-336BBE6961DF}" dt="2021-02-20T01:17:55.113" v="2"/>
+          <pc:sldLayoutMkLst>
+            <pc:docMk/>
+            <pc:sldMasterMk cId="1431736676" sldId="2147483672"/>
+            <pc:sldLayoutMk cId="1570927591" sldId="2147483676"/>
+          </pc:sldLayoutMkLst>
+        </pc:sldLayoutChg>
+        <pc:sldLayoutChg chg="add del mod replId">
+          <pc:chgData name="Taylor, Tahlla T" userId="S::ttt200001@utdallas.edu::bf0d0bda-9183-4582-adf7-f689b3db65a1" providerId="AD" clId="Web-{3093F6E9-D153-4461-8F45-336BBE6961DF}" dt="2021-02-20T01:17:55.113" v="2"/>
+          <pc:sldLayoutMkLst>
+            <pc:docMk/>
+            <pc:sldMasterMk cId="1431736676" sldId="2147483672"/>
+            <pc:sldLayoutMk cId="1950144343" sldId="2147483677"/>
+          </pc:sldLayoutMkLst>
+        </pc:sldLayoutChg>
+        <pc:sldLayoutChg chg="add del mod replId">
+          <pc:chgData name="Taylor, Tahlla T" userId="S::ttt200001@utdallas.edu::bf0d0bda-9183-4582-adf7-f689b3db65a1" providerId="AD" clId="Web-{3093F6E9-D153-4461-8F45-336BBE6961DF}" dt="2021-02-20T01:17:55.113" v="2"/>
+          <pc:sldLayoutMkLst>
+            <pc:docMk/>
+            <pc:sldMasterMk cId="1431736676" sldId="2147483672"/>
+            <pc:sldLayoutMk cId="1604773711" sldId="2147483678"/>
+          </pc:sldLayoutMkLst>
+        </pc:sldLayoutChg>
+        <pc:sldLayoutChg chg="add del mod replId">
+          <pc:chgData name="Taylor, Tahlla T" userId="S::ttt200001@utdallas.edu::bf0d0bda-9183-4582-adf7-f689b3db65a1" providerId="AD" clId="Web-{3093F6E9-D153-4461-8F45-336BBE6961DF}" dt="2021-02-20T01:17:55.113" v="2"/>
+          <pc:sldLayoutMkLst>
+            <pc:docMk/>
+            <pc:sldMasterMk cId="1431736676" sldId="2147483672"/>
+            <pc:sldLayoutMk cId="4117879989" sldId="2147483679"/>
+          </pc:sldLayoutMkLst>
+        </pc:sldLayoutChg>
+        <pc:sldLayoutChg chg="add del mod replId">
+          <pc:chgData name="Taylor, Tahlla T" userId="S::ttt200001@utdallas.edu::bf0d0bda-9183-4582-adf7-f689b3db65a1" providerId="AD" clId="Web-{3093F6E9-D153-4461-8F45-336BBE6961DF}" dt="2021-02-20T01:17:55.113" v="2"/>
+          <pc:sldLayoutMkLst>
+            <pc:docMk/>
+            <pc:sldMasterMk cId="1431736676" sldId="2147483672"/>
+            <pc:sldLayoutMk cId="289327158" sldId="2147483680"/>
+          </pc:sldLayoutMkLst>
+        </pc:sldLayoutChg>
+        <pc:sldLayoutChg chg="add del mod replId">
+          <pc:chgData name="Taylor, Tahlla T" userId="S::ttt200001@utdallas.edu::bf0d0bda-9183-4582-adf7-f689b3db65a1" providerId="AD" clId="Web-{3093F6E9-D153-4461-8F45-336BBE6961DF}" dt="2021-02-20T01:17:55.113" v="2"/>
+          <pc:sldLayoutMkLst>
+            <pc:docMk/>
+            <pc:sldMasterMk cId="1431736676" sldId="2147483672"/>
+            <pc:sldLayoutMk cId="960753713" sldId="2147483681"/>
+          </pc:sldLayoutMkLst>
+        </pc:sldLayoutChg>
+        <pc:sldLayoutChg chg="add del mod replId">
+          <pc:chgData name="Taylor, Tahlla T" userId="S::ttt200001@utdallas.edu::bf0d0bda-9183-4582-adf7-f689b3db65a1" providerId="AD" clId="Web-{3093F6E9-D153-4461-8F45-336BBE6961DF}" dt="2021-02-20T01:17:55.113" v="2"/>
+          <pc:sldLayoutMkLst>
+            <pc:docMk/>
+            <pc:sldMasterMk cId="1431736676" sldId="2147483672"/>
+            <pc:sldLayoutMk cId="876723598" sldId="2147483682"/>
+          </pc:sldLayoutMkLst>
+        </pc:sldLayoutChg>
+        <pc:sldLayoutChg chg="add del mod replId">
+          <pc:chgData name="Taylor, Tahlla T" userId="S::ttt200001@utdallas.edu::bf0d0bda-9183-4582-adf7-f689b3db65a1" providerId="AD" clId="Web-{3093F6E9-D153-4461-8F45-336BBE6961DF}" dt="2021-02-20T01:17:55.113" v="2"/>
+          <pc:sldLayoutMkLst>
+            <pc:docMk/>
+            <pc:sldMasterMk cId="1431736676" sldId="2147483672"/>
+            <pc:sldLayoutMk cId="1481341593" sldId="2147483683"/>
+          </pc:sldLayoutMkLst>
+        </pc:sldLayoutChg>
+      </pc:sldMasterChg>
+      <pc:sldMasterChg chg="add addSldLayout modSldLayout">
+        <pc:chgData name="Taylor, Tahlla T" userId="S::ttt200001@utdallas.edu::bf0d0bda-9183-4582-adf7-f689b3db65a1" providerId="AD" clId="Web-{3093F6E9-D153-4461-8F45-336BBE6961DF}" dt="2021-02-20T01:17:55.113" v="2"/>
+        <pc:sldMasterMkLst>
+          <pc:docMk/>
+          <pc:sldMasterMk cId="3108035373" sldId="2147483684"/>
+        </pc:sldMasterMkLst>
+        <pc:sldLayoutChg chg="add mod replId">
+          <pc:chgData name="Taylor, Tahlla T" userId="S::ttt200001@utdallas.edu::bf0d0bda-9183-4582-adf7-f689b3db65a1" providerId="AD" clId="Web-{3093F6E9-D153-4461-8F45-336BBE6961DF}" dt="2021-02-20T01:17:55.113" v="2"/>
+          <pc:sldLayoutMkLst>
+            <pc:docMk/>
+            <pc:sldMasterMk cId="3108035373" sldId="2147483684"/>
+            <pc:sldLayoutMk cId="3414460258" sldId="2147483685"/>
+          </pc:sldLayoutMkLst>
+        </pc:sldLayoutChg>
+        <pc:sldLayoutChg chg="add mod replId">
+          <pc:chgData name="Taylor, Tahlla T" userId="S::ttt200001@utdallas.edu::bf0d0bda-9183-4582-adf7-f689b3db65a1" providerId="AD" clId="Web-{3093F6E9-D153-4461-8F45-336BBE6961DF}" dt="2021-02-20T01:17:55.113" v="2"/>
+          <pc:sldLayoutMkLst>
+            <pc:docMk/>
+            <pc:sldMasterMk cId="3108035373" sldId="2147483684"/>
+            <pc:sldLayoutMk cId="749359122" sldId="2147483686"/>
+          </pc:sldLayoutMkLst>
+        </pc:sldLayoutChg>
+        <pc:sldLayoutChg chg="add mod replId">
+          <pc:chgData name="Taylor, Tahlla T" userId="S::ttt200001@utdallas.edu::bf0d0bda-9183-4582-adf7-f689b3db65a1" providerId="AD" clId="Web-{3093F6E9-D153-4461-8F45-336BBE6961DF}" dt="2021-02-20T01:17:55.113" v="2"/>
+          <pc:sldLayoutMkLst>
+            <pc:docMk/>
+            <pc:sldMasterMk cId="3108035373" sldId="2147483684"/>
+            <pc:sldLayoutMk cId="1824542285" sldId="2147483687"/>
+          </pc:sldLayoutMkLst>
+        </pc:sldLayoutChg>
+        <pc:sldLayoutChg chg="add mod replId">
+          <pc:chgData name="Taylor, Tahlla T" userId="S::ttt200001@utdallas.edu::bf0d0bda-9183-4582-adf7-f689b3db65a1" providerId="AD" clId="Web-{3093F6E9-D153-4461-8F45-336BBE6961DF}" dt="2021-02-20T01:17:55.113" v="2"/>
+          <pc:sldLayoutMkLst>
+            <pc:docMk/>
+            <pc:sldMasterMk cId="3108035373" sldId="2147483684"/>
+            <pc:sldLayoutMk cId="3533954229" sldId="2147483688"/>
+          </pc:sldLayoutMkLst>
+        </pc:sldLayoutChg>
+        <pc:sldLayoutChg chg="add mod replId">
+          <pc:chgData name="Taylor, Tahlla T" userId="S::ttt200001@utdallas.edu::bf0d0bda-9183-4582-adf7-f689b3db65a1" providerId="AD" clId="Web-{3093F6E9-D153-4461-8F45-336BBE6961DF}" dt="2021-02-20T01:17:55.113" v="2"/>
+          <pc:sldLayoutMkLst>
+            <pc:docMk/>
+            <pc:sldMasterMk cId="3108035373" sldId="2147483684"/>
+            <pc:sldLayoutMk cId="886553239" sldId="2147483689"/>
+          </pc:sldLayoutMkLst>
+        </pc:sldLayoutChg>
+        <pc:sldLayoutChg chg="add mod replId">
+          <pc:chgData name="Taylor, Tahlla T" userId="S::ttt200001@utdallas.edu::bf0d0bda-9183-4582-adf7-f689b3db65a1" providerId="AD" clId="Web-{3093F6E9-D153-4461-8F45-336BBE6961DF}" dt="2021-02-20T01:17:55.113" v="2"/>
+          <pc:sldLayoutMkLst>
+            <pc:docMk/>
+            <pc:sldMasterMk cId="3108035373" sldId="2147483684"/>
+            <pc:sldLayoutMk cId="479090166" sldId="2147483690"/>
+          </pc:sldLayoutMkLst>
+        </pc:sldLayoutChg>
+        <pc:sldLayoutChg chg="add mod replId">
+          <pc:chgData name="Taylor, Tahlla T" userId="S::ttt200001@utdallas.edu::bf0d0bda-9183-4582-adf7-f689b3db65a1" providerId="AD" clId="Web-{3093F6E9-D153-4461-8F45-336BBE6961DF}" dt="2021-02-20T01:17:55.113" v="2"/>
+          <pc:sldLayoutMkLst>
+            <pc:docMk/>
+            <pc:sldMasterMk cId="3108035373" sldId="2147483684"/>
+            <pc:sldLayoutMk cId="2098733786" sldId="2147483691"/>
+          </pc:sldLayoutMkLst>
+        </pc:sldLayoutChg>
+        <pc:sldLayoutChg chg="add mod replId">
+          <pc:chgData name="Taylor, Tahlla T" userId="S::ttt200001@utdallas.edu::bf0d0bda-9183-4582-adf7-f689b3db65a1" providerId="AD" clId="Web-{3093F6E9-D153-4461-8F45-336BBE6961DF}" dt="2021-02-20T01:17:55.113" v="2"/>
+          <pc:sldLayoutMkLst>
+            <pc:docMk/>
+            <pc:sldMasterMk cId="3108035373" sldId="2147483684"/>
+            <pc:sldLayoutMk cId="3838636754" sldId="2147483692"/>
+          </pc:sldLayoutMkLst>
+        </pc:sldLayoutChg>
+        <pc:sldLayoutChg chg="add mod replId">
+          <pc:chgData name="Taylor, Tahlla T" userId="S::ttt200001@utdallas.edu::bf0d0bda-9183-4582-adf7-f689b3db65a1" providerId="AD" clId="Web-{3093F6E9-D153-4461-8F45-336BBE6961DF}" dt="2021-02-20T01:17:55.113" v="2"/>
+          <pc:sldLayoutMkLst>
+            <pc:docMk/>
+            <pc:sldMasterMk cId="3108035373" sldId="2147483684"/>
+            <pc:sldLayoutMk cId="71625686" sldId="2147483693"/>
+          </pc:sldLayoutMkLst>
+        </pc:sldLayoutChg>
+        <pc:sldLayoutChg chg="add mod replId">
+          <pc:chgData name="Taylor, Tahlla T" userId="S::ttt200001@utdallas.edu::bf0d0bda-9183-4582-adf7-f689b3db65a1" providerId="AD" clId="Web-{3093F6E9-D153-4461-8F45-336BBE6961DF}" dt="2021-02-20T01:17:55.113" v="2"/>
+          <pc:sldLayoutMkLst>
+            <pc:docMk/>
+            <pc:sldMasterMk cId="3108035373" sldId="2147483684"/>
+            <pc:sldLayoutMk cId="1660591331" sldId="2147483694"/>
+          </pc:sldLayoutMkLst>
+        </pc:sldLayoutChg>
+        <pc:sldLayoutChg chg="add mod replId">
+          <pc:chgData name="Taylor, Tahlla T" userId="S::ttt200001@utdallas.edu::bf0d0bda-9183-4582-adf7-f689b3db65a1" providerId="AD" clId="Web-{3093F6E9-D153-4461-8F45-336BBE6961DF}" dt="2021-02-20T01:17:55.113" v="2"/>
+          <pc:sldLayoutMkLst>
+            <pc:docMk/>
+            <pc:sldMasterMk cId="3108035373" sldId="2147483684"/>
+            <pc:sldLayoutMk cId="2988508376" sldId="2147483695"/>
+          </pc:sldLayoutMkLst>
+        </pc:sldLayoutChg>
+      </pc:sldMasterChg>
+    </pc:docChg>
+  </pc:docChgLst>
+</pc:chgInfo>
 </file>
 
 <file path=ppt/notesMasters/notesMaster1.xml><?xml version="1.0" encoding="utf-8"?>
@@ -1384,7 +3750,7 @@
           <a:bodyPr/>
           <a:lstStyle/>
           <a:p>
-            <a:endParaRPr lang="en-US" dirty="0"/>
+            <a:endParaRPr lang="en-US"/>
           </a:p>
         </p:txBody>
       </p:sp>
@@ -14440,18 +16806,24 @@
               <a:buChar char="•"/>
             </a:pPr>
             <a:r>
-              <a:rPr lang="en-US" sz="3350" dirty="0">
+              <a:rPr lang="en-US" sz="3350">
                 <a:solidFill>
                   <a:schemeClr val="bg1"/>
                 </a:solidFill>
                 <a:latin typeface="Open Sans Light"/>
                 <a:ea typeface="Open Sans Light"/>
                 <a:cs typeface="Open Sans Light"/>
-                <a:hlinkClick r:id="rId3"/>
+                <a:hlinkClick r:id="rId3">
+                  <a:extLst>
+                    <a:ext uri="{A12FA001-AC4F-418D-AE19-62706E023703}">
+                      <ahyp:hlinkClr xmlns:ahyp="http://schemas.microsoft.com/office/drawing/2018/hyperlinkcolor" val="tx"/>
+                    </a:ext>
+                  </a:extLst>
+                </a:hlinkClick>
               </a:rPr>
               <a:t>https://docs.microsoft.com/en-us/windows/win32/api/winuser/</a:t>
             </a:r>
-            <a:endParaRPr lang="en-US" sz="3350" dirty="0">
+            <a:endParaRPr lang="en-US" sz="3350">
               <a:solidFill>
                 <a:schemeClr val="bg1"/>
               </a:solidFill>
@@ -14469,16 +16841,22 @@
               <a:buChar char="•"/>
             </a:pPr>
             <a:r>
-              <a:rPr lang="en-US" sz="3350" u="sng" dirty="0">
+              <a:rPr lang="en-US" sz="3350" u="sng">
                 <a:solidFill>
                   <a:schemeClr val="bg1"/>
                 </a:solidFill>
                 <a:latin typeface="Open Sans Light"/>
-                <a:hlinkClick r:id="rId4"/>
+                <a:hlinkClick r:id="rId4">
+                  <a:extLst>
+                    <a:ext uri="{A12FA001-AC4F-418D-AE19-62706E023703}">
+                      <ahyp:hlinkClr xmlns:ahyp="http://schemas.microsoft.com/office/drawing/2018/hyperlinkcolor" val="tx"/>
+                    </a:ext>
+                  </a:extLst>
+                </a:hlinkClick>
               </a:rPr>
               <a:t>https://github.com/vakho10/java-keylogger</a:t>
             </a:r>
-            <a:endParaRPr lang="en-US" sz="3350" u="sng" dirty="0">
+            <a:endParaRPr lang="en-US" sz="3350" u="sng">
               <a:solidFill>
                 <a:schemeClr val="bg1"/>
               </a:solidFill>
@@ -14494,16 +16872,22 @@
               <a:buChar char="•"/>
             </a:pPr>
             <a:r>
-              <a:rPr lang="en-US" sz="3350" u="sng" dirty="0">
+              <a:rPr lang="en-US" sz="3350" u="sng">
                 <a:solidFill>
                   <a:schemeClr val="bg1"/>
                 </a:solidFill>
                 <a:latin typeface="Open Sans Light"/>
-                <a:hlinkClick r:id="rId5"/>
+                <a:hlinkClick r:id="rId5">
+                  <a:extLst>
+                    <a:ext uri="{A12FA001-AC4F-418D-AE19-62706E023703}">
+                      <ahyp:hlinkClr xmlns:ahyp="http://schemas.microsoft.com/office/drawing/2018/hyperlinkcolor" val="tx"/>
+                    </a:ext>
+                  </a:extLst>
+                </a:hlinkClick>
               </a:rPr>
               <a:t>https://github.com/5ynatra/keylogger.rs</a:t>
             </a:r>
-            <a:endParaRPr lang="en-US" sz="3350" u="sng" dirty="0">
+            <a:endParaRPr lang="en-US" sz="3350" u="sng">
               <a:solidFill>
                 <a:schemeClr val="bg1"/>
               </a:solidFill>
@@ -14519,16 +16903,22 @@
               <a:buChar char="•"/>
             </a:pPr>
             <a:r>
-              <a:rPr lang="en-US" sz="3350" u="sng" dirty="0">
+              <a:rPr lang="en-US" sz="3350" u="sng">
                 <a:solidFill>
                   <a:schemeClr val="bg1"/>
                 </a:solidFill>
                 <a:latin typeface="Open Sans Light"/>
-                <a:hlinkClick r:id="rId6"/>
+                <a:hlinkClick r:id="rId6">
+                  <a:extLst>
+                    <a:ext uri="{A12FA001-AC4F-418D-AE19-62706E023703}">
+                      <ahyp:hlinkClr xmlns:ahyp="http://schemas.microsoft.com/office/drawing/2018/hyperlinkcolor" val="tx"/>
+                    </a:ext>
+                  </a:extLst>
+                </a:hlinkClick>
               </a:rPr>
               <a:t>https://github.com/gsingh93/keylogger</a:t>
             </a:r>
-            <a:endParaRPr lang="en-US" sz="3350" u="sng" dirty="0">
+            <a:endParaRPr lang="en-US" sz="3350" u="sng">
               <a:solidFill>
                 <a:schemeClr val="bg1"/>
               </a:solidFill>
@@ -14544,16 +16934,22 @@
               <a:buChar char="•"/>
             </a:pPr>
             <a:r>
-              <a:rPr lang="en-US" sz="3600" u="sng" dirty="0">
+              <a:rPr lang="en-US" sz="3600" u="sng">
                 <a:solidFill>
                   <a:schemeClr val="bg1"/>
                 </a:solidFill>
                 <a:latin typeface="Open Sans Light"/>
-                <a:hlinkClick r:id="rId7"/>
+                <a:hlinkClick r:id="rId7">
+                  <a:extLst>
+                    <a:ext uri="{A12FA001-AC4F-418D-AE19-62706E023703}">
+                      <ahyp:hlinkClr xmlns:ahyp="http://schemas.microsoft.com/office/drawing/2018/hyperlinkcolor" val="tx"/>
+                    </a:ext>
+                  </a:extLst>
+                </a:hlinkClick>
               </a:rPr>
               <a:t>https://docs.microsoft.com/en-us/windows/win32/inputdev/virtual-key-codes</a:t>
             </a:r>
-            <a:endParaRPr lang="en-US" sz="3600" u="sng" dirty="0">
+            <a:endParaRPr lang="en-US" sz="3600" u="sng">
               <a:solidFill>
                 <a:schemeClr val="bg1"/>
               </a:solidFill>
@@ -14569,16 +16965,22 @@
               <a:buChar char="•"/>
             </a:pPr>
             <a:r>
-              <a:rPr lang="en-US" sz="3600" u="sng" dirty="0">
+              <a:rPr lang="en-US" sz="3600" u="sng">
                 <a:solidFill>
                   <a:schemeClr val="bg1"/>
                 </a:solidFill>
                 <a:latin typeface="Open Sans Light"/>
-                <a:hlinkClick r:id="rId8"/>
+                <a:hlinkClick r:id="rId8">
+                  <a:extLst>
+                    <a:ext uri="{A12FA001-AC4F-418D-AE19-62706E023703}">
+                      <ahyp:hlinkClr xmlns:ahyp="http://schemas.microsoft.com/office/drawing/2018/hyperlinkcolor" val="tx"/>
+                    </a:ext>
+                  </a:extLst>
+                </a:hlinkClick>
               </a:rPr>
               <a:t>https://github.com/torvalds/linux/blob/master/include/uapi/linux/input-event-codes.h</a:t>
             </a:r>
-            <a:endParaRPr lang="en-US" sz="3600" u="sng" dirty="0">
+            <a:endParaRPr lang="en-US" sz="3600" u="sng">
               <a:solidFill>
                 <a:schemeClr val="bg1"/>
               </a:solidFill>
@@ -14594,16 +16996,22 @@
               <a:buChar char="•"/>
             </a:pPr>
             <a:r>
-              <a:rPr lang="en-US" sz="3600" u="sng" dirty="0">
+              <a:rPr lang="en-US" sz="3600" u="sng">
                 <a:solidFill>
                   <a:schemeClr val="bg1"/>
                 </a:solidFill>
                 <a:latin typeface="Open Sans Light"/>
-                <a:hlinkClick r:id="rId9"/>
+                <a:hlinkClick r:id="rId9">
+                  <a:extLst>
+                    <a:ext uri="{A12FA001-AC4F-418D-AE19-62706E023703}">
+                      <ahyp:hlinkClr xmlns:ahyp="http://schemas.microsoft.com/office/drawing/2018/hyperlinkcolor" val="tx"/>
+                    </a:ext>
+                  </a:extLst>
+                </a:hlinkClick>
               </a:rPr>
               <a:t>https://github.com/phracker/MacOSX-SDKs/blob/master/MacOSX10.6.sdk/System/Library/Frameworks/Carbon.framework/Versions/A/Frameworks/HIToolbox.framework/Versions/A/Headers/Events.h</a:t>
             </a:r>
-            <a:endParaRPr lang="en-US" sz="3600" dirty="0">
+            <a:endParaRPr lang="en-US" sz="3600">
               <a:solidFill>
                 <a:schemeClr val="bg1"/>
               </a:solidFill>
@@ -14619,22 +17027,23 @@
               <a:buChar char="•"/>
             </a:pPr>
             <a:r>
-              <a:rPr lang="en-US" sz="3350" u="sng" dirty="0">
+              <a:rPr lang="en-US" sz="3350" u="sng">
                 <a:solidFill>
                   <a:schemeClr val="bg1"/>
                 </a:solidFill>
                 <a:latin typeface="Open Sans Light"/>
                 <a:hlinkClick r:id="rId10"/>
               </a:rPr>
-              <a:t>https://github.com/leppanayr/KeyLogger</a:t>
+              <a:t>https://github.com/RappelBerryPi/KeyLogger</a:t>
             </a:r>
-            <a:endParaRPr lang="en-US" sz="3350" dirty="0">
+            <a:endParaRPr lang="en-US" sz="3350">
               <a:solidFill>
                 <a:schemeClr val="bg1"/>
               </a:solidFill>
               <a:latin typeface="Open Sans Light"/>
               <a:ea typeface="Open Sans Light"/>
               <a:cs typeface="Open Sans Light"/>
+              <a:hlinkClick r:id="rId10"/>
             </a:endParaRPr>
           </a:p>
         </p:txBody>
@@ -14666,7 +17075,7 @@
               </a:lnSpc>
             </a:pPr>
             <a:r>
-              <a:rPr lang="en-US" sz="8000" dirty="0">
+              <a:rPr lang="en-US" sz="8000">
                 <a:solidFill>
                   <a:schemeClr val="accent1"/>
                 </a:solidFill>
@@ -17655,7 +20064,7 @@
               <a:buChar char="•"/>
             </a:pPr>
             <a:r>
-              <a:rPr lang="en-US" sz="3550" dirty="0">
+              <a:rPr lang="en-US" sz="3550">
                 <a:solidFill>
                   <a:schemeClr val="accent1"/>
                 </a:solidFill>
@@ -17663,7 +20072,7 @@
               </a:rPr>
               <a:t>Work: Bank of America</a:t>
             </a:r>
-            <a:endParaRPr lang="en-US" sz="3550" dirty="0">
+            <a:endParaRPr lang="en-US" sz="3550">
               <a:solidFill>
                 <a:schemeClr val="accent1"/>
               </a:solidFill>
@@ -17681,7 +20090,7 @@
               <a:buChar char="•"/>
             </a:pPr>
             <a:r>
-              <a:rPr lang="en-US" sz="3550" dirty="0">
+              <a:rPr lang="en-US" sz="3550">
                 <a:solidFill>
                   <a:schemeClr val="accent1"/>
                 </a:solidFill>
@@ -17689,7 +20098,7 @@
               </a:rPr>
               <a:t>School: Cybersecurity, Technology, and Policy M.S. degree at UTD</a:t>
             </a:r>
-            <a:endParaRPr lang="en-US" sz="3550" dirty="0">
+            <a:endParaRPr lang="en-US" sz="3550">
               <a:solidFill>
                 <a:schemeClr val="accent1"/>
               </a:solidFill>
@@ -17707,7 +20116,7 @@
               <a:buChar char="•"/>
             </a:pPr>
             <a:r>
-              <a:rPr lang="en-US" sz="3150" dirty="0">
+              <a:rPr lang="en-US" sz="3150">
                 <a:solidFill>
                   <a:srgbClr val="FFFFFF"/>
                 </a:solidFill>
@@ -17715,7 +20124,7 @@
               </a:rPr>
               <a:t>Software Engineer –</a:t>
             </a:r>
-            <a:endParaRPr lang="en-US" sz="3150" dirty="0">
+            <a:endParaRPr lang="en-US" sz="3150">
               <a:solidFill>
                 <a:srgbClr val="FFFFFF"/>
               </a:solidFill>
@@ -17733,7 +20142,7 @@
               <a:buChar char="•"/>
             </a:pPr>
             <a:r>
-              <a:rPr lang="en-US" sz="3150" dirty="0">
+              <a:rPr lang="en-US" sz="3150">
                 <a:solidFill>
                   <a:srgbClr val="FFFFFF"/>
                 </a:solidFill>
@@ -17741,7 +20150,7 @@
               </a:rPr>
               <a:t>Mainframe (REXX, Java, C, Assembler)</a:t>
             </a:r>
-            <a:endParaRPr lang="en-US" sz="3150" dirty="0">
+            <a:endParaRPr lang="en-US" sz="3150">
               <a:solidFill>
                 <a:srgbClr val="FFFFFF"/>
               </a:solidFill>
@@ -17759,7 +20168,7 @@
               <a:buChar char="•"/>
             </a:pPr>
             <a:r>
-              <a:rPr lang="en-US" sz="3150" dirty="0">
+              <a:rPr lang="en-US" sz="3150">
                 <a:solidFill>
                   <a:srgbClr val="FFFFFF"/>
                 </a:solidFill>
@@ -17767,7 +20176,7 @@
               </a:rPr>
               <a:t>Windows Web Servers (VB.NET, C#)</a:t>
             </a:r>
-            <a:endParaRPr lang="en-US" sz="3150" dirty="0">
+            <a:endParaRPr lang="en-US" sz="3150">
               <a:solidFill>
                 <a:srgbClr val="FFFFFF"/>
               </a:solidFill>
@@ -17785,7 +20194,7 @@
               <a:buChar char="•"/>
             </a:pPr>
             <a:r>
-              <a:rPr lang="en-US" sz="3150" dirty="0">
+              <a:rPr lang="en-US" sz="3150">
                 <a:solidFill>
                   <a:srgbClr val="FFFFFF"/>
                 </a:solidFill>
@@ -17803,7 +20212,7 @@
               <a:buChar char="•"/>
             </a:pPr>
             <a:r>
-              <a:rPr lang="en-US" sz="3150" dirty="0">
+              <a:rPr lang="en-US" sz="3150">
                 <a:solidFill>
                   <a:srgbClr val="FFFFFF"/>
                 </a:solidFill>
@@ -17811,7 +20220,7 @@
               </a:rPr>
               <a:t>Additional roles</a:t>
             </a:r>
-            <a:endParaRPr lang="en-US" sz="3150" dirty="0">
+            <a:endParaRPr lang="en-US" sz="3150">
               <a:solidFill>
                 <a:srgbClr val="FFFFFF"/>
               </a:solidFill>
@@ -17829,7 +20238,7 @@
               <a:buChar char="•"/>
             </a:pPr>
             <a:r>
-              <a:rPr lang="en-US" sz="3150" dirty="0">
+              <a:rPr lang="en-US" sz="3150">
                 <a:solidFill>
                   <a:srgbClr val="FFFFFF"/>
                 </a:solidFill>
@@ -17837,7 +20246,7 @@
               </a:rPr>
               <a:t>Database design and administration</a:t>
             </a:r>
-            <a:endParaRPr lang="en-US" sz="3150" dirty="0">
+            <a:endParaRPr lang="en-US" sz="3150">
               <a:solidFill>
                 <a:srgbClr val="FFFFFF"/>
               </a:solidFill>
@@ -17855,7 +20264,7 @@
               <a:buChar char="•"/>
             </a:pPr>
             <a:r>
-              <a:rPr lang="en-US" sz="3150" dirty="0">
+              <a:rPr lang="en-US" sz="3150">
                 <a:solidFill>
                   <a:srgbClr val="FFFFFF"/>
                 </a:solidFill>
@@ -17864,7 +20273,7 @@
               <a:t>Integration with other platforms such as AD/</a:t>
             </a:r>
             <a:r>
-              <a:rPr lang="en-US" sz="3150" dirty="0" err="1">
+              <a:rPr lang="en-US" sz="3150" err="1">
                 <a:solidFill>
                   <a:srgbClr val="FFFFFF"/>
                 </a:solidFill>
@@ -17873,7 +20282,7 @@
               <a:t>Ldap</a:t>
             </a:r>
             <a:r>
-              <a:rPr lang="en-US" sz="3150" dirty="0">
+              <a:rPr lang="en-US" sz="3150">
                 <a:solidFill>
                   <a:srgbClr val="FFFFFF"/>
                 </a:solidFill>
@@ -17881,7 +20290,7 @@
               </a:rPr>
               <a:t>, email, etc. </a:t>
             </a:r>
-            <a:endParaRPr lang="en-US" sz="3150" dirty="0">
+            <a:endParaRPr lang="en-US" sz="3150">
               <a:solidFill>
                 <a:srgbClr val="FFFFFF"/>
               </a:solidFill>
@@ -17899,7 +20308,7 @@
               <a:buChar char="•"/>
             </a:pPr>
             <a:r>
-              <a:rPr lang="en-US" sz="3150" dirty="0">
+              <a:rPr lang="en-US" sz="3150">
                 <a:solidFill>
                   <a:srgbClr val="FFFFFF"/>
                 </a:solidFill>
@@ -17907,7 +20316,7 @@
               </a:rPr>
               <a:t>Infrastructure maintenance (SSL certificates, etc.)</a:t>
             </a:r>
-            <a:endParaRPr lang="en-US" sz="3150" dirty="0">
+            <a:endParaRPr lang="en-US" sz="3150">
               <a:solidFill>
                 <a:srgbClr val="FFFFFF"/>
               </a:solidFill>
@@ -17925,7 +20334,7 @@
               <a:buChar char="•"/>
             </a:pPr>
             <a:r>
-              <a:rPr lang="en-US" sz="3150" dirty="0">
+              <a:rPr lang="en-US" sz="3150">
                 <a:solidFill>
                   <a:srgbClr val="FFFFFF"/>
                 </a:solidFill>
@@ -17933,7 +20342,7 @@
               </a:rPr>
               <a:t>Administrative duties</a:t>
             </a:r>
-            <a:endParaRPr lang="en-US" sz="3150" dirty="0">
+            <a:endParaRPr lang="en-US" sz="3150">
               <a:solidFill>
                 <a:srgbClr val="FFFFFF"/>
               </a:solidFill>
@@ -17951,7 +20360,7 @@
               <a:buChar char="•"/>
             </a:pPr>
             <a:r>
-              <a:rPr lang="en-US" sz="3150" dirty="0">
+              <a:rPr lang="en-US" sz="3150">
                 <a:solidFill>
                   <a:srgbClr val="FFFFFF"/>
                 </a:solidFill>
@@ -17959,7 +20368,7 @@
               </a:rPr>
               <a:t>Various others</a:t>
             </a:r>
-            <a:endParaRPr lang="en-US" sz="3150" dirty="0">
+            <a:endParaRPr lang="en-US" sz="3150">
               <a:solidFill>
                 <a:srgbClr val="FFFFFF"/>
               </a:solidFill>
@@ -18995,7 +21404,7 @@
               </a:lnSpc>
             </a:pPr>
             <a:r>
-              <a:rPr lang="en-US" sz="9000" dirty="0">
+              <a:rPr lang="en-US" sz="9000">
                 <a:solidFill>
                   <a:schemeClr val="accent1"/>
                 </a:solidFill>
@@ -19003,7 +21412,7 @@
               </a:rPr>
               <a:t>Keylogger Attack</a:t>
             </a:r>
-            <a:endParaRPr lang="en-US" sz="9000" dirty="0">
+            <a:endParaRPr lang="en-US" sz="9000">
               <a:solidFill>
                 <a:schemeClr val="accent1"/>
               </a:solidFill>
@@ -21152,7 +23561,7 @@
               <a:buChar char="•"/>
             </a:pPr>
             <a:r>
-              <a:rPr lang="en-US" sz="3400" dirty="0">
+              <a:rPr lang="en-US" sz="3400">
                 <a:solidFill>
                   <a:schemeClr val="bg1"/>
                 </a:solidFill>
@@ -21160,7 +23569,7 @@
               </a:rPr>
               <a:t>Examples exist</a:t>
             </a:r>
-            <a:endParaRPr lang="en-US" sz="3400" dirty="0">
+            <a:endParaRPr lang="en-US" sz="3400">
               <a:solidFill>
                 <a:schemeClr val="bg1"/>
               </a:solidFill>
@@ -21178,7 +23587,7 @@
               <a:buChar char="⚬"/>
             </a:pPr>
             <a:r>
-              <a:rPr lang="en-US" sz="3350" dirty="0">
+              <a:rPr lang="en-US" sz="3350">
                 <a:solidFill>
                   <a:schemeClr val="bg1"/>
                 </a:solidFill>
@@ -21187,7 +23596,7 @@
               <a:t>Java -&gt; </a:t>
             </a:r>
             <a:r>
-              <a:rPr lang="en-US" sz="3350" u="sng" dirty="0">
+              <a:rPr lang="en-US" sz="3350" u="sng">
                 <a:solidFill>
                   <a:schemeClr val="bg1"/>
                 </a:solidFill>
@@ -21195,7 +23604,7 @@
               </a:rPr>
               <a:t>https://github.com/vakho10/java-keylogger</a:t>
             </a:r>
-            <a:endParaRPr lang="en-US" sz="3350" u="sng" dirty="0">
+            <a:endParaRPr lang="en-US" sz="3350" u="sng">
               <a:solidFill>
                 <a:schemeClr val="bg1"/>
               </a:solidFill>
@@ -21213,7 +23622,7 @@
               <a:buChar char="￭"/>
             </a:pPr>
             <a:r>
-              <a:rPr lang="en-US" sz="3350" dirty="0">
+              <a:rPr lang="en-US" sz="3350">
                 <a:solidFill>
                   <a:schemeClr val="bg1"/>
                 </a:solidFill>
@@ -21222,7 +23631,7 @@
               <a:t>Uses -&gt; </a:t>
             </a:r>
             <a:r>
-              <a:rPr lang="en-US" sz="3350" u="sng" dirty="0">
+              <a:rPr lang="en-US" sz="3350" u="sng">
                 <a:solidFill>
                   <a:schemeClr val="bg1"/>
                 </a:solidFill>
@@ -21230,7 +23639,7 @@
               </a:rPr>
               <a:t>https://github.com/kwhat/jnativehook</a:t>
             </a:r>
-            <a:endParaRPr lang="en-US" sz="3350" u="sng" dirty="0">
+            <a:endParaRPr lang="en-US" sz="3350" u="sng">
               <a:solidFill>
                 <a:schemeClr val="bg1"/>
               </a:solidFill>
@@ -21248,7 +23657,7 @@
               <a:buChar char="•"/>
             </a:pPr>
             <a:r>
-              <a:rPr lang="en-US" sz="3350" dirty="0">
+              <a:rPr lang="en-US" sz="3350">
                 <a:solidFill>
                   <a:schemeClr val="bg1"/>
                 </a:solidFill>
@@ -21257,7 +23666,7 @@
               <a:t>Relies on -&gt; </a:t>
             </a:r>
             <a:r>
-              <a:rPr lang="en-US" sz="3350" u="sng" dirty="0">
+              <a:rPr lang="en-US" sz="3350" u="sng">
                 <a:solidFill>
                   <a:schemeClr val="bg1"/>
                 </a:solidFill>
@@ -21265,7 +23674,7 @@
               </a:rPr>
               <a:t>https://github.com/kwhat/libuiohook</a:t>
             </a:r>
-            <a:endParaRPr lang="en-US" sz="3350" u="sng" dirty="0">
+            <a:endParaRPr lang="en-US" sz="3350" u="sng">
               <a:solidFill>
                 <a:schemeClr val="bg1"/>
               </a:solidFill>
@@ -21283,7 +23692,7 @@
               <a:buChar char="•"/>
             </a:pPr>
             <a:r>
-              <a:rPr lang="en-US" sz="3350" dirty="0">
+              <a:rPr lang="en-US" sz="3350">
                 <a:solidFill>
                   <a:schemeClr val="bg1"/>
                 </a:solidFill>
@@ -21292,7 +23701,7 @@
               <a:t>This is a written in the language.... </a:t>
             </a:r>
             <a:r>
-              <a:rPr lang="en-US" sz="3350" b="1" dirty="0">
+              <a:rPr lang="en-US" sz="3350" b="1">
                 <a:solidFill>
                   <a:schemeClr val="bg1"/>
                 </a:solidFill>
@@ -21301,7 +23710,7 @@
               <a:t>C</a:t>
             </a:r>
             <a:r>
-              <a:rPr lang="en-US" sz="3350" dirty="0">
+              <a:rPr lang="en-US" sz="3350">
                 <a:solidFill>
                   <a:schemeClr val="bg1"/>
                 </a:solidFill>
@@ -21309,7 +23718,7 @@
               </a:rPr>
               <a:t>!</a:t>
             </a:r>
-            <a:endParaRPr lang="en-US" sz="3350" dirty="0">
+            <a:endParaRPr lang="en-US" sz="3350">
               <a:solidFill>
                 <a:schemeClr val="bg1"/>
               </a:solidFill>
@@ -21327,7 +23736,7 @@
               <a:buChar char="⚬"/>
             </a:pPr>
             <a:r>
-              <a:rPr lang="en-US" sz="3350" dirty="0">
+              <a:rPr lang="en-US" sz="3350">
                 <a:solidFill>
                   <a:schemeClr val="bg1"/>
                 </a:solidFill>
@@ -21336,7 +23745,7 @@
               <a:t>Rust (for Windows) -&gt; </a:t>
             </a:r>
             <a:r>
-              <a:rPr lang="en-US" sz="3350" u="sng" dirty="0">
+              <a:rPr lang="en-US" sz="3350" u="sng">
                 <a:solidFill>
                   <a:schemeClr val="bg1"/>
                 </a:solidFill>
@@ -21344,7 +23753,7 @@
               </a:rPr>
               <a:t>https://github.com/5ynatra/keylogger.rs</a:t>
             </a:r>
-            <a:endParaRPr lang="en-US" sz="3350" u="sng" dirty="0">
+            <a:endParaRPr lang="en-US" sz="3350" u="sng">
               <a:solidFill>
                 <a:schemeClr val="bg1"/>
               </a:solidFill>
@@ -21362,7 +23771,7 @@
               <a:buChar char="⚬"/>
             </a:pPr>
             <a:r>
-              <a:rPr lang="en-US" sz="3350" dirty="0">
+              <a:rPr lang="en-US" sz="3350">
                 <a:solidFill>
                   <a:schemeClr val="bg1"/>
                 </a:solidFill>
@@ -21371,7 +23780,7 @@
               <a:t>Rust (for Linux) -&gt; </a:t>
             </a:r>
             <a:r>
-              <a:rPr lang="en-US" sz="3350" u="sng" dirty="0">
+              <a:rPr lang="en-US" sz="3350" u="sng">
                 <a:solidFill>
                   <a:schemeClr val="bg1"/>
                 </a:solidFill>
@@ -21379,7 +23788,7 @@
               </a:rPr>
               <a:t>https://github.com/gsingh93/keylogger</a:t>
             </a:r>
-            <a:endParaRPr lang="en-US" sz="3350" u="sng" dirty="0">
+            <a:endParaRPr lang="en-US" sz="3350" u="sng">
               <a:solidFill>
                 <a:schemeClr val="bg1"/>
               </a:solidFill>
@@ -21397,7 +23806,7 @@
               <a:buChar char="•"/>
             </a:pPr>
             <a:r>
-              <a:rPr lang="en-US" sz="3350" dirty="0">
+              <a:rPr lang="en-US" sz="3350">
                 <a:solidFill>
                   <a:schemeClr val="bg1"/>
                 </a:solidFill>
@@ -21405,7 +23814,7 @@
               </a:rPr>
               <a:t>Points:</a:t>
             </a:r>
-            <a:endParaRPr lang="en-US" sz="3350" dirty="0">
+            <a:endParaRPr lang="en-US" sz="3350">
               <a:solidFill>
                 <a:schemeClr val="bg1"/>
               </a:solidFill>
@@ -21423,7 +23832,7 @@
               <a:buChar char="⚬"/>
             </a:pPr>
             <a:r>
-              <a:rPr lang="en-US" sz="3350" dirty="0">
+              <a:rPr lang="en-US" sz="3350">
                 <a:solidFill>
                   <a:schemeClr val="bg1"/>
                 </a:solidFill>
@@ -21431,7 +23840,7 @@
               </a:rPr>
               <a:t>Everything leads back to the same input events</a:t>
             </a:r>
-            <a:endParaRPr lang="en-US" sz="3350" dirty="0">
+            <a:endParaRPr lang="en-US" sz="3350">
               <a:solidFill>
                 <a:schemeClr val="bg1"/>
               </a:solidFill>
@@ -21449,7 +23858,7 @@
               <a:buChar char="⚬"/>
             </a:pPr>
             <a:r>
-              <a:rPr lang="en-US" sz="3350" dirty="0">
+              <a:rPr lang="en-US" sz="3350">
                 <a:solidFill>
                   <a:schemeClr val="bg1"/>
                 </a:solidFill>
@@ -21457,7 +23866,7 @@
               </a:rPr>
               <a:t>C and C++ - only "cross platform" languages </a:t>
             </a:r>
-            <a:endParaRPr lang="en-US" sz="3350" dirty="0">
+            <a:endParaRPr lang="en-US" sz="3350">
               <a:solidFill>
                 <a:schemeClr val="bg1"/>
               </a:solidFill>
@@ -21475,7 +23884,7 @@
               <a:buChar char="⚬"/>
             </a:pPr>
             <a:r>
-              <a:rPr lang="en-US" sz="3350" dirty="0">
+              <a:rPr lang="en-US" sz="3350">
                 <a:solidFill>
                   <a:schemeClr val="bg1"/>
                 </a:solidFill>
@@ -21483,7 +23892,7 @@
               </a:rPr>
               <a:t>can use all OS effectively</a:t>
             </a:r>
-            <a:endParaRPr lang="en-US" sz="3350" dirty="0">
+            <a:endParaRPr lang="en-US" sz="3350">
               <a:solidFill>
                 <a:schemeClr val="bg1"/>
               </a:solidFill>
@@ -21501,7 +23910,7 @@
               <a:buChar char="⚬"/>
             </a:pPr>
             <a:r>
-              <a:rPr lang="en-US" sz="3350" dirty="0">
+              <a:rPr lang="en-US" sz="3350">
                 <a:solidFill>
                   <a:schemeClr val="bg1"/>
                 </a:solidFill>
@@ -21510,7 +23919,7 @@
               <a:t>Python with </a:t>
             </a:r>
             <a:r>
-              <a:rPr lang="en-US" sz="3350" dirty="0" err="1">
+              <a:rPr lang="en-US" sz="3350" err="1">
                 <a:solidFill>
                   <a:schemeClr val="bg1"/>
                 </a:solidFill>
@@ -21519,7 +23928,7 @@
               <a:t>pynput</a:t>
             </a:r>
             <a:r>
-              <a:rPr lang="en-US" sz="3350" dirty="0">
+              <a:rPr lang="en-US" sz="3350">
                 <a:solidFill>
                   <a:schemeClr val="bg1"/>
                 </a:solidFill>
@@ -21527,7 +23936,7 @@
               </a:rPr>
               <a:t> </a:t>
             </a:r>
-            <a:endParaRPr lang="en-US" sz="3350" dirty="0">
+            <a:endParaRPr lang="en-US" sz="3350">
               <a:solidFill>
                 <a:schemeClr val="bg1"/>
               </a:solidFill>
@@ -21545,7 +23954,7 @@
               <a:buChar char="￭"/>
             </a:pPr>
             <a:r>
-              <a:rPr lang="en-US" sz="3350" dirty="0">
+              <a:rPr lang="en-US" sz="3350">
                 <a:solidFill>
                   <a:schemeClr val="bg1"/>
                 </a:solidFill>
@@ -21553,7 +23962,7 @@
               </a:rPr>
               <a:t>Great job of being cross platform</a:t>
             </a:r>
-            <a:endParaRPr lang="en-US" sz="3350" dirty="0">
+            <a:endParaRPr lang="en-US" sz="3350">
               <a:solidFill>
                 <a:schemeClr val="bg1"/>
               </a:solidFill>
@@ -21571,7 +23980,7 @@
               <a:buChar char="￭"/>
             </a:pPr>
             <a:r>
-              <a:rPr lang="en-US" sz="3350" dirty="0">
+              <a:rPr lang="en-US" sz="3350">
                 <a:solidFill>
                   <a:schemeClr val="bg1"/>
                 </a:solidFill>
@@ -21580,7 +23989,7 @@
               <a:t>Requires python and </a:t>
             </a:r>
             <a:r>
-              <a:rPr lang="en-US" sz="3350" dirty="0" err="1">
+              <a:rPr lang="en-US" sz="3350" err="1">
                 <a:solidFill>
                   <a:schemeClr val="bg1"/>
                 </a:solidFill>
@@ -21589,7 +23998,7 @@
               <a:t>pynput</a:t>
             </a:r>
             <a:r>
-              <a:rPr lang="en-US" sz="3350" dirty="0">
+              <a:rPr lang="en-US" sz="3350">
                 <a:solidFill>
                   <a:schemeClr val="bg1"/>
                 </a:solidFill>
@@ -21597,7 +24006,7 @@
               </a:rPr>
               <a:t> be installed on target. </a:t>
             </a:r>
-            <a:endParaRPr lang="en-US" sz="3350" dirty="0">
+            <a:endParaRPr lang="en-US" sz="3350">
               <a:solidFill>
                 <a:schemeClr val="bg1"/>
               </a:solidFill>
@@ -23674,7 +26083,7 @@
               <a:buChar char="•"/>
             </a:pPr>
             <a:r>
-              <a:rPr lang="en-US" sz="3400" dirty="0">
+              <a:rPr lang="en-US" sz="3400">
                 <a:solidFill>
                   <a:schemeClr val="bg1"/>
                 </a:solidFill>
@@ -23682,7 +26091,7 @@
               </a:rPr>
               <a:t>Specific kernel Specification</a:t>
             </a:r>
-            <a:endParaRPr lang="en-US" sz="3400" dirty="0">
+            <a:endParaRPr lang="en-US" sz="3400">
               <a:solidFill>
                 <a:schemeClr val="bg1"/>
               </a:solidFill>
@@ -23700,7 +26109,7 @@
               <a:buChar char="•"/>
             </a:pPr>
             <a:r>
-              <a:rPr lang="en-US" sz="3350" dirty="0">
+              <a:rPr lang="en-US" sz="3350">
                 <a:solidFill>
                   <a:schemeClr val="bg1"/>
                 </a:solidFill>
@@ -23708,7 +26117,7 @@
               </a:rPr>
               <a:t>Virtual Key Codes OS specific</a:t>
             </a:r>
-            <a:endParaRPr lang="en-US" sz="3350" dirty="0">
+            <a:endParaRPr lang="en-US" sz="3350">
               <a:solidFill>
                 <a:schemeClr val="bg1"/>
               </a:solidFill>
@@ -23726,7 +26135,7 @@
               <a:buChar char="⚬"/>
             </a:pPr>
             <a:r>
-              <a:rPr lang="en-US" sz="3350" dirty="0">
+              <a:rPr lang="en-US" sz="3350">
                 <a:solidFill>
                   <a:schemeClr val="bg1"/>
                 </a:solidFill>
@@ -23734,7 +26143,7 @@
               </a:rPr>
               <a:t>Virtual Keycode '1':</a:t>
             </a:r>
-            <a:endParaRPr lang="en-US" sz="3350" dirty="0">
+            <a:endParaRPr lang="en-US" sz="3350">
               <a:solidFill>
                 <a:schemeClr val="bg1"/>
               </a:solidFill>
@@ -23752,7 +26161,7 @@
               <a:buChar char="￭"/>
             </a:pPr>
             <a:r>
-              <a:rPr lang="en-US" sz="3350" dirty="0">
+              <a:rPr lang="en-US" sz="3350">
                 <a:solidFill>
                   <a:schemeClr val="bg1"/>
                 </a:solidFill>
@@ -23760,7 +26169,7 @@
               </a:rPr>
               <a:t>on MacOS -&gt; "s"</a:t>
             </a:r>
-            <a:endParaRPr lang="en-US" sz="3350" dirty="0">
+            <a:endParaRPr lang="en-US" sz="3350">
               <a:solidFill>
                 <a:schemeClr val="bg1"/>
               </a:solidFill>
@@ -23778,7 +26187,7 @@
               <a:buChar char="￭"/>
             </a:pPr>
             <a:r>
-              <a:rPr lang="en-US" sz="3350" dirty="0">
+              <a:rPr lang="en-US" sz="3350">
                 <a:solidFill>
                   <a:schemeClr val="bg1"/>
                 </a:solidFill>
@@ -23786,7 +26195,7 @@
               </a:rPr>
               <a:t>on Linux -&gt; "ESC"</a:t>
             </a:r>
-            <a:endParaRPr lang="en-US" sz="3350" dirty="0">
+            <a:endParaRPr lang="en-US" sz="3350">
               <a:solidFill>
                 <a:schemeClr val="bg1"/>
               </a:solidFill>
@@ -23804,7 +26213,7 @@
               <a:buChar char="￭"/>
             </a:pPr>
             <a:r>
-              <a:rPr lang="en-US" sz="3350" dirty="0">
+              <a:rPr lang="en-US" sz="3350">
                 <a:solidFill>
                   <a:schemeClr val="bg1"/>
                 </a:solidFill>
@@ -23812,7 +26221,7 @@
               </a:rPr>
               <a:t>on Windows -&gt; "Left Mouse Button Click"</a:t>
             </a:r>
-            <a:endParaRPr lang="en-US" sz="3350" dirty="0">
+            <a:endParaRPr lang="en-US" sz="3350">
               <a:solidFill>
                 <a:schemeClr val="bg1"/>
               </a:solidFill>
@@ -23830,7 +26239,7 @@
               <a:buChar char="•"/>
             </a:pPr>
             <a:r>
-              <a:rPr lang="en-US" sz="3350" dirty="0">
+              <a:rPr lang="en-US" sz="3350">
                 <a:solidFill>
                   <a:schemeClr val="bg1"/>
                 </a:solidFill>
@@ -23838,7 +26247,7 @@
               </a:rPr>
               <a:t>MacOS and Windows - Events to hook into</a:t>
             </a:r>
-            <a:endParaRPr lang="en-US" sz="3350" dirty="0">
+            <a:endParaRPr lang="en-US" sz="3350">
               <a:solidFill>
                 <a:schemeClr val="bg1"/>
               </a:solidFill>
@@ -23856,7 +26265,7 @@
               <a:buChar char="•"/>
             </a:pPr>
             <a:r>
-              <a:rPr lang="en-US" sz="3350" dirty="0">
+              <a:rPr lang="en-US" sz="3350">
                 <a:solidFill>
                   <a:schemeClr val="bg1"/>
                 </a:solidFill>
@@ -23864,7 +26273,7 @@
               </a:rPr>
               <a:t>Linux - read from keyboard or use "X"</a:t>
             </a:r>
-            <a:endParaRPr lang="en-US" sz="3350" dirty="0">
+            <a:endParaRPr lang="en-US" sz="3350">
               <a:solidFill>
                 <a:schemeClr val="bg1"/>
               </a:solidFill>
@@ -23879,7 +26288,7 @@
                 <a:spcPts val="4759"/>
               </a:lnSpc>
             </a:pPr>
-            <a:endParaRPr lang="en-US" sz="3350" dirty="0">
+            <a:endParaRPr lang="en-US" sz="3350">
               <a:solidFill>
                 <a:schemeClr val="bg1"/>
               </a:solidFill>
@@ -23897,7 +26306,7 @@
               <a:buChar char="•"/>
             </a:pPr>
             <a:r>
-              <a:rPr lang="en-US" sz="2650" dirty="0">
+              <a:rPr lang="en-US" sz="2650">
                 <a:solidFill>
                   <a:schemeClr val="bg1"/>
                 </a:solidFill>
@@ -23906,7 +26315,7 @@
               <a:t>Windows </a:t>
             </a:r>
             <a:r>
-              <a:rPr lang="en-US" sz="2650" dirty="0" err="1">
+              <a:rPr lang="en-US" sz="2650" err="1">
                 <a:solidFill>
                   <a:schemeClr val="bg1"/>
                 </a:solidFill>
@@ -23915,7 +26324,7 @@
               <a:t>VkCodes</a:t>
             </a:r>
             <a:r>
-              <a:rPr lang="en-US" sz="2650" dirty="0">
+              <a:rPr lang="en-US" sz="2650">
                 <a:solidFill>
                   <a:schemeClr val="bg1"/>
                 </a:solidFill>
@@ -23924,7 +26333,7 @@
               <a:t> -&gt; </a:t>
             </a:r>
             <a:r>
-              <a:rPr lang="en-US" sz="2650" u="sng" dirty="0">
+              <a:rPr lang="en-US" sz="2650" u="sng">
                 <a:solidFill>
                   <a:schemeClr val="bg1"/>
                 </a:solidFill>
@@ -23932,7 +26341,7 @@
               </a:rPr>
               <a:t>https://docs.microsoft.com/en-us/windows/win32/inputdev/virtual-key-codes</a:t>
             </a:r>
-            <a:endParaRPr lang="en-US" sz="2650" u="sng" dirty="0">
+            <a:endParaRPr lang="en-US" sz="2650" u="sng">
               <a:solidFill>
                 <a:schemeClr val="bg1"/>
               </a:solidFill>
@@ -23950,7 +26359,7 @@
               <a:buChar char="•"/>
             </a:pPr>
             <a:r>
-              <a:rPr lang="en-US" sz="2650" dirty="0">
+              <a:rPr lang="en-US" sz="2650">
                 <a:solidFill>
                   <a:schemeClr val="bg1"/>
                 </a:solidFill>
@@ -23959,7 +26368,7 @@
               <a:t>Linux </a:t>
             </a:r>
             <a:r>
-              <a:rPr lang="en-US" sz="2650" dirty="0" err="1">
+              <a:rPr lang="en-US" sz="2650" err="1">
                 <a:solidFill>
                   <a:schemeClr val="bg1"/>
                 </a:solidFill>
@@ -23968,7 +26377,7 @@
               <a:t>VkCodes</a:t>
             </a:r>
             <a:r>
-              <a:rPr lang="en-US" sz="2650" dirty="0">
+              <a:rPr lang="en-US" sz="2650">
                 <a:solidFill>
                   <a:schemeClr val="bg1"/>
                 </a:solidFill>
@@ -23977,7 +26386,7 @@
               <a:t> -&gt; </a:t>
             </a:r>
             <a:r>
-              <a:rPr lang="en-US" sz="2650" u="sng" dirty="0">
+              <a:rPr lang="en-US" sz="2650" u="sng">
                 <a:solidFill>
                   <a:schemeClr val="bg1"/>
                 </a:solidFill>
@@ -23985,7 +26394,7 @@
               </a:rPr>
               <a:t>https://github.com/torvalds/linux/blob/master/include/uapi/linux/input-event-codes.h</a:t>
             </a:r>
-            <a:endParaRPr lang="en-US" sz="2650" u="sng" dirty="0">
+            <a:endParaRPr lang="en-US" sz="2650" u="sng">
               <a:solidFill>
                 <a:schemeClr val="bg1"/>
               </a:solidFill>
@@ -24003,7 +26412,7 @@
               <a:buChar char="•"/>
             </a:pPr>
             <a:r>
-              <a:rPr lang="en-US" sz="2650" dirty="0">
+              <a:rPr lang="en-US" sz="2650">
                 <a:solidFill>
                   <a:schemeClr val="bg1"/>
                 </a:solidFill>
@@ -24012,7 +26421,7 @@
               <a:t>MacOS </a:t>
             </a:r>
             <a:r>
-              <a:rPr lang="en-US" sz="2650" dirty="0" err="1">
+              <a:rPr lang="en-US" sz="2650" err="1">
                 <a:solidFill>
                   <a:schemeClr val="bg1"/>
                 </a:solidFill>
@@ -24021,7 +26430,7 @@
               <a:t>VkCodes</a:t>
             </a:r>
             <a:r>
-              <a:rPr lang="en-US" sz="2650" dirty="0">
+              <a:rPr lang="en-US" sz="2650">
                 <a:solidFill>
                   <a:schemeClr val="bg1"/>
                 </a:solidFill>
@@ -24030,7 +26439,7 @@
               <a:t> -&gt; </a:t>
             </a:r>
             <a:r>
-              <a:rPr lang="en-US" sz="2650" u="sng" dirty="0">
+              <a:rPr lang="en-US" sz="2650" u="sng">
                 <a:solidFill>
                   <a:schemeClr val="bg1"/>
                 </a:solidFill>
@@ -24039,7 +26448,7 @@
               <a:t>https://github.com/phracker/MacOSX-SDKs/blob/master/MacOSX10.6.sdk/System/Library/Frameworks/Carbon.framework/Versions/A/Frameworks/HIToolbox.framework/Versions/A/Headers/Events.h</a:t>
             </a:r>
             <a:r>
-              <a:rPr lang="en-US" sz="2650" dirty="0">
+              <a:rPr lang="en-US" sz="2650">
                 <a:solidFill>
                   <a:schemeClr val="bg1"/>
                 </a:solidFill>
@@ -24047,7 +26456,7 @@
               </a:rPr>
               <a:t> (NOT OFFICIAL but can be found on your MAC)</a:t>
             </a:r>
-            <a:endParaRPr lang="en-US" sz="2650" dirty="0">
+            <a:endParaRPr lang="en-US" sz="2650">
               <a:solidFill>
                 <a:schemeClr val="bg1"/>
               </a:solidFill>

--- a/Coding a Keylogger.pptx
+++ b/Coding a Keylogger.pptx
@@ -9,7 +9,7 @@
   </p:notesMasterIdLst>
   <p:sldIdLst>
     <p:sldId id="256" r:id="rId2"/>
-    <p:sldId id="258" r:id="rId3"/>
+    <p:sldId id="275" r:id="rId3"/>
     <p:sldId id="259" r:id="rId4"/>
     <p:sldId id="260" r:id="rId5"/>
     <p:sldId id="261" r:id="rId6"/>
@@ -2626,7 +2626,7 @@
           <a:p>
             <a:fld id="{5604AC08-4986-4C7E-BA45-0D3A5D2A37DC}" type="datetimeFigureOut">
               <a:rPr lang="en-US" smtClean="0"/>
-              <a:t>2/25/2021</a:t>
+              <a:t>2/26/2021</a:t>
             </a:fld>
             <a:endParaRPr lang="en-US"/>
           </a:p>
@@ -4319,7 +4319,7 @@
             <a:fld id="{B61BEF0D-F0BB-DE4B-95CE-6DB70DBA9567}" type="datetimeFigureOut">
               <a:rPr lang="en-US" dirty="0"/>
               <a:pPr/>
-              <a:t>2/25/2021</a:t>
+              <a:t>2/26/2021</a:t>
             </a:fld>
             <a:endParaRPr lang="en-US"/>
           </a:p>
@@ -4612,7 +4612,7 @@
             <a:fld id="{B61BEF0D-F0BB-DE4B-95CE-6DB70DBA9567}" type="datetimeFigureOut">
               <a:rPr lang="en-US" dirty="0"/>
               <a:pPr/>
-              <a:t>2/25/2021</a:t>
+              <a:t>2/26/2021</a:t>
             </a:fld>
             <a:endParaRPr lang="en-US"/>
           </a:p>
@@ -4861,7 +4861,7 @@
             <a:fld id="{B61BEF0D-F0BB-DE4B-95CE-6DB70DBA9567}" type="datetimeFigureOut">
               <a:rPr lang="en-US" dirty="0"/>
               <a:pPr/>
-              <a:t>2/25/2021</a:t>
+              <a:t>2/26/2021</a:t>
             </a:fld>
             <a:endParaRPr lang="en-US"/>
           </a:p>
@@ -5402,7 +5402,7 @@
             <a:fld id="{B61BEF0D-F0BB-DE4B-95CE-6DB70DBA9567}" type="datetimeFigureOut">
               <a:rPr lang="en-US" dirty="0"/>
               <a:pPr/>
-              <a:t>2/25/2021</a:t>
+              <a:t>2/26/2021</a:t>
             </a:fld>
             <a:endParaRPr lang="en-US"/>
           </a:p>
@@ -5651,7 +5651,7 @@
             <a:fld id="{B61BEF0D-F0BB-DE4B-95CE-6DB70DBA9567}" type="datetimeFigureOut">
               <a:rPr lang="en-US" dirty="0"/>
               <a:pPr/>
-              <a:t>2/25/2021</a:t>
+              <a:t>2/26/2021</a:t>
             </a:fld>
             <a:endParaRPr lang="en-US"/>
           </a:p>
@@ -6184,7 +6184,7 @@
             <a:fld id="{B61BEF0D-F0BB-DE4B-95CE-6DB70DBA9567}" type="datetimeFigureOut">
               <a:rPr lang="en-US" dirty="0"/>
               <a:pPr/>
-              <a:t>2/25/2021</a:t>
+              <a:t>2/26/2021</a:t>
             </a:fld>
             <a:endParaRPr lang="en-US"/>
           </a:p>
@@ -6482,7 +6482,7 @@
             <a:fld id="{B61BEF0D-F0BB-DE4B-95CE-6DB70DBA9567}" type="datetimeFigureOut">
               <a:rPr lang="en-US" dirty="0"/>
               <a:pPr/>
-              <a:t>2/25/2021</a:t>
+              <a:t>2/26/2021</a:t>
             </a:fld>
             <a:endParaRPr lang="en-US"/>
           </a:p>
@@ -6656,7 +6656,7 @@
             <a:fld id="{B61BEF0D-F0BB-DE4B-95CE-6DB70DBA9567}" type="datetimeFigureOut">
               <a:rPr lang="en-US" dirty="0"/>
               <a:pPr/>
-              <a:t>2/25/2021</a:t>
+              <a:t>2/26/2021</a:t>
             </a:fld>
             <a:endParaRPr lang="en-US"/>
           </a:p>
@@ -6836,7 +6836,7 @@
             <a:fld id="{B61BEF0D-F0BB-DE4B-95CE-6DB70DBA9567}" type="datetimeFigureOut">
               <a:rPr lang="en-US" dirty="0"/>
               <a:pPr/>
-              <a:t>2/25/2021</a:t>
+              <a:t>2/26/2021</a:t>
             </a:fld>
             <a:endParaRPr lang="en-US"/>
           </a:p>
@@ -7006,7 +7006,7 @@
             <a:fld id="{B61BEF0D-F0BB-DE4B-95CE-6DB70DBA9567}" type="datetimeFigureOut">
               <a:rPr lang="en-US" dirty="0"/>
               <a:pPr/>
-              <a:t>2/25/2021</a:t>
+              <a:t>2/26/2021</a:t>
             </a:fld>
             <a:endParaRPr lang="en-US"/>
           </a:p>
@@ -7258,7 +7258,7 @@
             <a:fld id="{B61BEF0D-F0BB-DE4B-95CE-6DB70DBA9567}" type="datetimeFigureOut">
               <a:rPr lang="en-US" dirty="0"/>
               <a:pPr/>
-              <a:t>2/25/2021</a:t>
+              <a:t>2/26/2021</a:t>
             </a:fld>
             <a:endParaRPr lang="en-US"/>
           </a:p>
@@ -7554,7 +7554,7 @@
             <a:fld id="{B61BEF0D-F0BB-DE4B-95CE-6DB70DBA9567}" type="datetimeFigureOut">
               <a:rPr lang="en-US" dirty="0"/>
               <a:pPr/>
-              <a:t>2/25/2021</a:t>
+              <a:t>2/26/2021</a:t>
             </a:fld>
             <a:endParaRPr lang="en-US"/>
           </a:p>
@@ -7995,7 +7995,7 @@
             <a:fld id="{B61BEF0D-F0BB-DE4B-95CE-6DB70DBA9567}" type="datetimeFigureOut">
               <a:rPr lang="en-US" dirty="0"/>
               <a:pPr/>
-              <a:t>2/25/2021</a:t>
+              <a:t>2/26/2021</a:t>
             </a:fld>
             <a:endParaRPr lang="en-US"/>
           </a:p>
@@ -8114,7 +8114,7 @@
             <a:fld id="{B61BEF0D-F0BB-DE4B-95CE-6DB70DBA9567}" type="datetimeFigureOut">
               <a:rPr lang="en-US" dirty="0"/>
               <a:pPr/>
-              <a:t>2/25/2021</a:t>
+              <a:t>2/26/2021</a:t>
             </a:fld>
             <a:endParaRPr lang="en-US"/>
           </a:p>
@@ -8211,7 +8211,7 @@
             <a:fld id="{B61BEF0D-F0BB-DE4B-95CE-6DB70DBA9567}" type="datetimeFigureOut">
               <a:rPr lang="en-US" dirty="0"/>
               <a:pPr/>
-              <a:t>2/25/2021</a:t>
+              <a:t>2/26/2021</a:t>
             </a:fld>
             <a:endParaRPr lang="en-US"/>
           </a:p>
@@ -8494,7 +8494,7 @@
             <a:fld id="{B61BEF0D-F0BB-DE4B-95CE-6DB70DBA9567}" type="datetimeFigureOut">
               <a:rPr lang="en-US" dirty="0"/>
               <a:pPr/>
-              <a:t>2/25/2021</a:t>
+              <a:t>2/26/2021</a:t>
             </a:fld>
             <a:endParaRPr lang="en-US"/>
           </a:p>
@@ -8782,7 +8782,7 @@
             <a:fld id="{B61BEF0D-F0BB-DE4B-95CE-6DB70DBA9567}" type="datetimeFigureOut">
               <a:rPr lang="en-US" dirty="0"/>
               <a:pPr/>
-              <a:t>2/25/2021</a:t>
+              <a:t>2/26/2021</a:t>
             </a:fld>
             <a:endParaRPr lang="en-US"/>
           </a:p>
@@ -9317,7 +9317,7 @@
             <a:fld id="{B61BEF0D-F0BB-DE4B-95CE-6DB70DBA9567}" type="datetimeFigureOut">
               <a:rPr lang="en-US" dirty="0"/>
               <a:pPr/>
-              <a:t>2/25/2021</a:t>
+              <a:t>2/26/2021</a:t>
             </a:fld>
             <a:endParaRPr lang="en-US"/>
           </a:p>
@@ -15615,6 +15615,16 @@
 <file path=ppt/slides/slide2.xml><?xml version="1.0" encoding="utf-8"?>
 <p:sld xmlns:a="http://schemas.openxmlformats.org/drawingml/2006/main" xmlns:r="http://schemas.openxmlformats.org/officeDocument/2006/relationships" xmlns:p="http://schemas.openxmlformats.org/presentationml/2006/main">
   <p:cSld>
+    <p:bg>
+      <p:bgPr>
+        <a:solidFill>
+          <a:schemeClr val="accent1">
+            <a:lumMod val="50000"/>
+          </a:schemeClr>
+        </a:solidFill>
+        <a:effectLst/>
+      </p:bgPr>
+    </p:bg>
     <p:spTree>
       <p:nvGrpSpPr>
         <p:cNvPr id="1" name=""/>
@@ -15629,6 +15639,611 @@
           <a:chExt cx="0" cy="0"/>
         </a:xfrm>
       </p:grpSpPr>
+      <p:grpSp>
+        <p:nvGrpSpPr>
+          <p:cNvPr id="33" name="Group 32">
+            <a:extLst>
+              <a:ext uri="{FF2B5EF4-FFF2-40B4-BE49-F238E27FC236}">
+                <a16:creationId xmlns:a16="http://schemas.microsoft.com/office/drawing/2014/main" id="{7CD2F605-77BD-4D9C-BC95-97EB75D69D88}"/>
+              </a:ext>
+              <a:ext uri="{C183D7F6-B498-43B3-948B-1728B52AA6E4}">
+                <adec:decorative xmlns:adec="http://schemas.microsoft.com/office/drawing/2017/decorative" val="1"/>
+              </a:ext>
+            </a:extLst>
+          </p:cNvPr>
+          <p:cNvGrpSpPr>
+            <a:grpSpLocks noGrp="1" noUngrp="1" noRot="1" noChangeAspect="1" noMove="1" noResize="1"/>
+          </p:cNvGrpSpPr>
+          <p:nvPr>
+            <p:extLst>
+              <p:ext uri="{386F3935-93C4-4BCD-93E2-E3B085C9AB24}">
+                <p16:designElem xmlns:p16="http://schemas.microsoft.com/office/powerpoint/2015/main" val="1"/>
+              </p:ext>
+            </p:extLst>
+          </p:nvPr>
+        </p:nvGrpSpPr>
+        <p:grpSpPr>
+          <a:xfrm>
+            <a:off x="819151" y="-7144"/>
+            <a:ext cx="7522369" cy="10294145"/>
+            <a:chOff x="2928938" y="-4763"/>
+            <a:chExt cx="5014912" cy="6862763"/>
+          </a:xfrm>
+        </p:grpSpPr>
+        <p:sp>
+          <p:nvSpPr>
+            <p:cNvPr id="34" name="Freeform 6">
+              <a:extLst>
+                <a:ext uri="{FF2B5EF4-FFF2-40B4-BE49-F238E27FC236}">
+                  <a16:creationId xmlns:a16="http://schemas.microsoft.com/office/drawing/2014/main" id="{40259AB5-8B5C-4CD4-AE10-7A177BB73836}"/>
+                </a:ext>
+                <a:ext uri="{C183D7F6-B498-43B3-948B-1728B52AA6E4}">
+                  <adec:decorative xmlns:adec="http://schemas.microsoft.com/office/drawing/2017/decorative" val="1"/>
+                </a:ext>
+              </a:extLst>
+            </p:cNvPr>
+            <p:cNvSpPr/>
+            <p:nvPr>
+              <p:extLst>
+                <p:ext uri="{386F3935-93C4-4BCD-93E2-E3B085C9AB24}">
+                  <p16:designElem xmlns:p16="http://schemas.microsoft.com/office/powerpoint/2015/main" val="1"/>
+                </p:ext>
+              </p:extLst>
+            </p:nvPr>
+          </p:nvSpPr>
+          <p:spPr bwMode="auto">
+            <a:xfrm>
+              <a:off x="3367088" y="-4763"/>
+              <a:ext cx="1063625" cy="2782888"/>
+            </a:xfrm>
+            <a:custGeom>
+              <a:avLst/>
+              <a:gdLst/>
+              <a:ahLst/>
+              <a:cxnLst/>
+              <a:rect l="0" t="0" r="r" b="b"/>
+              <a:pathLst>
+                <a:path w="670" h="1753">
+                  <a:moveTo>
+                    <a:pt x="0" y="1696"/>
+                  </a:moveTo>
+                  <a:lnTo>
+                    <a:pt x="225" y="1753"/>
+                  </a:lnTo>
+                  <a:lnTo>
+                    <a:pt x="670" y="0"/>
+                  </a:lnTo>
+                  <a:lnTo>
+                    <a:pt x="430" y="0"/>
+                  </a:lnTo>
+                  <a:lnTo>
+                    <a:pt x="0" y="1696"/>
+                  </a:lnTo>
+                  <a:close/>
+                </a:path>
+              </a:pathLst>
+            </a:custGeom>
+            <a:solidFill>
+              <a:schemeClr val="accent1"/>
+            </a:solidFill>
+            <a:ln>
+              <a:noFill/>
+            </a:ln>
+          </p:spPr>
+        </p:sp>
+        <p:sp>
+          <p:nvSpPr>
+            <p:cNvPr id="35" name="Freeform 7">
+              <a:extLst>
+                <a:ext uri="{FF2B5EF4-FFF2-40B4-BE49-F238E27FC236}">
+                  <a16:creationId xmlns:a16="http://schemas.microsoft.com/office/drawing/2014/main" id="{DB110D97-363A-40D5-98E8-D367DFCFB235}"/>
+                </a:ext>
+                <a:ext uri="{C183D7F6-B498-43B3-948B-1728B52AA6E4}">
+                  <adec:decorative xmlns:adec="http://schemas.microsoft.com/office/drawing/2017/decorative" val="1"/>
+                </a:ext>
+              </a:extLst>
+            </p:cNvPr>
+            <p:cNvSpPr/>
+            <p:nvPr>
+              <p:extLst>
+                <p:ext uri="{386F3935-93C4-4BCD-93E2-E3B085C9AB24}">
+                  <p16:designElem xmlns:p16="http://schemas.microsoft.com/office/powerpoint/2015/main" val="1"/>
+                </p:ext>
+              </p:extLst>
+            </p:nvPr>
+          </p:nvSpPr>
+          <p:spPr bwMode="auto">
+            <a:xfrm>
+              <a:off x="2928938" y="-4763"/>
+              <a:ext cx="1035050" cy="2673350"/>
+            </a:xfrm>
+            <a:custGeom>
+              <a:avLst/>
+              <a:gdLst/>
+              <a:ahLst/>
+              <a:cxnLst/>
+              <a:rect l="0" t="0" r="r" b="b"/>
+              <a:pathLst>
+                <a:path w="652" h="1684">
+                  <a:moveTo>
+                    <a:pt x="225" y="1684"/>
+                  </a:moveTo>
+                  <a:lnTo>
+                    <a:pt x="652" y="0"/>
+                  </a:lnTo>
+                  <a:lnTo>
+                    <a:pt x="411" y="0"/>
+                  </a:lnTo>
+                  <a:lnTo>
+                    <a:pt x="0" y="1627"/>
+                  </a:lnTo>
+                  <a:lnTo>
+                    <a:pt x="219" y="1681"/>
+                  </a:lnTo>
+                  <a:lnTo>
+                    <a:pt x="225" y="1684"/>
+                  </a:lnTo>
+                  <a:close/>
+                </a:path>
+              </a:pathLst>
+            </a:custGeom>
+            <a:solidFill>
+              <a:schemeClr val="tx1">
+                <a:lumMod val="65000"/>
+                <a:lumOff val="35000"/>
+              </a:schemeClr>
+            </a:solidFill>
+            <a:ln>
+              <a:noFill/>
+            </a:ln>
+          </p:spPr>
+        </p:sp>
+        <p:sp>
+          <p:nvSpPr>
+            <p:cNvPr id="36" name="Freeform 9">
+              <a:extLst>
+                <a:ext uri="{FF2B5EF4-FFF2-40B4-BE49-F238E27FC236}">
+                  <a16:creationId xmlns:a16="http://schemas.microsoft.com/office/drawing/2014/main" id="{30DC9DB4-96D0-47E9-A6E5-1590DED848FE}"/>
+                </a:ext>
+                <a:ext uri="{C183D7F6-B498-43B3-948B-1728B52AA6E4}">
+                  <adec:decorative xmlns:adec="http://schemas.microsoft.com/office/drawing/2017/decorative" val="1"/>
+                </a:ext>
+              </a:extLst>
+            </p:cNvPr>
+            <p:cNvSpPr/>
+            <p:nvPr>
+              <p:extLst>
+                <p:ext uri="{386F3935-93C4-4BCD-93E2-E3B085C9AB24}">
+                  <p16:designElem xmlns:p16="http://schemas.microsoft.com/office/powerpoint/2015/main" val="1"/>
+                </p:ext>
+              </p:extLst>
+            </p:nvPr>
+          </p:nvSpPr>
+          <p:spPr bwMode="auto">
+            <a:xfrm>
+              <a:off x="2928938" y="2582862"/>
+              <a:ext cx="2693987" cy="4275138"/>
+            </a:xfrm>
+            <a:custGeom>
+              <a:avLst/>
+              <a:gdLst/>
+              <a:ahLst/>
+              <a:cxnLst/>
+              <a:rect l="0" t="0" r="r" b="b"/>
+              <a:pathLst>
+                <a:path w="1697" h="2693">
+                  <a:moveTo>
+                    <a:pt x="0" y="0"/>
+                  </a:moveTo>
+                  <a:lnTo>
+                    <a:pt x="1622" y="2693"/>
+                  </a:lnTo>
+                  <a:lnTo>
+                    <a:pt x="1697" y="2693"/>
+                  </a:lnTo>
+                  <a:lnTo>
+                    <a:pt x="0" y="0"/>
+                  </a:lnTo>
+                  <a:close/>
+                </a:path>
+              </a:pathLst>
+            </a:custGeom>
+            <a:solidFill>
+              <a:schemeClr val="tx1">
+                <a:lumMod val="85000"/>
+                <a:lumOff val="15000"/>
+              </a:schemeClr>
+            </a:solidFill>
+            <a:ln>
+              <a:noFill/>
+            </a:ln>
+          </p:spPr>
+        </p:sp>
+        <p:sp>
+          <p:nvSpPr>
+            <p:cNvPr id="37" name="Freeform 10">
+              <a:extLst>
+                <a:ext uri="{FF2B5EF4-FFF2-40B4-BE49-F238E27FC236}">
+                  <a16:creationId xmlns:a16="http://schemas.microsoft.com/office/drawing/2014/main" id="{8CA317D7-424B-4887-BEDF-18EF7915C5C1}"/>
+                </a:ext>
+                <a:ext uri="{C183D7F6-B498-43B3-948B-1728B52AA6E4}">
+                  <adec:decorative xmlns:adec="http://schemas.microsoft.com/office/drawing/2017/decorative" val="1"/>
+                </a:ext>
+              </a:extLst>
+            </p:cNvPr>
+            <p:cNvSpPr/>
+            <p:nvPr>
+              <p:extLst>
+                <p:ext uri="{386F3935-93C4-4BCD-93E2-E3B085C9AB24}">
+                  <p16:designElem xmlns:p16="http://schemas.microsoft.com/office/powerpoint/2015/main" val="1"/>
+                </p:ext>
+              </p:extLst>
+            </p:nvPr>
+          </p:nvSpPr>
+          <p:spPr bwMode="auto">
+            <a:xfrm>
+              <a:off x="3371850" y="2692400"/>
+              <a:ext cx="3332162" cy="4165600"/>
+            </a:xfrm>
+            <a:custGeom>
+              <a:avLst/>
+              <a:gdLst/>
+              <a:ahLst/>
+              <a:cxnLst/>
+              <a:rect l="0" t="0" r="r" b="b"/>
+              <a:pathLst>
+                <a:path w="2099" h="2624">
+                  <a:moveTo>
+                    <a:pt x="2099" y="2624"/>
+                  </a:moveTo>
+                  <a:lnTo>
+                    <a:pt x="0" y="0"/>
+                  </a:lnTo>
+                  <a:lnTo>
+                    <a:pt x="2021" y="2624"/>
+                  </a:lnTo>
+                  <a:lnTo>
+                    <a:pt x="2099" y="2624"/>
+                  </a:lnTo>
+                  <a:close/>
+                </a:path>
+              </a:pathLst>
+            </a:custGeom>
+            <a:solidFill>
+              <a:schemeClr val="accent1">
+                <a:lumMod val="50000"/>
+              </a:schemeClr>
+            </a:solidFill>
+            <a:ln>
+              <a:noFill/>
+            </a:ln>
+          </p:spPr>
+        </p:sp>
+        <p:sp>
+          <p:nvSpPr>
+            <p:cNvPr id="38" name="Freeform 11">
+              <a:extLst>
+                <a:ext uri="{FF2B5EF4-FFF2-40B4-BE49-F238E27FC236}">
+                  <a16:creationId xmlns:a16="http://schemas.microsoft.com/office/drawing/2014/main" id="{ACF40F67-B16B-4E7F-A595-0EF370063DF0}"/>
+                </a:ext>
+                <a:ext uri="{C183D7F6-B498-43B3-948B-1728B52AA6E4}">
+                  <adec:decorative xmlns:adec="http://schemas.microsoft.com/office/drawing/2017/decorative" val="1"/>
+                </a:ext>
+              </a:extLst>
+            </p:cNvPr>
+            <p:cNvSpPr/>
+            <p:nvPr>
+              <p:extLst>
+                <p:ext uri="{386F3935-93C4-4BCD-93E2-E3B085C9AB24}">
+                  <p16:designElem xmlns:p16="http://schemas.microsoft.com/office/powerpoint/2015/main" val="1"/>
+                </p:ext>
+              </p:extLst>
+            </p:nvPr>
+          </p:nvSpPr>
+          <p:spPr bwMode="auto">
+            <a:xfrm>
+              <a:off x="3367088" y="2687637"/>
+              <a:ext cx="4576762" cy="4170363"/>
+            </a:xfrm>
+            <a:custGeom>
+              <a:avLst/>
+              <a:gdLst/>
+              <a:ahLst/>
+              <a:cxnLst/>
+              <a:rect l="0" t="0" r="r" b="b"/>
+              <a:pathLst>
+                <a:path w="2883" h="2627">
+                  <a:moveTo>
+                    <a:pt x="0" y="0"/>
+                  </a:moveTo>
+                  <a:lnTo>
+                    <a:pt x="3" y="3"/>
+                  </a:lnTo>
+                  <a:lnTo>
+                    <a:pt x="2102" y="2627"/>
+                  </a:lnTo>
+                  <a:lnTo>
+                    <a:pt x="2883" y="2627"/>
+                  </a:lnTo>
+                  <a:lnTo>
+                    <a:pt x="225" y="57"/>
+                  </a:lnTo>
+                  <a:lnTo>
+                    <a:pt x="0" y="0"/>
+                  </a:lnTo>
+                  <a:close/>
+                </a:path>
+              </a:pathLst>
+            </a:custGeom>
+            <a:solidFill>
+              <a:schemeClr val="accent1">
+                <a:lumMod val="75000"/>
+              </a:schemeClr>
+            </a:solidFill>
+            <a:ln>
+              <a:noFill/>
+            </a:ln>
+          </p:spPr>
+        </p:sp>
+        <p:sp>
+          <p:nvSpPr>
+            <p:cNvPr id="39" name="Freeform 12">
+              <a:extLst>
+                <a:ext uri="{FF2B5EF4-FFF2-40B4-BE49-F238E27FC236}">
+                  <a16:creationId xmlns:a16="http://schemas.microsoft.com/office/drawing/2014/main" id="{EB2264F1-4BB6-4403-A681-A463AA730397}"/>
+                </a:ext>
+                <a:ext uri="{C183D7F6-B498-43B3-948B-1728B52AA6E4}">
+                  <adec:decorative xmlns:adec="http://schemas.microsoft.com/office/drawing/2017/decorative" val="1"/>
+                </a:ext>
+              </a:extLst>
+            </p:cNvPr>
+            <p:cNvSpPr/>
+            <p:nvPr>
+              <p:extLst>
+                <p:ext uri="{386F3935-93C4-4BCD-93E2-E3B085C9AB24}">
+                  <p16:designElem xmlns:p16="http://schemas.microsoft.com/office/powerpoint/2015/main" val="1"/>
+                </p:ext>
+              </p:extLst>
+            </p:nvPr>
+          </p:nvSpPr>
+          <p:spPr bwMode="auto">
+            <a:xfrm>
+              <a:off x="2928938" y="2578100"/>
+              <a:ext cx="3584575" cy="4279900"/>
+            </a:xfrm>
+            <a:custGeom>
+              <a:avLst/>
+              <a:gdLst/>
+              <a:ahLst/>
+              <a:cxnLst/>
+              <a:rect l="0" t="0" r="r" b="b"/>
+              <a:pathLst>
+                <a:path w="2258" h="2696">
+                  <a:moveTo>
+                    <a:pt x="2258" y="2696"/>
+                  </a:moveTo>
+                  <a:lnTo>
+                    <a:pt x="264" y="111"/>
+                  </a:lnTo>
+                  <a:lnTo>
+                    <a:pt x="228" y="60"/>
+                  </a:lnTo>
+                  <a:lnTo>
+                    <a:pt x="225" y="57"/>
+                  </a:lnTo>
+                  <a:lnTo>
+                    <a:pt x="0" y="0"/>
+                  </a:lnTo>
+                  <a:lnTo>
+                    <a:pt x="0" y="3"/>
+                  </a:lnTo>
+                  <a:lnTo>
+                    <a:pt x="1697" y="2696"/>
+                  </a:lnTo>
+                  <a:lnTo>
+                    <a:pt x="2258" y="2696"/>
+                  </a:lnTo>
+                  <a:close/>
+                </a:path>
+              </a:pathLst>
+            </a:custGeom>
+            <a:solidFill>
+              <a:schemeClr val="tx1">
+                <a:lumMod val="75000"/>
+                <a:lumOff val="25000"/>
+              </a:schemeClr>
+            </a:solidFill>
+            <a:ln>
+              <a:noFill/>
+            </a:ln>
+          </p:spPr>
+        </p:sp>
+      </p:grpSp>
+      <p:sp useBgFill="1">
+        <p:nvSpPr>
+          <p:cNvPr id="41" name="Rectangle 40">
+            <a:extLst>
+              <a:ext uri="{FF2B5EF4-FFF2-40B4-BE49-F238E27FC236}">
+                <a16:creationId xmlns:a16="http://schemas.microsoft.com/office/drawing/2014/main" id="{F9DFC70C-0B30-4D8A-ACCE-E112906E637F}"/>
+              </a:ext>
+              <a:ext uri="{C183D7F6-B498-43B3-948B-1728B52AA6E4}">
+                <adec:decorative xmlns:adec="http://schemas.microsoft.com/office/drawing/2017/decorative" val="1"/>
+              </a:ext>
+            </a:extLst>
+          </p:cNvPr>
+          <p:cNvSpPr>
+            <a:spLocks noGrp="1" noRot="1" noChangeAspect="1" noMove="1" noResize="1" noEditPoints="1" noAdjustHandles="1" noChangeArrowheads="1" noChangeShapeType="1" noTextEdit="1"/>
+          </p:cNvSpPr>
+          <p:nvPr>
+            <p:extLst>
+              <p:ext uri="{386F3935-93C4-4BCD-93E2-E3B085C9AB24}">
+                <p16:designElem xmlns:p16="http://schemas.microsoft.com/office/powerpoint/2015/main" val="1"/>
+              </p:ext>
+            </p:extLst>
+          </p:nvPr>
+        </p:nvSpPr>
+        <p:spPr>
+          <a:xfrm>
+            <a:off x="0" y="0"/>
+            <a:ext cx="18288000" cy="10287000"/>
+          </a:xfrm>
+          <a:prstGeom prst="rect">
+            <a:avLst/>
+          </a:prstGeom>
+          <a:ln>
+            <a:noFill/>
+          </a:ln>
+        </p:spPr>
+        <p:style>
+          <a:lnRef idx="2">
+            <a:schemeClr val="accent1">
+              <a:shade val="50000"/>
+            </a:schemeClr>
+          </a:lnRef>
+          <a:fillRef idx="1">
+            <a:schemeClr val="accent1"/>
+          </a:fillRef>
+          <a:effectRef idx="0">
+            <a:schemeClr val="accent1"/>
+          </a:effectRef>
+          <a:fontRef idx="minor">
+            <a:schemeClr val="lt1"/>
+          </a:fontRef>
+        </p:style>
+        <p:txBody>
+          <a:bodyPr rtlCol="0" anchor="ctr"/>
+          <a:lstStyle/>
+          <a:p>
+            <a:pPr algn="ctr"/>
+            <a:endParaRPr lang="en-US"/>
+          </a:p>
+        </p:txBody>
+      </p:sp>
+      <p:sp>
+        <p:nvSpPr>
+          <p:cNvPr id="43" name="Freeform 8">
+            <a:extLst>
+              <a:ext uri="{FF2B5EF4-FFF2-40B4-BE49-F238E27FC236}">
+                <a16:creationId xmlns:a16="http://schemas.microsoft.com/office/drawing/2014/main" id="{C5078CE6-CE6B-4EB4-BE80-35B2D5EAB72B}"/>
+              </a:ext>
+              <a:ext uri="{C183D7F6-B498-43B3-948B-1728B52AA6E4}">
+                <adec:decorative xmlns:adec="http://schemas.microsoft.com/office/drawing/2017/decorative" val="1"/>
+              </a:ext>
+            </a:extLst>
+          </p:cNvPr>
+          <p:cNvSpPr>
+            <a:spLocks noGrp="1" noRot="1" noChangeAspect="1" noMove="1" noResize="1" noEditPoints="1" noAdjustHandles="1" noChangeArrowheads="1" noChangeShapeType="1" noTextEdit="1"/>
+          </p:cNvSpPr>
+          <p:nvPr>
+            <p:extLst>
+              <p:ext uri="{386F3935-93C4-4BCD-93E2-E3B085C9AB24}">
+                <p16:designElem xmlns:p16="http://schemas.microsoft.com/office/powerpoint/2015/main" val="1"/>
+              </p:ext>
+            </p:extLst>
+          </p:nvPr>
+        </p:nvSpPr>
+        <p:spPr bwMode="white">
+          <a:xfrm>
+            <a:off x="-25399" y="-25399"/>
+            <a:ext cx="11010899" cy="10325099"/>
+          </a:xfrm>
+          <a:custGeom>
+            <a:avLst/>
+            <a:gdLst>
+              <a:gd name="connsiteX0" fmla="*/ 5427133 w 7340600"/>
+              <a:gd name="connsiteY0" fmla="*/ 8466 h 6883400"/>
+              <a:gd name="connsiteX1" fmla="*/ 4783666 w 7340600"/>
+              <a:gd name="connsiteY1" fmla="*/ 2573866 h 6883400"/>
+              <a:gd name="connsiteX2" fmla="*/ 7340600 w 7340600"/>
+              <a:gd name="connsiteY2" fmla="*/ 6874933 h 6883400"/>
+              <a:gd name="connsiteX3" fmla="*/ 0 w 7340600"/>
+              <a:gd name="connsiteY3" fmla="*/ 6883400 h 6883400"/>
+              <a:gd name="connsiteX4" fmla="*/ 8466 w 7340600"/>
+              <a:gd name="connsiteY4" fmla="*/ 0 h 6883400"/>
+              <a:gd name="connsiteX5" fmla="*/ 5427133 w 7340600"/>
+              <a:gd name="connsiteY5" fmla="*/ 8466 h 6883400"/>
+            </a:gdLst>
+            <a:ahLst/>
+            <a:cxnLst>
+              <a:cxn ang="0">
+                <a:pos x="connsiteX0" y="connsiteY0"/>
+              </a:cxn>
+              <a:cxn ang="0">
+                <a:pos x="connsiteX1" y="connsiteY1"/>
+              </a:cxn>
+              <a:cxn ang="0">
+                <a:pos x="connsiteX2" y="connsiteY2"/>
+              </a:cxn>
+              <a:cxn ang="0">
+                <a:pos x="connsiteX3" y="connsiteY3"/>
+              </a:cxn>
+              <a:cxn ang="0">
+                <a:pos x="connsiteX4" y="connsiteY4"/>
+              </a:cxn>
+              <a:cxn ang="0">
+                <a:pos x="connsiteX5" y="connsiteY5"/>
+              </a:cxn>
+            </a:cxnLst>
+            <a:rect l="l" t="t" r="r" b="b"/>
+            <a:pathLst>
+              <a:path w="7340600" h="6883400">
+                <a:moveTo>
+                  <a:pt x="5427133" y="8466"/>
+                </a:moveTo>
+                <a:lnTo>
+                  <a:pt x="4783666" y="2573866"/>
+                </a:lnTo>
+                <a:lnTo>
+                  <a:pt x="7340600" y="6874933"/>
+                </a:lnTo>
+                <a:lnTo>
+                  <a:pt x="0" y="6883400"/>
+                </a:lnTo>
+                <a:lnTo>
+                  <a:pt x="8466" y="0"/>
+                </a:lnTo>
+                <a:lnTo>
+                  <a:pt x="5427133" y="8466"/>
+                </a:lnTo>
+                <a:close/>
+              </a:path>
+            </a:pathLst>
+          </a:custGeom>
+          <a:solidFill>
+            <a:schemeClr val="tx1">
+              <a:lumMod val="95000"/>
+              <a:lumOff val="5000"/>
+              <a:alpha val="80000"/>
+            </a:schemeClr>
+          </a:solidFill>
+          <a:ln>
+            <a:noFill/>
+          </a:ln>
+          <a:effectLst/>
+        </p:spPr>
+        <p:style>
+          <a:lnRef idx="1">
+            <a:schemeClr val="accent1"/>
+          </a:lnRef>
+          <a:fillRef idx="3">
+            <a:schemeClr val="accent1"/>
+          </a:fillRef>
+          <a:effectRef idx="2">
+            <a:schemeClr val="accent1"/>
+          </a:effectRef>
+          <a:fontRef idx="minor">
+            <a:schemeClr val="lt1"/>
+          </a:fontRef>
+        </p:style>
+        <p:txBody>
+          <a:bodyPr rtlCol="0" anchor="ctr"/>
+          <a:lstStyle/>
+          <a:p>
+            <a:pPr algn="ctr"/>
+            <a:endParaRPr lang="en-US"/>
+          </a:p>
+        </p:txBody>
+      </p:sp>
       <p:sp>
         <p:nvSpPr>
           <p:cNvPr id="2" name="TextBox 2"/>
@@ -15637,45 +16252,627 @@
         </p:nvSpPr>
         <p:spPr>
           <a:xfrm>
-            <a:off x="1380226" y="866775"/>
-            <a:ext cx="16907774" cy="3133725"/>
+            <a:off x="141194" y="-63501"/>
+            <a:ext cx="7815635" cy="3733800"/>
           </a:xfrm>
           <a:prstGeom prst="rect">
             <a:avLst/>
           </a:prstGeom>
+          <a:effectLst/>
         </p:spPr>
         <p:txBody>
-          <a:bodyPr wrap="square" lIns="0" tIns="0" rIns="0" bIns="0" rtlCol="0" anchor="t">
+          <a:bodyPr vert="horz" lIns="91440" tIns="45720" rIns="91440" bIns="45720" rtlCol="0" anchor="b">
+            <a:normAutofit/>
+          </a:bodyPr>
+          <a:lstStyle/>
+          <a:p>
+            <a:pPr defTabSz="457200">
+              <a:lnSpc>
+                <a:spcPct val="90000"/>
+              </a:lnSpc>
+              <a:spcBef>
+                <a:spcPct val="0"/>
+              </a:spcBef>
+              <a:spcAft>
+                <a:spcPts val="600"/>
+              </a:spcAft>
+            </a:pPr>
+            <a:r>
+              <a:rPr lang="en-US" sz="9600" b="1" dirty="0">
+                <a:ln w="3175" cmpd="sng">
+                  <a:noFill/>
+                </a:ln>
+                <a:solidFill>
+                  <a:schemeClr val="bg1"/>
+                </a:solidFill>
+                <a:latin typeface="+mj-lt"/>
+                <a:ea typeface="+mj-ea"/>
+                <a:cs typeface="+mj-cs"/>
+              </a:rPr>
+              <a:t>My Background: </a:t>
+            </a:r>
+            <a:endParaRPr lang="en-US" sz="6900" b="1">
+              <a:ln w="3175" cmpd="sng">
+                <a:noFill/>
+              </a:ln>
+              <a:solidFill>
+                <a:schemeClr val="bg1"/>
+              </a:solidFill>
+              <a:latin typeface="+mj-lt"/>
+              <a:ea typeface="+mj-ea"/>
+              <a:cs typeface="+mj-cs"/>
+            </a:endParaRPr>
+          </a:p>
+        </p:txBody>
+      </p:sp>
+      <p:grpSp>
+        <p:nvGrpSpPr>
+          <p:cNvPr id="45" name="Group 44">
+            <a:extLst>
+              <a:ext uri="{FF2B5EF4-FFF2-40B4-BE49-F238E27FC236}">
+                <a16:creationId xmlns:a16="http://schemas.microsoft.com/office/drawing/2014/main" id="{1FE3F97D-27C5-498C-A189-D1D4ADE014C2}"/>
+              </a:ext>
+              <a:ext uri="{C183D7F6-B498-43B3-948B-1728B52AA6E4}">
+                <adec:decorative xmlns:adec="http://schemas.microsoft.com/office/drawing/2017/decorative" val="1"/>
+              </a:ext>
+            </a:extLst>
+          </p:cNvPr>
+          <p:cNvGrpSpPr>
+            <a:grpSpLocks noGrp="1" noUngrp="1" noRot="1" noChangeAspect="1" noMove="1" noResize="1"/>
+          </p:cNvGrpSpPr>
+          <p:nvPr>
+            <p:extLst>
+              <p:ext uri="{386F3935-93C4-4BCD-93E2-E3B085C9AB24}">
+                <p16:designElem xmlns:p16="http://schemas.microsoft.com/office/powerpoint/2015/main" val="1"/>
+              </p:ext>
+            </p:extLst>
+          </p:nvPr>
+        </p:nvGrpSpPr>
+        <p:grpSpPr>
+          <a:xfrm>
+            <a:off x="7296151" y="-7144"/>
+            <a:ext cx="7522369" cy="10294145"/>
+            <a:chOff x="2928938" y="-4763"/>
+            <a:chExt cx="5014912" cy="6862763"/>
+          </a:xfrm>
+        </p:grpSpPr>
+        <p:sp>
+          <p:nvSpPr>
+            <p:cNvPr id="46" name="Freeform 6">
+              <a:extLst>
+                <a:ext uri="{FF2B5EF4-FFF2-40B4-BE49-F238E27FC236}">
+                  <a16:creationId xmlns:a16="http://schemas.microsoft.com/office/drawing/2014/main" id="{E16A77AE-FC02-41D6-84BA-87C5D2842B88}"/>
+                </a:ext>
+                <a:ext uri="{C183D7F6-B498-43B3-948B-1728B52AA6E4}">
+                  <adec:decorative xmlns:adec="http://schemas.microsoft.com/office/drawing/2017/decorative" val="1"/>
+                </a:ext>
+              </a:extLst>
+            </p:cNvPr>
+            <p:cNvSpPr/>
+            <p:nvPr>
+              <p:extLst>
+                <p:ext uri="{386F3935-93C4-4BCD-93E2-E3B085C9AB24}">
+                  <p16:designElem xmlns:p16="http://schemas.microsoft.com/office/powerpoint/2015/main" val="1"/>
+                </p:ext>
+              </p:extLst>
+            </p:nvPr>
+          </p:nvSpPr>
+          <p:spPr bwMode="auto">
+            <a:xfrm>
+              <a:off x="3367088" y="-4763"/>
+              <a:ext cx="1063625" cy="2782888"/>
+            </a:xfrm>
+            <a:custGeom>
+              <a:avLst/>
+              <a:gdLst/>
+              <a:ahLst/>
+              <a:cxnLst/>
+              <a:rect l="0" t="0" r="r" b="b"/>
+              <a:pathLst>
+                <a:path w="670" h="1753">
+                  <a:moveTo>
+                    <a:pt x="0" y="1696"/>
+                  </a:moveTo>
+                  <a:lnTo>
+                    <a:pt x="225" y="1753"/>
+                  </a:lnTo>
+                  <a:lnTo>
+                    <a:pt x="670" y="0"/>
+                  </a:lnTo>
+                  <a:lnTo>
+                    <a:pt x="430" y="0"/>
+                  </a:lnTo>
+                  <a:lnTo>
+                    <a:pt x="0" y="1696"/>
+                  </a:lnTo>
+                  <a:close/>
+                </a:path>
+              </a:pathLst>
+            </a:custGeom>
+            <a:solidFill>
+              <a:schemeClr val="accent1"/>
+            </a:solidFill>
+            <a:ln>
+              <a:noFill/>
+            </a:ln>
+          </p:spPr>
+        </p:sp>
+        <p:sp>
+          <p:nvSpPr>
+            <p:cNvPr id="47" name="Freeform 7">
+              <a:extLst>
+                <a:ext uri="{FF2B5EF4-FFF2-40B4-BE49-F238E27FC236}">
+                  <a16:creationId xmlns:a16="http://schemas.microsoft.com/office/drawing/2014/main" id="{5AC60704-A008-45AB-86B8-68AE06B21C83}"/>
+                </a:ext>
+                <a:ext uri="{C183D7F6-B498-43B3-948B-1728B52AA6E4}">
+                  <adec:decorative xmlns:adec="http://schemas.microsoft.com/office/drawing/2017/decorative" val="1"/>
+                </a:ext>
+              </a:extLst>
+            </p:cNvPr>
+            <p:cNvSpPr/>
+            <p:nvPr>
+              <p:extLst>
+                <p:ext uri="{386F3935-93C4-4BCD-93E2-E3B085C9AB24}">
+                  <p16:designElem xmlns:p16="http://schemas.microsoft.com/office/powerpoint/2015/main" val="1"/>
+                </p:ext>
+              </p:extLst>
+            </p:nvPr>
+          </p:nvSpPr>
+          <p:spPr bwMode="auto">
+            <a:xfrm>
+              <a:off x="2928938" y="-4763"/>
+              <a:ext cx="1035050" cy="2673350"/>
+            </a:xfrm>
+            <a:custGeom>
+              <a:avLst/>
+              <a:gdLst/>
+              <a:ahLst/>
+              <a:cxnLst/>
+              <a:rect l="0" t="0" r="r" b="b"/>
+              <a:pathLst>
+                <a:path w="652" h="1684">
+                  <a:moveTo>
+                    <a:pt x="225" y="1684"/>
+                  </a:moveTo>
+                  <a:lnTo>
+                    <a:pt x="652" y="0"/>
+                  </a:lnTo>
+                  <a:lnTo>
+                    <a:pt x="411" y="0"/>
+                  </a:lnTo>
+                  <a:lnTo>
+                    <a:pt x="0" y="1627"/>
+                  </a:lnTo>
+                  <a:lnTo>
+                    <a:pt x="219" y="1681"/>
+                  </a:lnTo>
+                  <a:lnTo>
+                    <a:pt x="225" y="1684"/>
+                  </a:lnTo>
+                  <a:close/>
+                </a:path>
+              </a:pathLst>
+            </a:custGeom>
+            <a:solidFill>
+              <a:schemeClr val="tx1">
+                <a:lumMod val="65000"/>
+                <a:lumOff val="35000"/>
+              </a:schemeClr>
+            </a:solidFill>
+            <a:ln>
+              <a:noFill/>
+            </a:ln>
+          </p:spPr>
+        </p:sp>
+        <p:sp>
+          <p:nvSpPr>
+            <p:cNvPr id="48" name="Freeform 12">
+              <a:extLst>
+                <a:ext uri="{FF2B5EF4-FFF2-40B4-BE49-F238E27FC236}">
+                  <a16:creationId xmlns:a16="http://schemas.microsoft.com/office/drawing/2014/main" id="{6D4F05EC-AD9F-40D6-8289-ED803214275F}"/>
+                </a:ext>
+                <a:ext uri="{C183D7F6-B498-43B3-948B-1728B52AA6E4}">
+                  <adec:decorative xmlns:adec="http://schemas.microsoft.com/office/drawing/2017/decorative" val="1"/>
+                </a:ext>
+              </a:extLst>
+            </p:cNvPr>
+            <p:cNvSpPr/>
+            <p:nvPr>
+              <p:extLst>
+                <p:ext uri="{386F3935-93C4-4BCD-93E2-E3B085C9AB24}">
+                  <p16:designElem xmlns:p16="http://schemas.microsoft.com/office/powerpoint/2015/main" val="1"/>
+                </p:ext>
+              </p:extLst>
+            </p:nvPr>
+          </p:nvSpPr>
+          <p:spPr bwMode="auto">
+            <a:xfrm>
+              <a:off x="2928938" y="2582862"/>
+              <a:ext cx="2693987" cy="4275138"/>
+            </a:xfrm>
+            <a:custGeom>
+              <a:avLst/>
+              <a:gdLst/>
+              <a:ahLst/>
+              <a:cxnLst/>
+              <a:rect l="0" t="0" r="r" b="b"/>
+              <a:pathLst>
+                <a:path w="1697" h="2693">
+                  <a:moveTo>
+                    <a:pt x="0" y="0"/>
+                  </a:moveTo>
+                  <a:lnTo>
+                    <a:pt x="1622" y="2693"/>
+                  </a:lnTo>
+                  <a:lnTo>
+                    <a:pt x="1697" y="2693"/>
+                  </a:lnTo>
+                  <a:lnTo>
+                    <a:pt x="0" y="0"/>
+                  </a:lnTo>
+                  <a:close/>
+                </a:path>
+              </a:pathLst>
+            </a:custGeom>
+            <a:solidFill>
+              <a:schemeClr val="tx1">
+                <a:lumMod val="85000"/>
+                <a:lumOff val="15000"/>
+              </a:schemeClr>
+            </a:solidFill>
+            <a:ln>
+              <a:noFill/>
+            </a:ln>
+          </p:spPr>
+        </p:sp>
+        <p:sp>
+          <p:nvSpPr>
+            <p:cNvPr id="49" name="Freeform 13">
+              <a:extLst>
+                <a:ext uri="{FF2B5EF4-FFF2-40B4-BE49-F238E27FC236}">
+                  <a16:creationId xmlns:a16="http://schemas.microsoft.com/office/drawing/2014/main" id="{E1AEBD23-D7CE-46D8-B8F4-0016B2F63CF0}"/>
+                </a:ext>
+                <a:ext uri="{C183D7F6-B498-43B3-948B-1728B52AA6E4}">
+                  <adec:decorative xmlns:adec="http://schemas.microsoft.com/office/drawing/2017/decorative" val="1"/>
+                </a:ext>
+              </a:extLst>
+            </p:cNvPr>
+            <p:cNvSpPr/>
+            <p:nvPr>
+              <p:extLst>
+                <p:ext uri="{386F3935-93C4-4BCD-93E2-E3B085C9AB24}">
+                  <p16:designElem xmlns:p16="http://schemas.microsoft.com/office/powerpoint/2015/main" val="1"/>
+                </p:ext>
+              </p:extLst>
+            </p:nvPr>
+          </p:nvSpPr>
+          <p:spPr bwMode="auto">
+            <a:xfrm>
+              <a:off x="3371850" y="2692400"/>
+              <a:ext cx="3332162" cy="4165600"/>
+            </a:xfrm>
+            <a:custGeom>
+              <a:avLst/>
+              <a:gdLst/>
+              <a:ahLst/>
+              <a:cxnLst/>
+              <a:rect l="0" t="0" r="r" b="b"/>
+              <a:pathLst>
+                <a:path w="2099" h="2624">
+                  <a:moveTo>
+                    <a:pt x="2099" y="2624"/>
+                  </a:moveTo>
+                  <a:lnTo>
+                    <a:pt x="0" y="0"/>
+                  </a:lnTo>
+                  <a:lnTo>
+                    <a:pt x="2021" y="2624"/>
+                  </a:lnTo>
+                  <a:lnTo>
+                    <a:pt x="2099" y="2624"/>
+                  </a:lnTo>
+                  <a:close/>
+                </a:path>
+              </a:pathLst>
+            </a:custGeom>
+            <a:solidFill>
+              <a:schemeClr val="accent1">
+                <a:lumMod val="50000"/>
+              </a:schemeClr>
+            </a:solidFill>
+            <a:ln>
+              <a:noFill/>
+            </a:ln>
+          </p:spPr>
+        </p:sp>
+        <p:sp>
+          <p:nvSpPr>
+            <p:cNvPr id="50" name="Freeform 14">
+              <a:extLst>
+                <a:ext uri="{FF2B5EF4-FFF2-40B4-BE49-F238E27FC236}">
+                  <a16:creationId xmlns:a16="http://schemas.microsoft.com/office/drawing/2014/main" id="{5E461B2A-6F25-4FD3-B8A8-8358718FB79C}"/>
+                </a:ext>
+                <a:ext uri="{C183D7F6-B498-43B3-948B-1728B52AA6E4}">
+                  <adec:decorative xmlns:adec="http://schemas.microsoft.com/office/drawing/2017/decorative" val="1"/>
+                </a:ext>
+              </a:extLst>
+            </p:cNvPr>
+            <p:cNvSpPr/>
+            <p:nvPr>
+              <p:extLst>
+                <p:ext uri="{386F3935-93C4-4BCD-93E2-E3B085C9AB24}">
+                  <p16:designElem xmlns:p16="http://schemas.microsoft.com/office/powerpoint/2015/main" val="1"/>
+                </p:ext>
+              </p:extLst>
+            </p:nvPr>
+          </p:nvSpPr>
+          <p:spPr bwMode="auto">
+            <a:xfrm>
+              <a:off x="3367088" y="2687637"/>
+              <a:ext cx="4576762" cy="4170363"/>
+            </a:xfrm>
+            <a:custGeom>
+              <a:avLst/>
+              <a:gdLst/>
+              <a:ahLst/>
+              <a:cxnLst/>
+              <a:rect l="0" t="0" r="r" b="b"/>
+              <a:pathLst>
+                <a:path w="2883" h="2627">
+                  <a:moveTo>
+                    <a:pt x="0" y="0"/>
+                  </a:moveTo>
+                  <a:lnTo>
+                    <a:pt x="3" y="3"/>
+                  </a:lnTo>
+                  <a:lnTo>
+                    <a:pt x="2102" y="2627"/>
+                  </a:lnTo>
+                  <a:lnTo>
+                    <a:pt x="2883" y="2627"/>
+                  </a:lnTo>
+                  <a:lnTo>
+                    <a:pt x="225" y="57"/>
+                  </a:lnTo>
+                  <a:lnTo>
+                    <a:pt x="0" y="0"/>
+                  </a:lnTo>
+                  <a:close/>
+                </a:path>
+              </a:pathLst>
+            </a:custGeom>
+            <a:solidFill>
+              <a:schemeClr val="accent1">
+                <a:lumMod val="75000"/>
+              </a:schemeClr>
+            </a:solidFill>
+            <a:ln>
+              <a:noFill/>
+            </a:ln>
+          </p:spPr>
+        </p:sp>
+        <p:sp>
+          <p:nvSpPr>
+            <p:cNvPr id="51" name="Freeform 15">
+              <a:extLst>
+                <a:ext uri="{FF2B5EF4-FFF2-40B4-BE49-F238E27FC236}">
+                  <a16:creationId xmlns:a16="http://schemas.microsoft.com/office/drawing/2014/main" id="{DC9F5BDD-A982-4275-A718-21F673A3CE42}"/>
+                </a:ext>
+                <a:ext uri="{C183D7F6-B498-43B3-948B-1728B52AA6E4}">
+                  <adec:decorative xmlns:adec="http://schemas.microsoft.com/office/drawing/2017/decorative" val="1"/>
+                </a:ext>
+              </a:extLst>
+            </p:cNvPr>
+            <p:cNvSpPr/>
+            <p:nvPr>
+              <p:extLst>
+                <p:ext uri="{386F3935-93C4-4BCD-93E2-E3B085C9AB24}">
+                  <p16:designElem xmlns:p16="http://schemas.microsoft.com/office/powerpoint/2015/main" val="1"/>
+                </p:ext>
+              </p:extLst>
+            </p:nvPr>
+          </p:nvSpPr>
+          <p:spPr bwMode="auto">
+            <a:xfrm>
+              <a:off x="2928938" y="2578100"/>
+              <a:ext cx="3584575" cy="4279900"/>
+            </a:xfrm>
+            <a:custGeom>
+              <a:avLst/>
+              <a:gdLst/>
+              <a:ahLst/>
+              <a:cxnLst/>
+              <a:rect l="0" t="0" r="r" b="b"/>
+              <a:pathLst>
+                <a:path w="2258" h="2696">
+                  <a:moveTo>
+                    <a:pt x="2258" y="2696"/>
+                  </a:moveTo>
+                  <a:lnTo>
+                    <a:pt x="264" y="111"/>
+                  </a:lnTo>
+                  <a:lnTo>
+                    <a:pt x="228" y="60"/>
+                  </a:lnTo>
+                  <a:lnTo>
+                    <a:pt x="225" y="57"/>
+                  </a:lnTo>
+                  <a:lnTo>
+                    <a:pt x="0" y="0"/>
+                  </a:lnTo>
+                  <a:lnTo>
+                    <a:pt x="0" y="3"/>
+                  </a:lnTo>
+                  <a:lnTo>
+                    <a:pt x="1697" y="2696"/>
+                  </a:lnTo>
+                  <a:lnTo>
+                    <a:pt x="2258" y="2696"/>
+                  </a:lnTo>
+                  <a:close/>
+                </a:path>
+              </a:pathLst>
+            </a:custGeom>
+            <a:solidFill>
+              <a:schemeClr val="tx1">
+                <a:lumMod val="75000"/>
+                <a:lumOff val="25000"/>
+              </a:schemeClr>
+            </a:solidFill>
+            <a:ln>
+              <a:noFill/>
+            </a:ln>
+          </p:spPr>
+        </p:sp>
+      </p:grpSp>
+      <p:pic>
+        <p:nvPicPr>
+          <p:cNvPr id="4" name="Picture 4">
+            <a:extLst>
+              <a:ext uri="{FF2B5EF4-FFF2-40B4-BE49-F238E27FC236}">
+                <a16:creationId xmlns:a16="http://schemas.microsoft.com/office/drawing/2014/main" id="{1F8E529F-D631-4505-BA67-15CCCA11E2E0}"/>
+              </a:ext>
+            </a:extLst>
+          </p:cNvPr>
+          <p:cNvPicPr>
+            <a:picLocks noChangeAspect="1"/>
+          </p:cNvPicPr>
+          <p:nvPr/>
+        </p:nvPicPr>
+        <p:blipFill rotWithShape="1">
+          <a:blip r:embed="rId2"/>
+          <a:srcRect t="6851" r="1" b="25689"/>
+          <a:stretch/>
+        </p:blipFill>
+        <p:spPr>
+          <a:xfrm>
+            <a:off x="8641626" y="10"/>
+            <a:ext cx="9646375" cy="6507461"/>
+          </a:xfrm>
+          <a:custGeom>
+            <a:avLst/>
+            <a:gdLst/>
+            <a:ahLst/>
+            <a:cxnLst/>
+            <a:rect l="l" t="t" r="r" b="b"/>
+            <a:pathLst>
+              <a:path w="6430917" h="4338314">
+                <a:moveTo>
+                  <a:pt x="712614" y="0"/>
+                </a:moveTo>
+                <a:lnTo>
+                  <a:pt x="6430917" y="0"/>
+                </a:lnTo>
+                <a:lnTo>
+                  <a:pt x="6430917" y="4338314"/>
+                </a:lnTo>
+                <a:lnTo>
+                  <a:pt x="0" y="2800083"/>
+                </a:lnTo>
+                <a:close/>
+              </a:path>
+            </a:pathLst>
+          </a:custGeom>
+        </p:spPr>
+      </p:pic>
+      <p:pic>
+        <p:nvPicPr>
+          <p:cNvPr id="5" name="Picture 5" descr="A picture containing text, clipart&#10;&#10;Description automatically generated">
+            <a:extLst>
+              <a:ext uri="{FF2B5EF4-FFF2-40B4-BE49-F238E27FC236}">
+                <a16:creationId xmlns:a16="http://schemas.microsoft.com/office/drawing/2014/main" id="{933085BD-24B5-4C75-9734-BF28CBF7F0BB}"/>
+              </a:ext>
+            </a:extLst>
+          </p:cNvPr>
+          <p:cNvPicPr>
+            <a:picLocks noChangeAspect="1"/>
+          </p:cNvPicPr>
+          <p:nvPr/>
+        </p:nvPicPr>
+        <p:blipFill rotWithShape="1">
+          <a:blip r:embed="rId3"/>
+          <a:srcRect t="14789" r="-1" b="22175"/>
+          <a:stretch/>
+        </p:blipFill>
+        <p:spPr>
+          <a:xfrm>
+            <a:off x="8625519" y="4196274"/>
+            <a:ext cx="9662481" cy="6090727"/>
+          </a:xfrm>
+          <a:custGeom>
+            <a:avLst/>
+            <a:gdLst/>
+            <a:ahLst/>
+            <a:cxnLst/>
+            <a:rect l="l" t="t" r="r" b="b"/>
+            <a:pathLst>
+              <a:path w="6441654" h="4060485">
+                <a:moveTo>
+                  <a:pt x="0" y="0"/>
+                </a:moveTo>
+                <a:lnTo>
+                  <a:pt x="6441654" y="1540800"/>
+                </a:lnTo>
+                <a:lnTo>
+                  <a:pt x="6441654" y="4060485"/>
+                </a:lnTo>
+                <a:lnTo>
+                  <a:pt x="4297229" y="4060485"/>
+                </a:lnTo>
+                <a:close/>
+              </a:path>
+            </a:pathLst>
+          </a:custGeom>
+        </p:spPr>
+      </p:pic>
+      <p:sp>
+        <p:nvSpPr>
+          <p:cNvPr id="7" name="TextBox 6">
+            <a:extLst>
+              <a:ext uri="{FF2B5EF4-FFF2-40B4-BE49-F238E27FC236}">
+                <a16:creationId xmlns:a16="http://schemas.microsoft.com/office/drawing/2014/main" id="{4326155A-F8F0-48CB-BAD6-AE8DBB64D0F6}"/>
+              </a:ext>
+            </a:extLst>
+          </p:cNvPr>
+          <p:cNvSpPr txBox="1"/>
+          <p:nvPr/>
+        </p:nvSpPr>
+        <p:spPr>
+          <a:xfrm>
+            <a:off x="1730439" y="4464808"/>
+            <a:ext cx="6172199" cy="1754326"/>
+          </a:xfrm>
+          <a:prstGeom prst="rect">
+            <a:avLst/>
+          </a:prstGeom>
+          <a:noFill/>
+        </p:spPr>
+        <p:txBody>
+          <a:bodyPr rot="0" spcFirstLastPara="0" vertOverflow="overflow" horzOverflow="overflow" vert="horz" wrap="square" lIns="91440" tIns="45720" rIns="91440" bIns="45720" numCol="1" spcCol="0" rtlCol="0" fromWordArt="0" anchor="t" anchorCtr="0" forceAA="0" compatLnSpc="1">
+            <a:prstTxWarp prst="textNoShape">
+              <a:avLst/>
+            </a:prstTxWarp>
             <a:spAutoFit/>
           </a:bodyPr>
           <a:lstStyle/>
           <a:p>
-            <a:pPr algn="ctr">
-              <a:lnSpc>
-                <a:spcPts val="12599"/>
-              </a:lnSpc>
-            </a:pPr>
             <a:r>
-              <a:rPr lang="en-US" sz="8000">
+              <a:rPr lang="en-US" sz="5400" b="1" dirty="0">
                 <a:solidFill>
-                  <a:schemeClr val="accent1"/>
+                  <a:schemeClr val="bg1"/>
                 </a:solidFill>
-                <a:latin typeface="Open Sans Extra Bold"/>
               </a:rPr>
-              <a:t>My Background: Medical vs Bank Cybersecurity</a:t>
+              <a:t>Medical vs Bank Cybersecurity</a:t>
             </a:r>
-            <a:endParaRPr lang="en-US" sz="8000">
-              <a:solidFill>
-                <a:schemeClr val="accent1"/>
-              </a:solidFill>
-              <a:latin typeface="Open Sans Extra Bold"/>
-              <a:ea typeface="Open Sans Extra Bold"/>
-              <a:cs typeface="Open Sans Extra Bold"/>
-            </a:endParaRPr>
           </a:p>
         </p:txBody>
       </p:sp>
     </p:spTree>
+    <p:extLst>
+      <p:ext uri="{BB962C8B-B14F-4D97-AF65-F5344CB8AC3E}">
+        <p14:creationId xmlns:p14="http://schemas.microsoft.com/office/powerpoint/2010/main" val="2891952695"/>
+      </p:ext>
+    </p:extLst>
   </p:cSld>
   <p:clrMapOvr>
     <a:masterClrMapping/>
